--- a/modules.pptx
+++ b/modules.pptx
@@ -5,12 +5,13 @@
     <p:sldMasterId id="2147483648" r:id="rId1"/>
   </p:sldMasterIdLst>
   <p:notesMasterIdLst>
-    <p:notesMasterId r:id="rId5"/>
+    <p:notesMasterId r:id="rId6"/>
   </p:notesMasterIdLst>
   <p:sldIdLst>
     <p:sldId id="256" r:id="rId2"/>
     <p:sldId id="257" r:id="rId3"/>
     <p:sldId id="258" r:id="rId4"/>
+    <p:sldId id="259" r:id="rId5"/>
   </p:sldIdLst>
   <p:sldSz cx="12192000" cy="6858000"/>
   <p:notesSz cx="6858000" cy="9144000"/>
@@ -199,7 +200,7 @@
           <a:p>
             <a:fld id="{62D1A186-7706-4026-8EB1-FEE548BDBD0C}" type="datetimeFigureOut">
               <a:rPr lang="zh-CN" altLang="en-US" smtClean="0"/>
-              <a:t>2021-08-10</a:t>
+              <a:t>2021/9/12</a:t>
             </a:fld>
             <a:endParaRPr lang="zh-CN" altLang="en-US"/>
           </a:p>
@@ -697,7 +698,7 @@
           <a:p>
             <a:fld id="{0A6F621E-1894-4E38-8091-6D0D5D1A9C4A}" type="datetimeFigureOut">
               <a:rPr lang="zh-CN" altLang="en-US" smtClean="0"/>
-              <a:t>2021-08-10</a:t>
+              <a:t>2021/9/12</a:t>
             </a:fld>
             <a:endParaRPr lang="zh-CN" altLang="en-US"/>
           </a:p>
@@ -895,7 +896,7 @@
           <a:p>
             <a:fld id="{0A6F621E-1894-4E38-8091-6D0D5D1A9C4A}" type="datetimeFigureOut">
               <a:rPr lang="zh-CN" altLang="en-US" smtClean="0"/>
-              <a:t>2021-08-10</a:t>
+              <a:t>2021/9/12</a:t>
             </a:fld>
             <a:endParaRPr lang="zh-CN" altLang="en-US"/>
           </a:p>
@@ -1103,7 +1104,7 @@
           <a:p>
             <a:fld id="{0A6F621E-1894-4E38-8091-6D0D5D1A9C4A}" type="datetimeFigureOut">
               <a:rPr lang="zh-CN" altLang="en-US" smtClean="0"/>
-              <a:t>2021-08-10</a:t>
+              <a:t>2021/9/12</a:t>
             </a:fld>
             <a:endParaRPr lang="zh-CN" altLang="en-US"/>
           </a:p>
@@ -1301,7 +1302,7 @@
           <a:p>
             <a:fld id="{0A6F621E-1894-4E38-8091-6D0D5D1A9C4A}" type="datetimeFigureOut">
               <a:rPr lang="zh-CN" altLang="en-US" smtClean="0"/>
-              <a:t>2021-08-10</a:t>
+              <a:t>2021/9/12</a:t>
             </a:fld>
             <a:endParaRPr lang="zh-CN" altLang="en-US"/>
           </a:p>
@@ -1576,7 +1577,7 @@
           <a:p>
             <a:fld id="{0A6F621E-1894-4E38-8091-6D0D5D1A9C4A}" type="datetimeFigureOut">
               <a:rPr lang="zh-CN" altLang="en-US" smtClean="0"/>
-              <a:t>2021-08-10</a:t>
+              <a:t>2021/9/12</a:t>
             </a:fld>
             <a:endParaRPr lang="zh-CN" altLang="en-US"/>
           </a:p>
@@ -1841,7 +1842,7 @@
           <a:p>
             <a:fld id="{0A6F621E-1894-4E38-8091-6D0D5D1A9C4A}" type="datetimeFigureOut">
               <a:rPr lang="zh-CN" altLang="en-US" smtClean="0"/>
-              <a:t>2021-08-10</a:t>
+              <a:t>2021/9/12</a:t>
             </a:fld>
             <a:endParaRPr lang="zh-CN" altLang="en-US"/>
           </a:p>
@@ -2253,7 +2254,7 @@
           <a:p>
             <a:fld id="{0A6F621E-1894-4E38-8091-6D0D5D1A9C4A}" type="datetimeFigureOut">
               <a:rPr lang="zh-CN" altLang="en-US" smtClean="0"/>
-              <a:t>2021-08-10</a:t>
+              <a:t>2021/9/12</a:t>
             </a:fld>
             <a:endParaRPr lang="zh-CN" altLang="en-US"/>
           </a:p>
@@ -2394,7 +2395,7 @@
           <a:p>
             <a:fld id="{0A6F621E-1894-4E38-8091-6D0D5D1A9C4A}" type="datetimeFigureOut">
               <a:rPr lang="zh-CN" altLang="en-US" smtClean="0"/>
-              <a:t>2021-08-10</a:t>
+              <a:t>2021/9/12</a:t>
             </a:fld>
             <a:endParaRPr lang="zh-CN" altLang="en-US"/>
           </a:p>
@@ -2507,7 +2508,7 @@
           <a:p>
             <a:fld id="{0A6F621E-1894-4E38-8091-6D0D5D1A9C4A}" type="datetimeFigureOut">
               <a:rPr lang="zh-CN" altLang="en-US" smtClean="0"/>
-              <a:t>2021-08-10</a:t>
+              <a:t>2021/9/12</a:t>
             </a:fld>
             <a:endParaRPr lang="zh-CN" altLang="en-US"/>
           </a:p>
@@ -2818,7 +2819,7 @@
           <a:p>
             <a:fld id="{0A6F621E-1894-4E38-8091-6D0D5D1A9C4A}" type="datetimeFigureOut">
               <a:rPr lang="zh-CN" altLang="en-US" smtClean="0"/>
-              <a:t>2021-08-10</a:t>
+              <a:t>2021/9/12</a:t>
             </a:fld>
             <a:endParaRPr lang="zh-CN" altLang="en-US"/>
           </a:p>
@@ -3106,7 +3107,7 @@
           <a:p>
             <a:fld id="{0A6F621E-1894-4E38-8091-6D0D5D1A9C4A}" type="datetimeFigureOut">
               <a:rPr lang="zh-CN" altLang="en-US" smtClean="0"/>
-              <a:t>2021-08-10</a:t>
+              <a:t>2021/9/12</a:t>
             </a:fld>
             <a:endParaRPr lang="zh-CN" altLang="en-US"/>
           </a:p>
@@ -3347,7 +3348,7 @@
           <a:p>
             <a:fld id="{0A6F621E-1894-4E38-8091-6D0D5D1A9C4A}" type="datetimeFigureOut">
               <a:rPr lang="zh-CN" altLang="en-US" smtClean="0"/>
-              <a:t>2021-08-10</a:t>
+              <a:t>2021/9/12</a:t>
             </a:fld>
             <a:endParaRPr lang="zh-CN" altLang="en-US"/>
           </a:p>
@@ -7608,8 +7609,8 @@
           </a:p>
         </p:txBody>
       </p:sp>
-      <mc:AlternateContent xmlns:mc="http://schemas.openxmlformats.org/markup-compatibility/2006">
-        <mc:Choice xmlns:a14="http://schemas.microsoft.com/office/drawing/2010/main" Requires="a14">
+      <mc:AlternateContent xmlns:mc="http://schemas.openxmlformats.org/markup-compatibility/2006" xmlns:a14="http://schemas.microsoft.com/office/drawing/2010/main">
+        <mc:Choice Requires="a14">
           <p:sp>
             <p:nvSpPr>
               <p:cNvPr id="46" name="文本框 45">
@@ -7732,13 +7733,12 @@
                 <a:endParaRPr lang="en-US" altLang="zh-CN" b="0" dirty="0"/>
               </a:p>
               <a:p>
-                <a:pPr/>
                 <a:endParaRPr lang="zh-CN" altLang="en-US" dirty="0"/>
               </a:p>
             </p:txBody>
           </p:sp>
         </mc:Choice>
-        <mc:Fallback>
+        <mc:Fallback xmlns="">
           <p:sp>
             <p:nvSpPr>
               <p:cNvPr id="46" name="文本框 45">
@@ -8553,8 +8553,8 @@
           </a:fontRef>
         </p:style>
       </p:cxnSp>
-      <mc:AlternateContent xmlns:mc="http://schemas.openxmlformats.org/markup-compatibility/2006">
-        <mc:Choice xmlns:a14="http://schemas.microsoft.com/office/drawing/2010/main" Requires="a14">
+      <mc:AlternateContent xmlns:mc="http://schemas.openxmlformats.org/markup-compatibility/2006" xmlns:a14="http://schemas.microsoft.com/office/drawing/2010/main">
+        <mc:Choice Requires="a14">
           <p:sp>
             <p:nvSpPr>
               <p:cNvPr id="10" name="文本框 9">
@@ -8660,7 +8660,7 @@
             </p:txBody>
           </p:sp>
         </mc:Choice>
-        <mc:Fallback>
+        <mc:Fallback xmlns="">
           <p:sp>
             <p:nvSpPr>
               <p:cNvPr id="10" name="文本框 9">
@@ -8849,8 +8849,8 @@
           </p:txBody>
         </p:sp>
       </p:grpSp>
-      <mc:AlternateContent xmlns:mc="http://schemas.openxmlformats.org/markup-compatibility/2006">
-        <mc:Choice xmlns:a14="http://schemas.microsoft.com/office/drawing/2010/main" Requires="a14">
+      <mc:AlternateContent xmlns:mc="http://schemas.openxmlformats.org/markup-compatibility/2006" xmlns:a14="http://schemas.microsoft.com/office/drawing/2010/main">
+        <mc:Choice Requires="a14">
           <p:sp>
             <p:nvSpPr>
               <p:cNvPr id="27" name="文本框 26">
@@ -8900,7 +8900,7 @@
             </p:txBody>
           </p:sp>
         </mc:Choice>
-        <mc:Fallback>
+        <mc:Fallback xmlns="">
           <p:sp>
             <p:nvSpPr>
               <p:cNvPr id="27" name="文本框 26">
@@ -8945,8 +8945,8 @@
           </p:sp>
         </mc:Fallback>
       </mc:AlternateContent>
-      <mc:AlternateContent xmlns:mc="http://schemas.openxmlformats.org/markup-compatibility/2006">
-        <mc:Choice xmlns:a14="http://schemas.microsoft.com/office/drawing/2010/main" Requires="a14">
+      <mc:AlternateContent xmlns:mc="http://schemas.openxmlformats.org/markup-compatibility/2006" xmlns:a14="http://schemas.microsoft.com/office/drawing/2010/main">
+        <mc:Choice Requires="a14">
           <p:sp>
             <p:nvSpPr>
               <p:cNvPr id="28" name="椭圆 27">
@@ -9048,7 +9048,7 @@
             </p:txBody>
           </p:sp>
         </mc:Choice>
-        <mc:Fallback>
+        <mc:Fallback xmlns="">
           <p:sp>
             <p:nvSpPr>
               <p:cNvPr id="28" name="椭圆 27">
@@ -9093,8 +9093,8 @@
           </p:sp>
         </mc:Fallback>
       </mc:AlternateContent>
-      <mc:AlternateContent xmlns:mc="http://schemas.openxmlformats.org/markup-compatibility/2006">
-        <mc:Choice xmlns:a14="http://schemas.microsoft.com/office/drawing/2010/main" Requires="a14">
+      <mc:AlternateContent xmlns:mc="http://schemas.openxmlformats.org/markup-compatibility/2006" xmlns:a14="http://schemas.microsoft.com/office/drawing/2010/main">
+        <mc:Choice Requires="a14">
           <p:sp>
             <p:nvSpPr>
               <p:cNvPr id="29" name="椭圆 28">
@@ -9196,7 +9196,7 @@
             </p:txBody>
           </p:sp>
         </mc:Choice>
-        <mc:Fallback>
+        <mc:Fallback xmlns="">
           <p:sp>
             <p:nvSpPr>
               <p:cNvPr id="29" name="椭圆 28">
@@ -9241,8 +9241,8 @@
           </p:sp>
         </mc:Fallback>
       </mc:AlternateContent>
-      <mc:AlternateContent xmlns:mc="http://schemas.openxmlformats.org/markup-compatibility/2006">
-        <mc:Choice xmlns:a14="http://schemas.microsoft.com/office/drawing/2010/main" Requires="a14">
+      <mc:AlternateContent xmlns:mc="http://schemas.openxmlformats.org/markup-compatibility/2006" xmlns:a14="http://schemas.microsoft.com/office/drawing/2010/main">
+        <mc:Choice Requires="a14">
           <p:sp>
             <p:nvSpPr>
               <p:cNvPr id="30" name="椭圆 29">
@@ -9310,13 +9310,7 @@
                             <a:rPr lang="en-US" altLang="zh-CN" sz="1600" b="0" i="1" smtClean="0">
                               <a:latin typeface="Cambria Math" panose="02040503050406030204" pitchFamily="18" charset="0"/>
                             </a:rPr>
-                            <m:t>1228</m:t>
-                          </m:r>
-                          <m:r>
-                            <a:rPr lang="en-US" altLang="zh-CN" sz="1600" b="0" i="1" smtClean="0">
-                              <a:latin typeface="Cambria Math" panose="02040503050406030204" pitchFamily="18" charset="0"/>
-                            </a:rPr>
-                            <m:t>5</m:t>
+                            <m:t>12285</m:t>
                           </m:r>
                         </m:sub>
                         <m:sup>
@@ -9350,7 +9344,7 @@
             </p:txBody>
           </p:sp>
         </mc:Choice>
-        <mc:Fallback>
+        <mc:Fallback xmlns="">
           <p:sp>
             <p:nvSpPr>
               <p:cNvPr id="30" name="椭圆 29">
@@ -9395,8 +9389,8 @@
           </p:sp>
         </mc:Fallback>
       </mc:AlternateContent>
-      <mc:AlternateContent xmlns:mc="http://schemas.openxmlformats.org/markup-compatibility/2006">
-        <mc:Choice xmlns:a14="http://schemas.microsoft.com/office/drawing/2010/main" Requires="a14">
+      <mc:AlternateContent xmlns:mc="http://schemas.openxmlformats.org/markup-compatibility/2006" xmlns:a14="http://schemas.microsoft.com/office/drawing/2010/main">
+        <mc:Choice Requires="a14">
           <p:sp>
             <p:nvSpPr>
               <p:cNvPr id="31" name="椭圆 30">
@@ -9464,13 +9458,7 @@
                             <a:rPr lang="en-US" altLang="zh-CN" sz="1600" b="0" i="1" smtClean="0">
                               <a:latin typeface="Cambria Math" panose="02040503050406030204" pitchFamily="18" charset="0"/>
                             </a:rPr>
-                            <m:t>1228</m:t>
-                          </m:r>
-                          <m:r>
-                            <a:rPr lang="en-US" altLang="zh-CN" sz="1600" b="0" i="1" smtClean="0">
-                              <a:latin typeface="Cambria Math" panose="02040503050406030204" pitchFamily="18" charset="0"/>
-                            </a:rPr>
-                            <m:t>6</m:t>
+                            <m:t>12286</m:t>
                           </m:r>
                         </m:sub>
                         <m:sup>
@@ -9504,7 +9492,7 @@
             </p:txBody>
           </p:sp>
         </mc:Choice>
-        <mc:Fallback>
+        <mc:Fallback xmlns="">
           <p:sp>
             <p:nvSpPr>
               <p:cNvPr id="31" name="椭圆 30">
@@ -9595,8 +9583,8 @@
           </a:p>
         </p:txBody>
       </p:sp>
-      <mc:AlternateContent xmlns:mc="http://schemas.openxmlformats.org/markup-compatibility/2006">
-        <mc:Choice xmlns:a14="http://schemas.microsoft.com/office/drawing/2010/main" Requires="a14">
+      <mc:AlternateContent xmlns:mc="http://schemas.openxmlformats.org/markup-compatibility/2006" xmlns:a14="http://schemas.microsoft.com/office/drawing/2010/main">
+        <mc:Choice Requires="a14">
           <p:sp>
             <p:nvSpPr>
               <p:cNvPr id="46" name="文本框 45">
@@ -9732,13 +9720,12 @@
                 <a:endParaRPr lang="en-US" altLang="zh-CN" b="0" dirty="0"/>
               </a:p>
               <a:p>
-                <a:pPr/>
                 <a:endParaRPr lang="zh-CN" altLang="en-US" dirty="0"/>
               </a:p>
             </p:txBody>
           </p:sp>
         </mc:Choice>
-        <mc:Fallback>
+        <mc:Fallback xmlns="">
           <p:sp>
             <p:nvSpPr>
               <p:cNvPr id="46" name="文本框 45">
@@ -9821,8 +9808,8 @@
           </a:fontRef>
         </p:style>
       </p:cxnSp>
-      <mc:AlternateContent xmlns:mc="http://schemas.openxmlformats.org/markup-compatibility/2006">
-        <mc:Choice xmlns:a14="http://schemas.microsoft.com/office/drawing/2010/main" Requires="a14">
+      <mc:AlternateContent xmlns:mc="http://schemas.openxmlformats.org/markup-compatibility/2006" xmlns:a14="http://schemas.microsoft.com/office/drawing/2010/main">
+        <mc:Choice Requires="a14">
           <p:sp>
             <p:nvSpPr>
               <p:cNvPr id="52" name="文本框 51">
@@ -9872,7 +9859,7 @@
             </p:txBody>
           </p:sp>
         </mc:Choice>
-        <mc:Fallback>
+        <mc:Fallback xmlns="">
           <p:sp>
             <p:nvSpPr>
               <p:cNvPr id="52" name="文本框 51">
@@ -9958,8 +9945,8 @@
           </a:fontRef>
         </p:style>
       </p:cxnSp>
-      <mc:AlternateContent xmlns:mc="http://schemas.openxmlformats.org/markup-compatibility/2006">
-        <mc:Choice xmlns:a14="http://schemas.microsoft.com/office/drawing/2010/main" Requires="a14">
+      <mc:AlternateContent xmlns:mc="http://schemas.openxmlformats.org/markup-compatibility/2006" xmlns:a14="http://schemas.microsoft.com/office/drawing/2010/main">
+        <mc:Choice Requires="a14">
           <p:sp>
             <p:nvSpPr>
               <p:cNvPr id="55" name="文本框 54">
@@ -10009,7 +9996,7 @@
             </p:txBody>
           </p:sp>
         </mc:Choice>
-        <mc:Fallback>
+        <mc:Fallback xmlns="">
           <p:sp>
             <p:nvSpPr>
               <p:cNvPr id="55" name="文本框 54">
@@ -10095,8 +10082,8 @@
           </a:fontRef>
         </p:style>
       </p:cxnSp>
-      <mc:AlternateContent xmlns:mc="http://schemas.openxmlformats.org/markup-compatibility/2006">
-        <mc:Choice xmlns:a14="http://schemas.microsoft.com/office/drawing/2010/main" Requires="a14">
+      <mc:AlternateContent xmlns:mc="http://schemas.openxmlformats.org/markup-compatibility/2006" xmlns:a14="http://schemas.microsoft.com/office/drawing/2010/main">
+        <mc:Choice Requires="a14">
           <p:sp>
             <p:nvSpPr>
               <p:cNvPr id="58" name="文本框 57">
@@ -10153,7 +10140,7 @@
             </p:txBody>
           </p:sp>
         </mc:Choice>
-        <mc:Fallback>
+        <mc:Fallback xmlns="">
           <p:sp>
             <p:nvSpPr>
               <p:cNvPr id="58" name="文本框 57">
@@ -10638,8 +10625,8 @@
           </a:p>
         </p:txBody>
       </p:sp>
-      <mc:AlternateContent xmlns:mc="http://schemas.openxmlformats.org/markup-compatibility/2006">
-        <mc:Choice xmlns:a14="http://schemas.microsoft.com/office/drawing/2010/main" Requires="a14">
+      <mc:AlternateContent xmlns:mc="http://schemas.openxmlformats.org/markup-compatibility/2006" xmlns:a14="http://schemas.microsoft.com/office/drawing/2010/main">
+        <mc:Choice Requires="a14">
           <p:sp>
             <p:nvSpPr>
               <p:cNvPr id="65" name="椭圆 64">
@@ -10742,7 +10729,7 @@
             </p:txBody>
           </p:sp>
         </mc:Choice>
-        <mc:Fallback>
+        <mc:Fallback xmlns="">
           <p:sp>
             <p:nvSpPr>
               <p:cNvPr id="65" name="椭圆 64">
@@ -10787,8 +10774,8 @@
           </p:sp>
         </mc:Fallback>
       </mc:AlternateContent>
-      <mc:AlternateContent xmlns:mc="http://schemas.openxmlformats.org/markup-compatibility/2006">
-        <mc:Choice xmlns:a14="http://schemas.microsoft.com/office/drawing/2010/main" Requires="a14">
+      <mc:AlternateContent xmlns:mc="http://schemas.openxmlformats.org/markup-compatibility/2006" xmlns:a14="http://schemas.microsoft.com/office/drawing/2010/main">
+        <mc:Choice Requires="a14">
           <p:sp>
             <p:nvSpPr>
               <p:cNvPr id="66" name="椭圆 65">
@@ -10891,7 +10878,7 @@
             </p:txBody>
           </p:sp>
         </mc:Choice>
-        <mc:Fallback>
+        <mc:Fallback xmlns="">
           <p:sp>
             <p:nvSpPr>
               <p:cNvPr id="66" name="椭圆 65">
@@ -10936,8 +10923,8 @@
           </p:sp>
         </mc:Fallback>
       </mc:AlternateContent>
-      <mc:AlternateContent xmlns:mc="http://schemas.openxmlformats.org/markup-compatibility/2006">
-        <mc:Choice xmlns:a14="http://schemas.microsoft.com/office/drawing/2010/main" Requires="a14">
+      <mc:AlternateContent xmlns:mc="http://schemas.openxmlformats.org/markup-compatibility/2006" xmlns:a14="http://schemas.microsoft.com/office/drawing/2010/main">
+        <mc:Choice Requires="a14">
           <p:sp>
             <p:nvSpPr>
               <p:cNvPr id="68" name="文本框 67">
@@ -10987,7 +10974,7 @@
             </p:txBody>
           </p:sp>
         </mc:Choice>
-        <mc:Fallback>
+        <mc:Fallback xmlns="">
           <p:sp>
             <p:nvSpPr>
               <p:cNvPr id="68" name="文本框 67">
@@ -11032,8 +11019,8 @@
           </p:sp>
         </mc:Fallback>
       </mc:AlternateContent>
-      <mc:AlternateContent xmlns:mc="http://schemas.openxmlformats.org/markup-compatibility/2006">
-        <mc:Choice xmlns:a14="http://schemas.microsoft.com/office/drawing/2010/main" Requires="a14">
+      <mc:AlternateContent xmlns:mc="http://schemas.openxmlformats.org/markup-compatibility/2006" xmlns:a14="http://schemas.microsoft.com/office/drawing/2010/main">
+        <mc:Choice Requires="a14">
           <p:sp>
             <p:nvSpPr>
               <p:cNvPr id="69" name="椭圆 68">
@@ -11136,7 +11123,7 @@
             </p:txBody>
           </p:sp>
         </mc:Choice>
-        <mc:Fallback>
+        <mc:Fallback xmlns="">
           <p:sp>
             <p:nvSpPr>
               <p:cNvPr id="69" name="椭圆 68">
@@ -11181,8 +11168,8 @@
           </p:sp>
         </mc:Fallback>
       </mc:AlternateContent>
-      <mc:AlternateContent xmlns:mc="http://schemas.openxmlformats.org/markup-compatibility/2006">
-        <mc:Choice xmlns:a14="http://schemas.microsoft.com/office/drawing/2010/main" Requires="a14">
+      <mc:AlternateContent xmlns:mc="http://schemas.openxmlformats.org/markup-compatibility/2006" xmlns:a14="http://schemas.microsoft.com/office/drawing/2010/main">
+        <mc:Choice Requires="a14">
           <p:sp>
             <p:nvSpPr>
               <p:cNvPr id="70" name="椭圆 69">
@@ -11285,7 +11272,7 @@
             </p:txBody>
           </p:sp>
         </mc:Choice>
-        <mc:Fallback>
+        <mc:Fallback xmlns="">
           <p:sp>
             <p:nvSpPr>
               <p:cNvPr id="70" name="椭圆 69">
@@ -11330,8 +11317,8 @@
           </p:sp>
         </mc:Fallback>
       </mc:AlternateContent>
-      <mc:AlternateContent xmlns:mc="http://schemas.openxmlformats.org/markup-compatibility/2006">
-        <mc:Choice xmlns:a14="http://schemas.microsoft.com/office/drawing/2010/main" Requires="a14">
+      <mc:AlternateContent xmlns:mc="http://schemas.openxmlformats.org/markup-compatibility/2006" xmlns:a14="http://schemas.microsoft.com/office/drawing/2010/main">
+        <mc:Choice Requires="a14">
           <p:sp>
             <p:nvSpPr>
               <p:cNvPr id="72" name="椭圆 71">
@@ -11434,7 +11421,7 @@
             </p:txBody>
           </p:sp>
         </mc:Choice>
-        <mc:Fallback>
+        <mc:Fallback xmlns="">
           <p:sp>
             <p:nvSpPr>
               <p:cNvPr id="72" name="椭圆 71">
@@ -11479,8 +11466,8 @@
           </p:sp>
         </mc:Fallback>
       </mc:AlternateContent>
-      <mc:AlternateContent xmlns:mc="http://schemas.openxmlformats.org/markup-compatibility/2006">
-        <mc:Choice xmlns:a14="http://schemas.microsoft.com/office/drawing/2010/main" Requires="a14">
+      <mc:AlternateContent xmlns:mc="http://schemas.openxmlformats.org/markup-compatibility/2006" xmlns:a14="http://schemas.microsoft.com/office/drawing/2010/main">
+        <mc:Choice Requires="a14">
           <p:sp>
             <p:nvSpPr>
               <p:cNvPr id="73" name="椭圆 72">
@@ -11583,7 +11570,7 @@
             </p:txBody>
           </p:sp>
         </mc:Choice>
-        <mc:Fallback>
+        <mc:Fallback xmlns="">
           <p:sp>
             <p:nvSpPr>
               <p:cNvPr id="73" name="椭圆 72">
@@ -11628,8 +11615,8 @@
           </p:sp>
         </mc:Fallback>
       </mc:AlternateContent>
-      <mc:AlternateContent xmlns:mc="http://schemas.openxmlformats.org/markup-compatibility/2006">
-        <mc:Choice xmlns:a14="http://schemas.microsoft.com/office/drawing/2010/main" Requires="a14">
+      <mc:AlternateContent xmlns:mc="http://schemas.openxmlformats.org/markup-compatibility/2006" xmlns:a14="http://schemas.microsoft.com/office/drawing/2010/main">
+        <mc:Choice Requires="a14">
           <p:sp>
             <p:nvSpPr>
               <p:cNvPr id="74" name="文本框 73">
@@ -11679,7 +11666,7 @@
             </p:txBody>
           </p:sp>
         </mc:Choice>
-        <mc:Fallback>
+        <mc:Fallback xmlns="">
           <p:sp>
             <p:nvSpPr>
               <p:cNvPr id="74" name="文本框 73">
@@ -11724,8 +11711,8 @@
           </p:sp>
         </mc:Fallback>
       </mc:AlternateContent>
-      <mc:AlternateContent xmlns:mc="http://schemas.openxmlformats.org/markup-compatibility/2006">
-        <mc:Choice xmlns:a14="http://schemas.microsoft.com/office/drawing/2010/main" Requires="a14">
+      <mc:AlternateContent xmlns:mc="http://schemas.openxmlformats.org/markup-compatibility/2006" xmlns:a14="http://schemas.microsoft.com/office/drawing/2010/main">
+        <mc:Choice Requires="a14">
           <p:sp>
             <p:nvSpPr>
               <p:cNvPr id="75" name="椭圆 74">
@@ -11828,7 +11815,7 @@
             </p:txBody>
           </p:sp>
         </mc:Choice>
-        <mc:Fallback>
+        <mc:Fallback xmlns="">
           <p:sp>
             <p:nvSpPr>
               <p:cNvPr id="75" name="椭圆 74">
@@ -11873,8 +11860,8 @@
           </p:sp>
         </mc:Fallback>
       </mc:AlternateContent>
-      <mc:AlternateContent xmlns:mc="http://schemas.openxmlformats.org/markup-compatibility/2006">
-        <mc:Choice xmlns:a14="http://schemas.microsoft.com/office/drawing/2010/main" Requires="a14">
+      <mc:AlternateContent xmlns:mc="http://schemas.openxmlformats.org/markup-compatibility/2006" xmlns:a14="http://schemas.microsoft.com/office/drawing/2010/main">
+        <mc:Choice Requires="a14">
           <p:sp>
             <p:nvSpPr>
               <p:cNvPr id="76" name="椭圆 75">
@@ -11977,7 +11964,7 @@
             </p:txBody>
           </p:sp>
         </mc:Choice>
-        <mc:Fallback>
+        <mc:Fallback xmlns="">
           <p:sp>
             <p:nvSpPr>
               <p:cNvPr id="76" name="椭圆 75">
@@ -12022,8 +12009,8 @@
           </p:sp>
         </mc:Fallback>
       </mc:AlternateContent>
-      <mc:AlternateContent xmlns:mc="http://schemas.openxmlformats.org/markup-compatibility/2006">
-        <mc:Choice xmlns:a14="http://schemas.microsoft.com/office/drawing/2010/main" Requires="a14">
+      <mc:AlternateContent xmlns:mc="http://schemas.openxmlformats.org/markup-compatibility/2006" xmlns:a14="http://schemas.microsoft.com/office/drawing/2010/main">
+        <mc:Choice Requires="a14">
           <p:sp>
             <p:nvSpPr>
               <p:cNvPr id="77" name="椭圆 76">
@@ -12126,7 +12113,7 @@
             </p:txBody>
           </p:sp>
         </mc:Choice>
-        <mc:Fallback>
+        <mc:Fallback xmlns="">
           <p:sp>
             <p:nvSpPr>
               <p:cNvPr id="77" name="椭圆 76">
@@ -12171,8 +12158,8 @@
           </p:sp>
         </mc:Fallback>
       </mc:AlternateContent>
-      <mc:AlternateContent xmlns:mc="http://schemas.openxmlformats.org/markup-compatibility/2006">
-        <mc:Choice xmlns:a14="http://schemas.microsoft.com/office/drawing/2010/main" Requires="a14">
+      <mc:AlternateContent xmlns:mc="http://schemas.openxmlformats.org/markup-compatibility/2006" xmlns:a14="http://schemas.microsoft.com/office/drawing/2010/main">
+        <mc:Choice Requires="a14">
           <p:sp>
             <p:nvSpPr>
               <p:cNvPr id="78" name="椭圆 77">
@@ -12275,7 +12262,7 @@
             </p:txBody>
           </p:sp>
         </mc:Choice>
-        <mc:Fallback>
+        <mc:Fallback xmlns="">
           <p:sp>
             <p:nvSpPr>
               <p:cNvPr id="78" name="椭圆 77">
@@ -12320,8 +12307,8 @@
           </p:sp>
         </mc:Fallback>
       </mc:AlternateContent>
-      <mc:AlternateContent xmlns:mc="http://schemas.openxmlformats.org/markup-compatibility/2006">
-        <mc:Choice xmlns:a14="http://schemas.microsoft.com/office/drawing/2010/main" Requires="a14">
+      <mc:AlternateContent xmlns:mc="http://schemas.openxmlformats.org/markup-compatibility/2006" xmlns:a14="http://schemas.microsoft.com/office/drawing/2010/main">
+        <mc:Choice Requires="a14">
           <p:sp>
             <p:nvSpPr>
               <p:cNvPr id="79" name="文本框 78">
@@ -12371,7 +12358,7 @@
             </p:txBody>
           </p:sp>
         </mc:Choice>
-        <mc:Fallback>
+        <mc:Fallback xmlns="">
           <p:sp>
             <p:nvSpPr>
               <p:cNvPr id="79" name="文本框 78">
@@ -12416,8 +12403,8 @@
           </p:sp>
         </mc:Fallback>
       </mc:AlternateContent>
-      <mc:AlternateContent xmlns:mc="http://schemas.openxmlformats.org/markup-compatibility/2006">
-        <mc:Choice xmlns:a14="http://schemas.microsoft.com/office/drawing/2010/main" Requires="a14">
+      <mc:AlternateContent xmlns:mc="http://schemas.openxmlformats.org/markup-compatibility/2006" xmlns:a14="http://schemas.microsoft.com/office/drawing/2010/main">
+        <mc:Choice Requires="a14">
           <p:sp>
             <p:nvSpPr>
               <p:cNvPr id="80" name="椭圆 79">
@@ -12520,7 +12507,7 @@
             </p:txBody>
           </p:sp>
         </mc:Choice>
-        <mc:Fallback>
+        <mc:Fallback xmlns="">
           <p:sp>
             <p:nvSpPr>
               <p:cNvPr id="80" name="椭圆 79">
@@ -12565,8 +12552,8 @@
           </p:sp>
         </mc:Fallback>
       </mc:AlternateContent>
-      <mc:AlternateContent xmlns:mc="http://schemas.openxmlformats.org/markup-compatibility/2006">
-        <mc:Choice xmlns:a14="http://schemas.microsoft.com/office/drawing/2010/main" Requires="a14">
+      <mc:AlternateContent xmlns:mc="http://schemas.openxmlformats.org/markup-compatibility/2006" xmlns:a14="http://schemas.microsoft.com/office/drawing/2010/main">
+        <mc:Choice Requires="a14">
           <p:sp>
             <p:nvSpPr>
               <p:cNvPr id="81" name="椭圆 80">
@@ -12669,7 +12656,7 @@
             </p:txBody>
           </p:sp>
         </mc:Choice>
-        <mc:Fallback>
+        <mc:Fallback xmlns="">
           <p:sp>
             <p:nvSpPr>
               <p:cNvPr id="81" name="椭圆 80">
@@ -15007,6 +14994,2582 @@
     <p:extLst>
       <p:ext uri="{BB962C8B-B14F-4D97-AF65-F5344CB8AC3E}">
         <p14:creationId xmlns:p14="http://schemas.microsoft.com/office/powerpoint/2010/main" val="3024072844"/>
+      </p:ext>
+    </p:extLst>
+  </p:cSld>
+  <p:clrMapOvr>
+    <a:masterClrMapping/>
+  </p:clrMapOvr>
+</p:sld>
+</file>
+
+<file path=ppt/slides/slide4.xml><?xml version="1.0" encoding="utf-8"?>
+<p:sld xmlns:a="http://schemas.openxmlformats.org/drawingml/2006/main" xmlns:r="http://schemas.openxmlformats.org/officeDocument/2006/relationships" xmlns:p="http://schemas.openxmlformats.org/presentationml/2006/main">
+  <p:cSld>
+    <p:spTree>
+      <p:nvGrpSpPr>
+        <p:cNvPr id="1" name=""/>
+        <p:cNvGrpSpPr/>
+        <p:nvPr/>
+      </p:nvGrpSpPr>
+      <p:grpSpPr>
+        <a:xfrm>
+          <a:off x="0" y="0"/>
+          <a:ext cx="0" cy="0"/>
+          <a:chOff x="0" y="0"/>
+          <a:chExt cx="0" cy="0"/>
+        </a:xfrm>
+      </p:grpSpPr>
+      <p:pic>
+        <p:nvPicPr>
+          <p:cNvPr id="6" name="图片 5">
+            <a:extLst>
+              <a:ext uri="{FF2B5EF4-FFF2-40B4-BE49-F238E27FC236}">
+                <a16:creationId xmlns:a16="http://schemas.microsoft.com/office/drawing/2014/main" id="{D3652524-8379-4092-9654-19799DF0AB7C}"/>
+              </a:ext>
+            </a:extLst>
+          </p:cNvPr>
+          <p:cNvPicPr>
+            <a:picLocks noChangeAspect="1"/>
+          </p:cNvPicPr>
+          <p:nvPr/>
+        </p:nvPicPr>
+        <p:blipFill>
+          <a:blip r:embed="rId2">
+            <a:extLst>
+              <a:ext uri="{28A0092B-C50C-407E-A947-70E740481C1C}">
+                <a14:useLocalDpi xmlns:a14="http://schemas.microsoft.com/office/drawing/2010/main" val="0"/>
+              </a:ext>
+            </a:extLst>
+          </a:blip>
+          <a:stretch>
+            <a:fillRect/>
+          </a:stretch>
+        </p:blipFill>
+        <p:spPr>
+          <a:xfrm>
+            <a:off x="6200499" y="-179332"/>
+            <a:ext cx="4141005" cy="3105754"/>
+          </a:xfrm>
+          <a:prstGeom prst="rect">
+            <a:avLst/>
+          </a:prstGeom>
+        </p:spPr>
+      </p:pic>
+      <p:pic>
+        <p:nvPicPr>
+          <p:cNvPr id="3" name="图片 2">
+            <a:extLst>
+              <a:ext uri="{FF2B5EF4-FFF2-40B4-BE49-F238E27FC236}">
+                <a16:creationId xmlns:a16="http://schemas.microsoft.com/office/drawing/2014/main" id="{6056B0D1-3DC3-4E0F-B899-24F7BD7E4054}"/>
+              </a:ext>
+            </a:extLst>
+          </p:cNvPr>
+          <p:cNvPicPr>
+            <a:picLocks noChangeAspect="1"/>
+          </p:cNvPicPr>
+          <p:nvPr/>
+        </p:nvPicPr>
+        <p:blipFill>
+          <a:blip r:embed="rId3">
+            <a:extLst>
+              <a:ext uri="{28A0092B-C50C-407E-A947-70E740481C1C}">
+                <a14:useLocalDpi xmlns:a14="http://schemas.microsoft.com/office/drawing/2010/main" val="0"/>
+              </a:ext>
+            </a:extLst>
+          </a:blip>
+          <a:stretch>
+            <a:fillRect/>
+          </a:stretch>
+        </p:blipFill>
+        <p:spPr>
+          <a:xfrm>
+            <a:off x="0" y="-179332"/>
+            <a:ext cx="4092844" cy="3069634"/>
+          </a:xfrm>
+          <a:prstGeom prst="rect">
+            <a:avLst/>
+          </a:prstGeom>
+        </p:spPr>
+      </p:pic>
+      <p:sp>
+        <p:nvSpPr>
+          <p:cNvPr id="11" name="文本框 10">
+            <a:extLst>
+              <a:ext uri="{FF2B5EF4-FFF2-40B4-BE49-F238E27FC236}">
+                <a16:creationId xmlns:a16="http://schemas.microsoft.com/office/drawing/2014/main" id="{DA3F1318-2786-456E-A913-B735590BC92E}"/>
+              </a:ext>
+            </a:extLst>
+          </p:cNvPr>
+          <p:cNvSpPr txBox="1"/>
+          <p:nvPr/>
+        </p:nvSpPr>
+        <p:spPr>
+          <a:xfrm>
+            <a:off x="1438736" y="5906468"/>
+            <a:ext cx="1920240" cy="400110"/>
+          </a:xfrm>
+          <a:prstGeom prst="rect">
+            <a:avLst/>
+          </a:prstGeom>
+          <a:noFill/>
+        </p:spPr>
+        <p:txBody>
+          <a:bodyPr wrap="square" rtlCol="0">
+            <a:spAutoFit/>
+          </a:bodyPr>
+          <a:lstStyle/>
+          <a:p>
+            <a:r>
+              <a:rPr lang="en-US" altLang="zh-CN" sz="2000" b="1" dirty="0">
+                <a:latin typeface="Cambria Math" panose="02040503050406030204" pitchFamily="18" charset="0"/>
+                <a:ea typeface="Cambria Math" panose="02040503050406030204" pitchFamily="18" charset="0"/>
+              </a:rPr>
+              <a:t>input layer</a:t>
+            </a:r>
+            <a:endParaRPr lang="zh-CN" altLang="en-US" sz="2000" b="1" dirty="0">
+              <a:latin typeface="Cambria Math" panose="02040503050406030204" pitchFamily="18" charset="0"/>
+            </a:endParaRPr>
+          </a:p>
+        </p:txBody>
+      </p:sp>
+      <mc:AlternateContent xmlns:mc="http://schemas.openxmlformats.org/markup-compatibility/2006" xmlns:a14="http://schemas.microsoft.com/office/drawing/2010/main">
+        <mc:Choice Requires="a14">
+          <p:sp>
+            <p:nvSpPr>
+              <p:cNvPr id="47" name="椭圆 46">
+                <a:extLst>
+                  <a:ext uri="{FF2B5EF4-FFF2-40B4-BE49-F238E27FC236}">
+                    <a16:creationId xmlns:a16="http://schemas.microsoft.com/office/drawing/2014/main" id="{D16EA809-F323-46F1-83EB-09020043F8E0}"/>
+                  </a:ext>
+                </a:extLst>
+              </p:cNvPr>
+              <p:cNvSpPr/>
+              <p:nvPr/>
+            </p:nvSpPr>
+            <p:spPr>
+              <a:xfrm>
+                <a:off x="1606902" y="3071756"/>
+                <a:ext cx="879039" cy="852931"/>
+              </a:xfrm>
+              <a:prstGeom prst="ellipse">
+                <a:avLst/>
+              </a:prstGeom>
+            </p:spPr>
+            <p:style>
+              <a:lnRef idx="2">
+                <a:schemeClr val="dk1"/>
+              </a:lnRef>
+              <a:fillRef idx="1">
+                <a:schemeClr val="lt1"/>
+              </a:fillRef>
+              <a:effectRef idx="0">
+                <a:schemeClr val="dk1"/>
+              </a:effectRef>
+              <a:fontRef idx="minor">
+                <a:schemeClr val="dk1"/>
+              </a:fontRef>
+            </p:style>
+            <p:txBody>
+              <a:bodyPr rtlCol="0" anchor="ctr"/>
+              <a:lstStyle/>
+              <a:p>
+                <a:pPr algn="ctr"/>
+                <a14:m>
+                  <m:oMathPara xmlns:m="http://schemas.openxmlformats.org/officeDocument/2006/math">
+                    <m:oMathParaPr>
+                      <m:jc m:val="center"/>
+                    </m:oMathParaPr>
+                    <m:oMath xmlns:m="http://schemas.openxmlformats.org/officeDocument/2006/math">
+                      <m:r>
+                        <a:rPr lang="en-US" altLang="zh-CN" sz="3200" b="0" i="1" smtClean="0">
+                          <a:latin typeface="Cambria Math" panose="02040503050406030204" pitchFamily="18" charset="0"/>
+                        </a:rPr>
+                        <m:t>𝑥</m:t>
+                      </m:r>
+                    </m:oMath>
+                  </m:oMathPara>
+                </a14:m>
+                <a:endParaRPr lang="zh-CN" altLang="en-US" sz="2800" dirty="0">
+                  <a:latin typeface="Cambria Math" panose="02040503050406030204" pitchFamily="18" charset="0"/>
+                </a:endParaRPr>
+              </a:p>
+            </p:txBody>
+          </p:sp>
+        </mc:Choice>
+        <mc:Fallback xmlns="">
+          <p:sp>
+            <p:nvSpPr>
+              <p:cNvPr id="47" name="椭圆 46">
+                <a:extLst>
+                  <a:ext uri="{FF2B5EF4-FFF2-40B4-BE49-F238E27FC236}">
+                    <a16:creationId xmlns:a16="http://schemas.microsoft.com/office/drawing/2014/main" id="{D16EA809-F323-46F1-83EB-09020043F8E0}"/>
+                  </a:ext>
+                </a:extLst>
+              </p:cNvPr>
+              <p:cNvSpPr>
+                <a:spLocks noRot="1" noChangeAspect="1" noMove="1" noResize="1" noEditPoints="1" noAdjustHandles="1" noChangeArrowheads="1" noChangeShapeType="1" noTextEdit="1"/>
+              </p:cNvSpPr>
+              <p:nvPr/>
+            </p:nvSpPr>
+            <p:spPr>
+              <a:xfrm>
+                <a:off x="1606902" y="3071756"/>
+                <a:ext cx="879039" cy="852931"/>
+              </a:xfrm>
+              <a:prstGeom prst="ellipse">
+                <a:avLst/>
+              </a:prstGeom>
+              <a:blipFill>
+                <a:blip r:embed="rId5"/>
+                <a:stretch>
+                  <a:fillRect/>
+                </a:stretch>
+              </a:blipFill>
+            </p:spPr>
+            <p:txBody>
+              <a:bodyPr/>
+              <a:lstStyle/>
+              <a:p>
+                <a:r>
+                  <a:rPr lang="zh-CN" altLang="en-US">
+                    <a:noFill/>
+                  </a:rPr>
+                  <a:t> </a:t>
+                </a:r>
+              </a:p>
+            </p:txBody>
+          </p:sp>
+        </mc:Fallback>
+      </mc:AlternateContent>
+      <mc:AlternateContent xmlns:mc="http://schemas.openxmlformats.org/markup-compatibility/2006" xmlns:a14="http://schemas.microsoft.com/office/drawing/2010/main">
+        <mc:Choice Requires="a14">
+          <p:sp>
+            <p:nvSpPr>
+              <p:cNvPr id="49" name="椭圆 48">
+                <a:extLst>
+                  <a:ext uri="{FF2B5EF4-FFF2-40B4-BE49-F238E27FC236}">
+                    <a16:creationId xmlns:a16="http://schemas.microsoft.com/office/drawing/2014/main" id="{490FE557-EC73-4499-A459-133597F68F64}"/>
+                  </a:ext>
+                </a:extLst>
+              </p:cNvPr>
+              <p:cNvSpPr/>
+              <p:nvPr/>
+            </p:nvSpPr>
+            <p:spPr>
+              <a:xfrm>
+                <a:off x="1617577" y="4219208"/>
+                <a:ext cx="879039" cy="852931"/>
+              </a:xfrm>
+              <a:prstGeom prst="ellipse">
+                <a:avLst/>
+              </a:prstGeom>
+            </p:spPr>
+            <p:style>
+              <a:lnRef idx="2">
+                <a:schemeClr val="dk1"/>
+              </a:lnRef>
+              <a:fillRef idx="1">
+                <a:schemeClr val="lt1"/>
+              </a:fillRef>
+              <a:effectRef idx="0">
+                <a:schemeClr val="dk1"/>
+              </a:effectRef>
+              <a:fontRef idx="minor">
+                <a:schemeClr val="dk1"/>
+              </a:fontRef>
+            </p:style>
+            <p:txBody>
+              <a:bodyPr rtlCol="0" anchor="ctr"/>
+              <a:lstStyle/>
+              <a:p>
+                <a:pPr algn="ctr"/>
+                <a14:m>
+                  <m:oMathPara xmlns:m="http://schemas.openxmlformats.org/officeDocument/2006/math">
+                    <m:oMathParaPr>
+                      <m:jc m:val="center"/>
+                    </m:oMathParaPr>
+                    <m:oMath xmlns:m="http://schemas.openxmlformats.org/officeDocument/2006/math">
+                      <m:r>
+                        <a:rPr lang="en-US" altLang="zh-CN" sz="3200" b="0" i="1" smtClean="0">
+                          <a:latin typeface="Cambria Math" panose="02040503050406030204" pitchFamily="18" charset="0"/>
+                        </a:rPr>
+                        <m:t>𝑦</m:t>
+                      </m:r>
+                    </m:oMath>
+                  </m:oMathPara>
+                </a14:m>
+                <a:endParaRPr lang="zh-CN" altLang="en-US" sz="2800" dirty="0">
+                  <a:latin typeface="Cambria Math" panose="02040503050406030204" pitchFamily="18" charset="0"/>
+                </a:endParaRPr>
+              </a:p>
+            </p:txBody>
+          </p:sp>
+        </mc:Choice>
+        <mc:Fallback xmlns="">
+          <p:sp>
+            <p:nvSpPr>
+              <p:cNvPr id="49" name="椭圆 48">
+                <a:extLst>
+                  <a:ext uri="{FF2B5EF4-FFF2-40B4-BE49-F238E27FC236}">
+                    <a16:creationId xmlns:a16="http://schemas.microsoft.com/office/drawing/2014/main" id="{490FE557-EC73-4499-A459-133597F68F64}"/>
+                  </a:ext>
+                </a:extLst>
+              </p:cNvPr>
+              <p:cNvSpPr>
+                <a:spLocks noRot="1" noChangeAspect="1" noMove="1" noResize="1" noEditPoints="1" noAdjustHandles="1" noChangeArrowheads="1" noChangeShapeType="1" noTextEdit="1"/>
+              </p:cNvSpPr>
+              <p:nvPr/>
+            </p:nvSpPr>
+            <p:spPr>
+              <a:xfrm>
+                <a:off x="1617577" y="4219208"/>
+                <a:ext cx="879039" cy="852931"/>
+              </a:xfrm>
+              <a:prstGeom prst="ellipse">
+                <a:avLst/>
+              </a:prstGeom>
+              <a:blipFill>
+                <a:blip r:embed="rId6"/>
+                <a:stretch>
+                  <a:fillRect/>
+                </a:stretch>
+              </a:blipFill>
+            </p:spPr>
+            <p:txBody>
+              <a:bodyPr/>
+              <a:lstStyle/>
+              <a:p>
+                <a:r>
+                  <a:rPr lang="zh-CN" altLang="en-US">
+                    <a:noFill/>
+                  </a:rPr>
+                  <a:t> </a:t>
+                </a:r>
+              </a:p>
+            </p:txBody>
+          </p:sp>
+        </mc:Fallback>
+      </mc:AlternateContent>
+      <mc:AlternateContent xmlns:mc="http://schemas.openxmlformats.org/markup-compatibility/2006">
+        <mc:Choice xmlns:a14="http://schemas.microsoft.com/office/drawing/2010/main" Requires="a14">
+          <p:sp>
+            <p:nvSpPr>
+              <p:cNvPr id="51" name="椭圆 50">
+                <a:extLst>
+                  <a:ext uri="{FF2B5EF4-FFF2-40B4-BE49-F238E27FC236}">
+                    <a16:creationId xmlns:a16="http://schemas.microsoft.com/office/drawing/2014/main" id="{1F4F5B59-9BE0-47A1-937A-B06635D8B840}"/>
+                  </a:ext>
+                </a:extLst>
+              </p:cNvPr>
+              <p:cNvSpPr/>
+              <p:nvPr/>
+            </p:nvSpPr>
+            <p:spPr>
+              <a:xfrm>
+                <a:off x="3626985" y="3143421"/>
+                <a:ext cx="763270" cy="740600"/>
+              </a:xfrm>
+              <a:prstGeom prst="ellipse">
+                <a:avLst/>
+              </a:prstGeom>
+            </p:spPr>
+            <p:style>
+              <a:lnRef idx="2">
+                <a:schemeClr val="dk1"/>
+              </a:lnRef>
+              <a:fillRef idx="1">
+                <a:schemeClr val="lt1"/>
+              </a:fillRef>
+              <a:effectRef idx="0">
+                <a:schemeClr val="dk1"/>
+              </a:effectRef>
+              <a:fontRef idx="minor">
+                <a:schemeClr val="dk1"/>
+              </a:fontRef>
+            </p:style>
+            <p:txBody>
+              <a:bodyPr rtlCol="0" anchor="ctr"/>
+              <a:lstStyle/>
+              <a:p>
+                <a:pPr algn="ctr"/>
+                <a14:m>
+                  <m:oMathPara xmlns:m="http://schemas.openxmlformats.org/officeDocument/2006/math">
+                    <m:oMathParaPr>
+                      <m:jc m:val="center"/>
+                    </m:oMathParaPr>
+                    <m:oMath xmlns:m="http://schemas.openxmlformats.org/officeDocument/2006/math">
+                      <m:sSubSup>
+                        <m:sSubSupPr>
+                          <m:ctrlPr>
+                            <a:rPr lang="en-US" altLang="zh-CN" sz="2000" i="1" smtClean="0">
+                              <a:solidFill>
+                                <a:prstClr val="black"/>
+                              </a:solidFill>
+                              <a:latin typeface="Cambria Math" panose="02040503050406030204" pitchFamily="18" charset="0"/>
+                            </a:rPr>
+                          </m:ctrlPr>
+                        </m:sSubSupPr>
+                        <m:e>
+                          <m:r>
+                            <a:rPr lang="en-US" altLang="zh-CN" sz="2000" i="1">
+                              <a:solidFill>
+                                <a:prstClr val="black"/>
+                              </a:solidFill>
+                              <a:latin typeface="Cambria Math" panose="02040503050406030204" pitchFamily="18" charset="0"/>
+                            </a:rPr>
+                            <m:t>𝑎</m:t>
+                          </m:r>
+                        </m:e>
+                        <m:sub>
+                          <m:r>
+                            <a:rPr lang="en-US" altLang="zh-CN" sz="2000" b="0" i="1" smtClean="0">
+                              <a:solidFill>
+                                <a:prstClr val="black"/>
+                              </a:solidFill>
+                              <a:latin typeface="Cambria Math" panose="02040503050406030204" pitchFamily="18" charset="0"/>
+                            </a:rPr>
+                            <m:t>2</m:t>
+                          </m:r>
+                        </m:sub>
+                        <m:sup>
+                          <m:d>
+                            <m:dPr>
+                              <m:begChr m:val="["/>
+                              <m:endChr m:val="]"/>
+                              <m:ctrlPr>
+                                <a:rPr lang="en-US" altLang="zh-CN" sz="2000" i="1">
+                                  <a:solidFill>
+                                    <a:prstClr val="black"/>
+                                  </a:solidFill>
+                                  <a:latin typeface="Cambria Math" panose="02040503050406030204" pitchFamily="18" charset="0"/>
+                                </a:rPr>
+                              </m:ctrlPr>
+                            </m:dPr>
+                            <m:e>
+                              <m:r>
+                                <a:rPr lang="en-US" altLang="zh-CN" sz="2000" i="1">
+                                  <a:solidFill>
+                                    <a:prstClr val="black"/>
+                                  </a:solidFill>
+                                  <a:latin typeface="Cambria Math" panose="02040503050406030204" pitchFamily="18" charset="0"/>
+                                </a:rPr>
+                                <m:t>1</m:t>
+                              </m:r>
+                            </m:e>
+                          </m:d>
+                        </m:sup>
+                      </m:sSubSup>
+                    </m:oMath>
+                  </m:oMathPara>
+                </a14:m>
+                <a:endParaRPr lang="zh-CN" altLang="en-US" sz="1600" dirty="0">
+                  <a:latin typeface="Cambria Math" panose="02040503050406030204" pitchFamily="18" charset="0"/>
+                </a:endParaRPr>
+              </a:p>
+            </p:txBody>
+          </p:sp>
+        </mc:Choice>
+        <mc:Fallback>
+          <p:sp>
+            <p:nvSpPr>
+              <p:cNvPr id="51" name="椭圆 50">
+                <a:extLst>
+                  <a:ext uri="{FF2B5EF4-FFF2-40B4-BE49-F238E27FC236}">
+                    <a16:creationId xmlns:a16="http://schemas.microsoft.com/office/drawing/2014/main" id="{1F4F5B59-9BE0-47A1-937A-B06635D8B840}"/>
+                  </a:ext>
+                </a:extLst>
+              </p:cNvPr>
+              <p:cNvSpPr>
+                <a:spLocks noRot="1" noChangeAspect="1" noMove="1" noResize="1" noEditPoints="1" noAdjustHandles="1" noChangeArrowheads="1" noChangeShapeType="1" noTextEdit="1"/>
+              </p:cNvSpPr>
+              <p:nvPr/>
+            </p:nvSpPr>
+            <p:spPr>
+              <a:xfrm>
+                <a:off x="3626985" y="3143421"/>
+                <a:ext cx="763270" cy="740600"/>
+              </a:xfrm>
+              <a:prstGeom prst="ellipse">
+                <a:avLst/>
+              </a:prstGeom>
+              <a:blipFill>
+                <a:blip r:embed="rId7"/>
+                <a:stretch>
+                  <a:fillRect/>
+                </a:stretch>
+              </a:blipFill>
+            </p:spPr>
+            <p:txBody>
+              <a:bodyPr/>
+              <a:lstStyle/>
+              <a:p>
+                <a:r>
+                  <a:rPr lang="zh-CN" altLang="en-US">
+                    <a:noFill/>
+                  </a:rPr>
+                  <a:t> </a:t>
+                </a:r>
+              </a:p>
+            </p:txBody>
+          </p:sp>
+        </mc:Fallback>
+      </mc:AlternateContent>
+      <mc:AlternateContent xmlns:mc="http://schemas.openxmlformats.org/markup-compatibility/2006">
+        <mc:Choice xmlns:a14="http://schemas.microsoft.com/office/drawing/2010/main" Requires="a14">
+          <p:sp>
+            <p:nvSpPr>
+              <p:cNvPr id="54" name="椭圆 53">
+                <a:extLst>
+                  <a:ext uri="{FF2B5EF4-FFF2-40B4-BE49-F238E27FC236}">
+                    <a16:creationId xmlns:a16="http://schemas.microsoft.com/office/drawing/2014/main" id="{0F1A4D9F-DEC3-4170-89C2-FDAB70CE078C}"/>
+                  </a:ext>
+                </a:extLst>
+              </p:cNvPr>
+              <p:cNvSpPr/>
+              <p:nvPr/>
+            </p:nvSpPr>
+            <p:spPr>
+              <a:xfrm>
+                <a:off x="3621694" y="4294693"/>
+                <a:ext cx="763270" cy="740600"/>
+              </a:xfrm>
+              <a:prstGeom prst="ellipse">
+                <a:avLst/>
+              </a:prstGeom>
+            </p:spPr>
+            <p:style>
+              <a:lnRef idx="2">
+                <a:schemeClr val="dk1"/>
+              </a:lnRef>
+              <a:fillRef idx="1">
+                <a:schemeClr val="lt1"/>
+              </a:fillRef>
+              <a:effectRef idx="0">
+                <a:schemeClr val="dk1"/>
+              </a:effectRef>
+              <a:fontRef idx="minor">
+                <a:schemeClr val="dk1"/>
+              </a:fontRef>
+            </p:style>
+            <p:txBody>
+              <a:bodyPr rtlCol="0" anchor="ctr"/>
+              <a:lstStyle/>
+              <a:p>
+                <a:pPr algn="ctr"/>
+                <a14:m>
+                  <m:oMathPara xmlns:m="http://schemas.openxmlformats.org/officeDocument/2006/math">
+                    <m:oMathParaPr>
+                      <m:jc m:val="center"/>
+                    </m:oMathParaPr>
+                    <m:oMath xmlns:m="http://schemas.openxmlformats.org/officeDocument/2006/math">
+                      <m:sSubSup>
+                        <m:sSubSupPr>
+                          <m:ctrlPr>
+                            <a:rPr lang="en-US" altLang="zh-CN" sz="2000" i="1" smtClean="0">
+                              <a:solidFill>
+                                <a:prstClr val="black"/>
+                              </a:solidFill>
+                              <a:latin typeface="Cambria Math" panose="02040503050406030204" pitchFamily="18" charset="0"/>
+                            </a:rPr>
+                          </m:ctrlPr>
+                        </m:sSubSupPr>
+                        <m:e>
+                          <m:r>
+                            <a:rPr lang="en-US" altLang="zh-CN" sz="2000" i="1">
+                              <a:solidFill>
+                                <a:prstClr val="black"/>
+                              </a:solidFill>
+                              <a:latin typeface="Cambria Math" panose="02040503050406030204" pitchFamily="18" charset="0"/>
+                            </a:rPr>
+                            <m:t>𝑎</m:t>
+                          </m:r>
+                        </m:e>
+                        <m:sub>
+                          <m:r>
+                            <a:rPr lang="en-US" altLang="zh-CN" sz="2000" b="0" i="1" smtClean="0">
+                              <a:solidFill>
+                                <a:prstClr val="black"/>
+                              </a:solidFill>
+                              <a:latin typeface="Cambria Math" panose="02040503050406030204" pitchFamily="18" charset="0"/>
+                            </a:rPr>
+                            <m:t>9</m:t>
+                          </m:r>
+                        </m:sub>
+                        <m:sup>
+                          <m:d>
+                            <m:dPr>
+                              <m:begChr m:val="["/>
+                              <m:endChr m:val="]"/>
+                              <m:ctrlPr>
+                                <a:rPr lang="en-US" altLang="zh-CN" sz="2000" i="1">
+                                  <a:solidFill>
+                                    <a:prstClr val="black"/>
+                                  </a:solidFill>
+                                  <a:latin typeface="Cambria Math" panose="02040503050406030204" pitchFamily="18" charset="0"/>
+                                </a:rPr>
+                              </m:ctrlPr>
+                            </m:dPr>
+                            <m:e>
+                              <m:r>
+                                <a:rPr lang="en-US" altLang="zh-CN" sz="2000" i="1">
+                                  <a:solidFill>
+                                    <a:prstClr val="black"/>
+                                  </a:solidFill>
+                                  <a:latin typeface="Cambria Math" panose="02040503050406030204" pitchFamily="18" charset="0"/>
+                                </a:rPr>
+                                <m:t>1</m:t>
+                              </m:r>
+                            </m:e>
+                          </m:d>
+                        </m:sup>
+                      </m:sSubSup>
+                    </m:oMath>
+                  </m:oMathPara>
+                </a14:m>
+                <a:endParaRPr lang="zh-CN" altLang="en-US" sz="1600" dirty="0">
+                  <a:latin typeface="Cambria Math" panose="02040503050406030204" pitchFamily="18" charset="0"/>
+                </a:endParaRPr>
+              </a:p>
+            </p:txBody>
+          </p:sp>
+        </mc:Choice>
+        <mc:Fallback>
+          <p:sp>
+            <p:nvSpPr>
+              <p:cNvPr id="54" name="椭圆 53">
+                <a:extLst>
+                  <a:ext uri="{FF2B5EF4-FFF2-40B4-BE49-F238E27FC236}">
+                    <a16:creationId xmlns:a16="http://schemas.microsoft.com/office/drawing/2014/main" id="{0F1A4D9F-DEC3-4170-89C2-FDAB70CE078C}"/>
+                  </a:ext>
+                </a:extLst>
+              </p:cNvPr>
+              <p:cNvSpPr>
+                <a:spLocks noRot="1" noChangeAspect="1" noMove="1" noResize="1" noEditPoints="1" noAdjustHandles="1" noChangeArrowheads="1" noChangeShapeType="1" noTextEdit="1"/>
+              </p:cNvSpPr>
+              <p:nvPr/>
+            </p:nvSpPr>
+            <p:spPr>
+              <a:xfrm>
+                <a:off x="3621694" y="4294693"/>
+                <a:ext cx="763270" cy="740600"/>
+              </a:xfrm>
+              <a:prstGeom prst="ellipse">
+                <a:avLst/>
+              </a:prstGeom>
+              <a:blipFill>
+                <a:blip r:embed="rId8"/>
+                <a:stretch>
+                  <a:fillRect/>
+                </a:stretch>
+              </a:blipFill>
+            </p:spPr>
+            <p:txBody>
+              <a:bodyPr/>
+              <a:lstStyle/>
+              <a:p>
+                <a:r>
+                  <a:rPr lang="zh-CN" altLang="en-US">
+                    <a:noFill/>
+                  </a:rPr>
+                  <a:t> </a:t>
+                </a:r>
+              </a:p>
+            </p:txBody>
+          </p:sp>
+        </mc:Fallback>
+      </mc:AlternateContent>
+      <mc:AlternateContent xmlns:mc="http://schemas.openxmlformats.org/markup-compatibility/2006">
+        <mc:Choice xmlns:a14="http://schemas.microsoft.com/office/drawing/2010/main" Requires="a14">
+          <p:sp>
+            <p:nvSpPr>
+              <p:cNvPr id="57" name="椭圆 56">
+                <a:extLst>
+                  <a:ext uri="{FF2B5EF4-FFF2-40B4-BE49-F238E27FC236}">
+                    <a16:creationId xmlns:a16="http://schemas.microsoft.com/office/drawing/2014/main" id="{1CE7FBBD-1AB5-4FE4-850B-0F9DE9DFE958}"/>
+                  </a:ext>
+                </a:extLst>
+              </p:cNvPr>
+              <p:cNvSpPr/>
+              <p:nvPr/>
+            </p:nvSpPr>
+            <p:spPr>
+              <a:xfrm>
+                <a:off x="3621694" y="5216654"/>
+                <a:ext cx="763270" cy="740600"/>
+              </a:xfrm>
+              <a:prstGeom prst="ellipse">
+                <a:avLst/>
+              </a:prstGeom>
+            </p:spPr>
+            <p:style>
+              <a:lnRef idx="2">
+                <a:schemeClr val="dk1"/>
+              </a:lnRef>
+              <a:fillRef idx="1">
+                <a:schemeClr val="lt1"/>
+              </a:fillRef>
+              <a:effectRef idx="0">
+                <a:schemeClr val="dk1"/>
+              </a:effectRef>
+              <a:fontRef idx="minor">
+                <a:schemeClr val="dk1"/>
+              </a:fontRef>
+            </p:style>
+            <p:txBody>
+              <a:bodyPr rtlCol="0" anchor="ctr"/>
+              <a:lstStyle/>
+              <a:p>
+                <a:pPr algn="ctr"/>
+                <a14:m>
+                  <m:oMathPara xmlns:m="http://schemas.openxmlformats.org/officeDocument/2006/math">
+                    <m:oMathParaPr>
+                      <m:jc m:val="center"/>
+                    </m:oMathParaPr>
+                    <m:oMath xmlns:m="http://schemas.openxmlformats.org/officeDocument/2006/math">
+                      <m:sSubSup>
+                        <m:sSubSupPr>
+                          <m:ctrlPr>
+                            <a:rPr lang="en-US" altLang="zh-CN" sz="2000" i="1" smtClean="0">
+                              <a:solidFill>
+                                <a:prstClr val="black"/>
+                              </a:solidFill>
+                              <a:latin typeface="Cambria Math" panose="02040503050406030204" pitchFamily="18" charset="0"/>
+                            </a:rPr>
+                          </m:ctrlPr>
+                        </m:sSubSupPr>
+                        <m:e>
+                          <m:r>
+                            <a:rPr lang="en-US" altLang="zh-CN" sz="2000" i="1">
+                              <a:solidFill>
+                                <a:prstClr val="black"/>
+                              </a:solidFill>
+                              <a:latin typeface="Cambria Math" panose="02040503050406030204" pitchFamily="18" charset="0"/>
+                            </a:rPr>
+                            <m:t>𝑎</m:t>
+                          </m:r>
+                        </m:e>
+                        <m:sub>
+                          <m:r>
+                            <a:rPr lang="en-US" altLang="zh-CN" sz="2000" b="0" i="1" smtClean="0">
+                              <a:solidFill>
+                                <a:prstClr val="black"/>
+                              </a:solidFill>
+                              <a:latin typeface="Cambria Math" panose="02040503050406030204" pitchFamily="18" charset="0"/>
+                            </a:rPr>
+                            <m:t>10</m:t>
+                          </m:r>
+                        </m:sub>
+                        <m:sup>
+                          <m:d>
+                            <m:dPr>
+                              <m:begChr m:val="["/>
+                              <m:endChr m:val="]"/>
+                              <m:ctrlPr>
+                                <a:rPr lang="en-US" altLang="zh-CN" sz="2000" i="1">
+                                  <a:solidFill>
+                                    <a:prstClr val="black"/>
+                                  </a:solidFill>
+                                  <a:latin typeface="Cambria Math" panose="02040503050406030204" pitchFamily="18" charset="0"/>
+                                </a:rPr>
+                              </m:ctrlPr>
+                            </m:dPr>
+                            <m:e>
+                              <m:r>
+                                <a:rPr lang="en-US" altLang="zh-CN" sz="2000" i="1">
+                                  <a:solidFill>
+                                    <a:prstClr val="black"/>
+                                  </a:solidFill>
+                                  <a:latin typeface="Cambria Math" panose="02040503050406030204" pitchFamily="18" charset="0"/>
+                                </a:rPr>
+                                <m:t>1</m:t>
+                              </m:r>
+                            </m:e>
+                          </m:d>
+                        </m:sup>
+                      </m:sSubSup>
+                    </m:oMath>
+                  </m:oMathPara>
+                </a14:m>
+                <a:endParaRPr lang="zh-CN" altLang="en-US" sz="1600" dirty="0">
+                  <a:latin typeface="Cambria Math" panose="02040503050406030204" pitchFamily="18" charset="0"/>
+                </a:endParaRPr>
+              </a:p>
+            </p:txBody>
+          </p:sp>
+        </mc:Choice>
+        <mc:Fallback>
+          <p:sp>
+            <p:nvSpPr>
+              <p:cNvPr id="57" name="椭圆 56">
+                <a:extLst>
+                  <a:ext uri="{FF2B5EF4-FFF2-40B4-BE49-F238E27FC236}">
+                    <a16:creationId xmlns:a16="http://schemas.microsoft.com/office/drawing/2014/main" id="{1CE7FBBD-1AB5-4FE4-850B-0F9DE9DFE958}"/>
+                  </a:ext>
+                </a:extLst>
+              </p:cNvPr>
+              <p:cNvSpPr>
+                <a:spLocks noRot="1" noChangeAspect="1" noMove="1" noResize="1" noEditPoints="1" noAdjustHandles="1" noChangeArrowheads="1" noChangeShapeType="1" noTextEdit="1"/>
+              </p:cNvSpPr>
+              <p:nvPr/>
+            </p:nvSpPr>
+            <p:spPr>
+              <a:xfrm>
+                <a:off x="3621694" y="5216654"/>
+                <a:ext cx="763270" cy="740600"/>
+              </a:xfrm>
+              <a:prstGeom prst="ellipse">
+                <a:avLst/>
+              </a:prstGeom>
+              <a:blipFill>
+                <a:blip r:embed="rId9"/>
+                <a:stretch>
+                  <a:fillRect/>
+                </a:stretch>
+              </a:blipFill>
+            </p:spPr>
+            <p:txBody>
+              <a:bodyPr/>
+              <a:lstStyle/>
+              <a:p>
+                <a:r>
+                  <a:rPr lang="zh-CN" altLang="en-US">
+                    <a:noFill/>
+                  </a:rPr>
+                  <a:t> </a:t>
+                </a:r>
+              </a:p>
+            </p:txBody>
+          </p:sp>
+        </mc:Fallback>
+      </mc:AlternateContent>
+      <p:sp>
+        <p:nvSpPr>
+          <p:cNvPr id="32" name="椭圆 31">
+            <a:extLst>
+              <a:ext uri="{FF2B5EF4-FFF2-40B4-BE49-F238E27FC236}">
+                <a16:creationId xmlns:a16="http://schemas.microsoft.com/office/drawing/2014/main" id="{F8863079-D8CC-4FB5-83F8-9BA6037600C6}"/>
+              </a:ext>
+            </a:extLst>
+          </p:cNvPr>
+          <p:cNvSpPr/>
+          <p:nvPr/>
+        </p:nvSpPr>
+        <p:spPr>
+          <a:xfrm>
+            <a:off x="7187189" y="2997467"/>
+            <a:ext cx="2106924" cy="2044347"/>
+          </a:xfrm>
+          <a:prstGeom prst="ellipse">
+            <a:avLst/>
+          </a:prstGeom>
+        </p:spPr>
+        <p:style>
+          <a:lnRef idx="2">
+            <a:schemeClr val="dk1"/>
+          </a:lnRef>
+          <a:fillRef idx="1">
+            <a:schemeClr val="lt1"/>
+          </a:fillRef>
+          <a:effectRef idx="0">
+            <a:schemeClr val="dk1"/>
+          </a:effectRef>
+          <a:fontRef idx="minor">
+            <a:schemeClr val="dk1"/>
+          </a:fontRef>
+        </p:style>
+        <p:txBody>
+          <a:bodyPr rtlCol="0" anchor="ctr"/>
+          <a:lstStyle/>
+          <a:p>
+            <a:pPr algn="ctr"/>
+            <a:endParaRPr lang="zh-CN" altLang="en-US" sz="1600" dirty="0">
+              <a:latin typeface="Cambria Math" panose="02040503050406030204" pitchFamily="18" charset="0"/>
+            </a:endParaRPr>
+          </a:p>
+        </p:txBody>
+      </p:sp>
+      <mc:AlternateContent xmlns:mc="http://schemas.openxmlformats.org/markup-compatibility/2006">
+        <mc:Choice xmlns:a14="http://schemas.microsoft.com/office/drawing/2010/main" Requires="a14">
+          <p:sp>
+            <p:nvSpPr>
+              <p:cNvPr id="46" name="文本框 45">
+                <a:extLst>
+                  <a:ext uri="{FF2B5EF4-FFF2-40B4-BE49-F238E27FC236}">
+                    <a16:creationId xmlns:a16="http://schemas.microsoft.com/office/drawing/2014/main" id="{55394F7C-1D50-4700-85F5-6EB0E9EFC685}"/>
+                  </a:ext>
+                </a:extLst>
+              </p:cNvPr>
+              <p:cNvSpPr txBox="1"/>
+              <p:nvPr/>
+            </p:nvSpPr>
+            <p:spPr>
+              <a:xfrm>
+                <a:off x="7165454" y="3896426"/>
+                <a:ext cx="1542757" cy="565796"/>
+              </a:xfrm>
+              <a:prstGeom prst="rect">
+                <a:avLst/>
+              </a:prstGeom>
+              <a:noFill/>
+            </p:spPr>
+            <p:txBody>
+              <a:bodyPr wrap="square" lIns="0" tIns="0" rIns="0" bIns="0" rtlCol="0">
+                <a:spAutoFit/>
+              </a:bodyPr>
+              <a:lstStyle/>
+              <a:p>
+                <a:pPr/>
+                <a14:m>
+                  <m:oMathPara xmlns:m="http://schemas.openxmlformats.org/officeDocument/2006/math">
+                    <m:oMathParaPr>
+                      <m:jc m:val="centerGroup"/>
+                    </m:oMathParaPr>
+                    <m:oMath xmlns:m="http://schemas.openxmlformats.org/officeDocument/2006/math">
+                      <m:sSup>
+                        <m:sSupPr>
+                          <m:ctrlPr>
+                            <a:rPr lang="en-US" altLang="zh-CN" i="1" smtClean="0">
+                              <a:latin typeface="Cambria Math" panose="02040503050406030204" pitchFamily="18" charset="0"/>
+                            </a:rPr>
+                          </m:ctrlPr>
+                        </m:sSupPr>
+                        <m:e>
+                          <m:r>
+                            <a:rPr lang="en-US" altLang="zh-CN" i="1">
+                              <a:latin typeface="Cambria Math" panose="02040503050406030204" pitchFamily="18" charset="0"/>
+                            </a:rPr>
+                            <m:t>𝑤</m:t>
+                          </m:r>
+                        </m:e>
+                        <m:sup>
+                          <m:r>
+                            <a:rPr lang="en-US" altLang="zh-CN" b="0" i="1" smtClean="0">
+                              <a:latin typeface="Cambria Math" panose="02040503050406030204" pitchFamily="18" charset="0"/>
+                            </a:rPr>
+                            <m:t>[</m:t>
+                          </m:r>
+                          <m:r>
+                            <a:rPr lang="en-US" altLang="zh-CN" b="0" i="1" smtClean="0">
+                              <a:latin typeface="Cambria Math" panose="02040503050406030204" pitchFamily="18" charset="0"/>
+                            </a:rPr>
+                            <m:t>3</m:t>
+                          </m:r>
+                          <m:r>
+                            <a:rPr lang="en-US" altLang="zh-CN" b="0" i="1" smtClean="0">
+                              <a:latin typeface="Cambria Math" panose="02040503050406030204" pitchFamily="18" charset="0"/>
+                            </a:rPr>
+                            <m:t>]</m:t>
+                          </m:r>
+                        </m:sup>
+                      </m:sSup>
+                      <m:sSup>
+                        <m:sSupPr>
+                          <m:ctrlPr>
+                            <a:rPr lang="en-US" altLang="zh-CN" i="1">
+                              <a:latin typeface="Cambria Math" panose="02040503050406030204" pitchFamily="18" charset="0"/>
+                            </a:rPr>
+                          </m:ctrlPr>
+                        </m:sSupPr>
+                        <m:e>
+                          <m:r>
+                            <a:rPr lang="en-US" altLang="zh-CN" b="0" i="1" smtClean="0">
+                              <a:latin typeface="Cambria Math" panose="02040503050406030204" pitchFamily="18" charset="0"/>
+                            </a:rPr>
+                            <m:t>𝑎</m:t>
+                          </m:r>
+                        </m:e>
+                        <m:sup>
+                          <m:r>
+                            <a:rPr lang="en-US" altLang="zh-CN" b="0" i="1" smtClean="0">
+                              <a:latin typeface="Cambria Math" panose="02040503050406030204" pitchFamily="18" charset="0"/>
+                            </a:rPr>
+                            <m:t>[</m:t>
+                          </m:r>
+                          <m:r>
+                            <a:rPr lang="en-US" altLang="zh-CN" b="0" i="1" smtClean="0">
+                              <a:latin typeface="Cambria Math" panose="02040503050406030204" pitchFamily="18" charset="0"/>
+                            </a:rPr>
+                            <m:t>2</m:t>
+                          </m:r>
+                          <m:r>
+                            <a:rPr lang="en-US" altLang="zh-CN" b="0" i="1" smtClean="0">
+                              <a:latin typeface="Cambria Math" panose="02040503050406030204" pitchFamily="18" charset="0"/>
+                            </a:rPr>
+                            <m:t>]</m:t>
+                          </m:r>
+                        </m:sup>
+                      </m:sSup>
+                      <m:r>
+                        <a:rPr lang="en-US" altLang="zh-CN" i="1">
+                          <a:latin typeface="Cambria Math" panose="02040503050406030204" pitchFamily="18" charset="0"/>
+                        </a:rPr>
+                        <m:t>+</m:t>
+                      </m:r>
+                      <m:sSup>
+                        <m:sSupPr>
+                          <m:ctrlPr>
+                            <a:rPr lang="en-US" altLang="zh-CN" b="0" i="1" smtClean="0">
+                              <a:latin typeface="Cambria Math" panose="02040503050406030204" pitchFamily="18" charset="0"/>
+                            </a:rPr>
+                          </m:ctrlPr>
+                        </m:sSupPr>
+                        <m:e>
+                          <m:r>
+                            <a:rPr lang="en-US" altLang="zh-CN" i="1">
+                              <a:latin typeface="Cambria Math" panose="02040503050406030204" pitchFamily="18" charset="0"/>
+                            </a:rPr>
+                            <m:t>𝑏</m:t>
+                          </m:r>
+                        </m:e>
+                        <m:sup>
+                          <m:r>
+                            <a:rPr lang="en-US" altLang="zh-CN" b="0" i="1" smtClean="0">
+                              <a:latin typeface="Cambria Math" panose="02040503050406030204" pitchFamily="18" charset="0"/>
+                            </a:rPr>
+                            <m:t>[</m:t>
+                          </m:r>
+                          <m:r>
+                            <a:rPr lang="en-US" altLang="zh-CN" b="0" i="1" smtClean="0">
+                              <a:latin typeface="Cambria Math" panose="02040503050406030204" pitchFamily="18" charset="0"/>
+                            </a:rPr>
+                            <m:t>3</m:t>
+                          </m:r>
+                          <m:r>
+                            <a:rPr lang="en-US" altLang="zh-CN" b="0" i="1" smtClean="0">
+                              <a:latin typeface="Cambria Math" panose="02040503050406030204" pitchFamily="18" charset="0"/>
+                            </a:rPr>
+                            <m:t>]</m:t>
+                          </m:r>
+                        </m:sup>
+                      </m:sSup>
+                    </m:oMath>
+                  </m:oMathPara>
+                </a14:m>
+                <a:endParaRPr lang="en-US" altLang="zh-CN" b="0" dirty="0"/>
+              </a:p>
+              <a:p>
+                <a:endParaRPr lang="zh-CN" altLang="en-US" dirty="0"/>
+              </a:p>
+            </p:txBody>
+          </p:sp>
+        </mc:Choice>
+        <mc:Fallback>
+          <p:sp>
+            <p:nvSpPr>
+              <p:cNvPr id="46" name="文本框 45">
+                <a:extLst>
+                  <a:ext uri="{FF2B5EF4-FFF2-40B4-BE49-F238E27FC236}">
+                    <a16:creationId xmlns:a16="http://schemas.microsoft.com/office/drawing/2014/main" id="{55394F7C-1D50-4700-85F5-6EB0E9EFC685}"/>
+                  </a:ext>
+                </a:extLst>
+              </p:cNvPr>
+              <p:cNvSpPr txBox="1">
+                <a:spLocks noRot="1" noChangeAspect="1" noMove="1" noResize="1" noEditPoints="1" noAdjustHandles="1" noChangeArrowheads="1" noChangeShapeType="1" noTextEdit="1"/>
+              </p:cNvSpPr>
+              <p:nvPr/>
+            </p:nvSpPr>
+            <p:spPr>
+              <a:xfrm>
+                <a:off x="7165454" y="3896426"/>
+                <a:ext cx="1542757" cy="565796"/>
+              </a:xfrm>
+              <a:prstGeom prst="rect">
+                <a:avLst/>
+              </a:prstGeom>
+              <a:blipFill>
+                <a:blip r:embed="rId10"/>
+                <a:stretch>
+                  <a:fillRect t="-4348"/>
+                </a:stretch>
+              </a:blipFill>
+            </p:spPr>
+            <p:txBody>
+              <a:bodyPr/>
+              <a:lstStyle/>
+              <a:p>
+                <a:r>
+                  <a:rPr lang="zh-CN" altLang="en-US">
+                    <a:noFill/>
+                  </a:rPr>
+                  <a:t> </a:t>
+                </a:r>
+              </a:p>
+            </p:txBody>
+          </p:sp>
+        </mc:Fallback>
+      </mc:AlternateContent>
+      <p:cxnSp>
+        <p:nvCxnSpPr>
+          <p:cNvPr id="50" name="直接连接符 49">
+            <a:extLst>
+              <a:ext uri="{FF2B5EF4-FFF2-40B4-BE49-F238E27FC236}">
+                <a16:creationId xmlns:a16="http://schemas.microsoft.com/office/drawing/2014/main" id="{8DD687FF-0449-4264-AFBE-FD1C44D6204D}"/>
+              </a:ext>
+            </a:extLst>
+          </p:cNvPr>
+          <p:cNvCxnSpPr>
+            <a:cxnSpLocks/>
+          </p:cNvCxnSpPr>
+          <p:nvPr/>
+        </p:nvCxnSpPr>
+        <p:spPr>
+          <a:xfrm>
+            <a:off x="8615975" y="3062324"/>
+            <a:ext cx="0" cy="1914633"/>
+          </a:xfrm>
+          <a:prstGeom prst="line">
+            <a:avLst/>
+          </a:prstGeom>
+        </p:spPr>
+        <p:style>
+          <a:lnRef idx="3">
+            <a:schemeClr val="dk1"/>
+          </a:lnRef>
+          <a:fillRef idx="0">
+            <a:schemeClr val="dk1"/>
+          </a:fillRef>
+          <a:effectRef idx="2">
+            <a:schemeClr val="dk1"/>
+          </a:effectRef>
+          <a:fontRef idx="minor">
+            <a:schemeClr val="tx1"/>
+          </a:fontRef>
+        </p:style>
+      </p:cxnSp>
+      <mc:AlternateContent xmlns:mc="http://schemas.openxmlformats.org/markup-compatibility/2006" xmlns:a14="http://schemas.microsoft.com/office/drawing/2010/main">
+        <mc:Choice Requires="a14">
+          <p:sp>
+            <p:nvSpPr>
+              <p:cNvPr id="52" name="文本框 51">
+                <a:extLst>
+                  <a:ext uri="{FF2B5EF4-FFF2-40B4-BE49-F238E27FC236}">
+                    <a16:creationId xmlns:a16="http://schemas.microsoft.com/office/drawing/2014/main" id="{C93CB7DA-8339-4D9E-9E99-CC3C8968E89B}"/>
+                  </a:ext>
+                </a:extLst>
+              </p:cNvPr>
+              <p:cNvSpPr txBox="1"/>
+              <p:nvPr/>
+            </p:nvSpPr>
+            <p:spPr>
+              <a:xfrm>
+                <a:off x="8853639" y="3881140"/>
+                <a:ext cx="202811" cy="276999"/>
+              </a:xfrm>
+              <a:prstGeom prst="rect">
+                <a:avLst/>
+              </a:prstGeom>
+              <a:noFill/>
+            </p:spPr>
+            <p:txBody>
+              <a:bodyPr wrap="square" lIns="0" tIns="0" rIns="0" bIns="0" rtlCol="0">
+                <a:spAutoFit/>
+              </a:bodyPr>
+              <a:lstStyle/>
+              <a:p>
+                <a:pPr/>
+                <a14:m>
+                  <m:oMathPara xmlns:m="http://schemas.openxmlformats.org/officeDocument/2006/math">
+                    <m:oMathParaPr>
+                      <m:jc m:val="centerGroup"/>
+                    </m:oMathParaPr>
+                    <m:oMath xmlns:m="http://schemas.openxmlformats.org/officeDocument/2006/math">
+                      <m:r>
+                        <a:rPr lang="zh-CN" altLang="en-US" i="1" smtClean="0">
+                          <a:latin typeface="Cambria Math" panose="02040503050406030204" pitchFamily="18" charset="0"/>
+                        </a:rPr>
+                        <m:t>𝜎</m:t>
+                      </m:r>
+                    </m:oMath>
+                  </m:oMathPara>
+                </a14:m>
+                <a:endParaRPr lang="zh-CN" altLang="en-US" dirty="0"/>
+              </a:p>
+            </p:txBody>
+          </p:sp>
+        </mc:Choice>
+        <mc:Fallback xmlns="">
+          <p:sp>
+            <p:nvSpPr>
+              <p:cNvPr id="52" name="文本框 51">
+                <a:extLst>
+                  <a:ext uri="{FF2B5EF4-FFF2-40B4-BE49-F238E27FC236}">
+                    <a16:creationId xmlns:a16="http://schemas.microsoft.com/office/drawing/2014/main" id="{C93CB7DA-8339-4D9E-9E99-CC3C8968E89B}"/>
+                  </a:ext>
+                </a:extLst>
+              </p:cNvPr>
+              <p:cNvSpPr txBox="1">
+                <a:spLocks noRot="1" noChangeAspect="1" noMove="1" noResize="1" noEditPoints="1" noAdjustHandles="1" noChangeArrowheads="1" noChangeShapeType="1" noTextEdit="1"/>
+              </p:cNvSpPr>
+              <p:nvPr/>
+            </p:nvSpPr>
+            <p:spPr>
+              <a:xfrm>
+                <a:off x="8853639" y="3881140"/>
+                <a:ext cx="202811" cy="276999"/>
+              </a:xfrm>
+              <a:prstGeom prst="rect">
+                <a:avLst/>
+              </a:prstGeom>
+              <a:blipFill>
+                <a:blip r:embed="rId11"/>
+                <a:stretch>
+                  <a:fillRect l="-14706" r="-8824"/>
+                </a:stretch>
+              </a:blipFill>
+            </p:spPr>
+            <p:txBody>
+              <a:bodyPr/>
+              <a:lstStyle/>
+              <a:p>
+                <a:r>
+                  <a:rPr lang="zh-CN" altLang="en-US">
+                    <a:noFill/>
+                  </a:rPr>
+                  <a:t> </a:t>
+                </a:r>
+              </a:p>
+            </p:txBody>
+          </p:sp>
+        </mc:Fallback>
+      </mc:AlternateContent>
+      <p:sp>
+        <p:nvSpPr>
+          <p:cNvPr id="61" name="文本框 60">
+            <a:extLst>
+              <a:ext uri="{FF2B5EF4-FFF2-40B4-BE49-F238E27FC236}">
+                <a16:creationId xmlns:a16="http://schemas.microsoft.com/office/drawing/2014/main" id="{068F2E8E-F211-475D-8042-1A6E44EDDA04}"/>
+              </a:ext>
+            </a:extLst>
+          </p:cNvPr>
+          <p:cNvSpPr txBox="1"/>
+          <p:nvPr/>
+        </p:nvSpPr>
+        <p:spPr>
+          <a:xfrm>
+            <a:off x="3043209" y="6017202"/>
+            <a:ext cx="1920240" cy="707886"/>
+          </a:xfrm>
+          <a:prstGeom prst="rect">
+            <a:avLst/>
+          </a:prstGeom>
+          <a:noFill/>
+        </p:spPr>
+        <p:txBody>
+          <a:bodyPr wrap="square" rtlCol="0">
+            <a:spAutoFit/>
+          </a:bodyPr>
+          <a:lstStyle/>
+          <a:p>
+            <a:pPr algn="ctr"/>
+            <a:r>
+              <a:rPr lang="en-US" altLang="zh-CN" sz="2000" b="1" dirty="0">
+                <a:latin typeface="Cambria Math" panose="02040503050406030204" pitchFamily="18" charset="0"/>
+                <a:ea typeface="Cambria Math" panose="02040503050406030204" pitchFamily="18" charset="0"/>
+              </a:rPr>
+              <a:t>hidden layer 1 of size</a:t>
+            </a:r>
+            <a:r>
+              <a:rPr lang="zh-CN" altLang="en-US" sz="2000" b="1" dirty="0">
+                <a:latin typeface="Cambria Math" panose="02040503050406030204" pitchFamily="18" charset="0"/>
+                <a:ea typeface="Cambria Math" panose="02040503050406030204" pitchFamily="18" charset="0"/>
+              </a:rPr>
+              <a:t> </a:t>
+            </a:r>
+            <a:r>
+              <a:rPr lang="en-US" altLang="zh-CN" sz="2000" b="1" dirty="0">
+                <a:latin typeface="Cambria Math" panose="02040503050406030204" pitchFamily="18" charset="0"/>
+                <a:ea typeface="Cambria Math" panose="02040503050406030204" pitchFamily="18" charset="0"/>
+              </a:rPr>
+              <a:t>10 (relu)</a:t>
+            </a:r>
+            <a:endParaRPr lang="zh-CN" altLang="en-US" sz="2000" b="1" dirty="0">
+              <a:latin typeface="Cambria Math" panose="02040503050406030204" pitchFamily="18" charset="0"/>
+            </a:endParaRPr>
+          </a:p>
+        </p:txBody>
+      </p:sp>
+      <p:sp>
+        <p:nvSpPr>
+          <p:cNvPr id="62" name="文本框 61">
+            <a:extLst>
+              <a:ext uri="{FF2B5EF4-FFF2-40B4-BE49-F238E27FC236}">
+                <a16:creationId xmlns:a16="http://schemas.microsoft.com/office/drawing/2014/main" id="{3E2C0DC2-1C7C-4375-A463-84A084FAB80E}"/>
+              </a:ext>
+            </a:extLst>
+          </p:cNvPr>
+          <p:cNvSpPr txBox="1"/>
+          <p:nvPr/>
+        </p:nvSpPr>
+        <p:spPr>
+          <a:xfrm>
+            <a:off x="7228553" y="6017202"/>
+            <a:ext cx="1920240" cy="707886"/>
+          </a:xfrm>
+          <a:prstGeom prst="rect">
+            <a:avLst/>
+          </a:prstGeom>
+          <a:noFill/>
+        </p:spPr>
+        <p:txBody>
+          <a:bodyPr wrap="square" rtlCol="0">
+            <a:spAutoFit/>
+          </a:bodyPr>
+          <a:lstStyle/>
+          <a:p>
+            <a:pPr algn="ctr"/>
+            <a:r>
+              <a:rPr lang="en-US" altLang="zh-CN" sz="2000" b="1" dirty="0">
+                <a:latin typeface="Cambria Math" panose="02040503050406030204" pitchFamily="18" charset="0"/>
+                <a:ea typeface="Cambria Math" panose="02040503050406030204" pitchFamily="18" charset="0"/>
+              </a:rPr>
+              <a:t>output layer (sigmoid)</a:t>
+            </a:r>
+            <a:endParaRPr lang="zh-CN" altLang="en-US" sz="2000" b="1" dirty="0">
+              <a:latin typeface="Cambria Math" panose="02040503050406030204" pitchFamily="18" charset="0"/>
+            </a:endParaRPr>
+          </a:p>
+        </p:txBody>
+      </p:sp>
+      <p:cxnSp>
+        <p:nvCxnSpPr>
+          <p:cNvPr id="70" name="直接箭头连接符 69">
+            <a:extLst>
+              <a:ext uri="{FF2B5EF4-FFF2-40B4-BE49-F238E27FC236}">
+                <a16:creationId xmlns:a16="http://schemas.microsoft.com/office/drawing/2014/main" id="{24EDE6BB-8486-4766-B660-412BF23E7AA4}"/>
+              </a:ext>
+            </a:extLst>
+          </p:cNvPr>
+          <p:cNvCxnSpPr>
+            <a:cxnSpLocks/>
+          </p:cNvCxnSpPr>
+          <p:nvPr/>
+        </p:nvCxnSpPr>
+        <p:spPr>
+          <a:xfrm>
+            <a:off x="2642044" y="4059639"/>
+            <a:ext cx="792486" cy="919"/>
+          </a:xfrm>
+          <a:prstGeom prst="straightConnector1">
+            <a:avLst/>
+          </a:prstGeom>
+          <a:ln>
+            <a:tailEnd type="triangle"/>
+          </a:ln>
+        </p:spPr>
+        <p:style>
+          <a:lnRef idx="3">
+            <a:schemeClr val="dk1"/>
+          </a:lnRef>
+          <a:fillRef idx="0">
+            <a:schemeClr val="dk1"/>
+          </a:fillRef>
+          <a:effectRef idx="2">
+            <a:schemeClr val="dk1"/>
+          </a:effectRef>
+          <a:fontRef idx="minor">
+            <a:schemeClr val="tx1"/>
+          </a:fontRef>
+        </p:style>
+      </p:cxnSp>
+      <p:pic>
+        <p:nvPicPr>
+          <p:cNvPr id="2" name="图片 1">
+            <a:extLst>
+              <a:ext uri="{FF2B5EF4-FFF2-40B4-BE49-F238E27FC236}">
+                <a16:creationId xmlns:a16="http://schemas.microsoft.com/office/drawing/2014/main" id="{A147E612-74A1-734D-B822-9159E50DE3F8}"/>
+              </a:ext>
+            </a:extLst>
+          </p:cNvPr>
+          <p:cNvPicPr>
+            <a:picLocks noChangeAspect="1"/>
+          </p:cNvPicPr>
+          <p:nvPr/>
+        </p:nvPicPr>
+        <p:blipFill>
+          <a:blip r:embed="rId12"/>
+          <a:stretch>
+            <a:fillRect/>
+          </a:stretch>
+        </p:blipFill>
+        <p:spPr>
+          <a:xfrm>
+            <a:off x="14421" y="-145387"/>
+            <a:ext cx="4064000" cy="3048000"/>
+          </a:xfrm>
+          <a:prstGeom prst="rect">
+            <a:avLst/>
+          </a:prstGeom>
+        </p:spPr>
+      </p:pic>
+      <p:pic>
+        <p:nvPicPr>
+          <p:cNvPr id="4" name="图片 3">
+            <a:extLst>
+              <a:ext uri="{FF2B5EF4-FFF2-40B4-BE49-F238E27FC236}">
+                <a16:creationId xmlns:a16="http://schemas.microsoft.com/office/drawing/2014/main" id="{CECC9CF1-8F28-864C-BF5C-7ABB11B8196C}"/>
+              </a:ext>
+            </a:extLst>
+          </p:cNvPr>
+          <p:cNvPicPr>
+            <a:picLocks noChangeAspect="1"/>
+          </p:cNvPicPr>
+          <p:nvPr/>
+        </p:nvPicPr>
+        <p:blipFill>
+          <a:blip r:embed="rId13"/>
+          <a:stretch>
+            <a:fillRect/>
+          </a:stretch>
+        </p:blipFill>
+        <p:spPr>
+          <a:xfrm>
+            <a:off x="6239001" y="-168515"/>
+            <a:ext cx="4064000" cy="3048000"/>
+          </a:xfrm>
+          <a:prstGeom prst="rect">
+            <a:avLst/>
+          </a:prstGeom>
+        </p:spPr>
+      </p:pic>
+      <mc:AlternateContent xmlns:mc="http://schemas.openxmlformats.org/markup-compatibility/2006">
+        <mc:Choice xmlns:a14="http://schemas.microsoft.com/office/drawing/2010/main" Requires="a14">
+          <p:sp>
+            <p:nvSpPr>
+              <p:cNvPr id="33" name="文本框 32">
+                <a:extLst>
+                  <a:ext uri="{FF2B5EF4-FFF2-40B4-BE49-F238E27FC236}">
+                    <a16:creationId xmlns:a16="http://schemas.microsoft.com/office/drawing/2014/main" id="{EFF5EB09-E52E-E944-9E77-B263CEACC286}"/>
+                  </a:ext>
+                </a:extLst>
+              </p:cNvPr>
+              <p:cNvSpPr txBox="1"/>
+              <p:nvPr/>
+            </p:nvSpPr>
+            <p:spPr>
+              <a:xfrm>
+                <a:off x="3672193" y="3966349"/>
+                <a:ext cx="629920" cy="246221"/>
+              </a:xfrm>
+              <a:prstGeom prst="rect">
+                <a:avLst/>
+              </a:prstGeom>
+              <a:noFill/>
+            </p:spPr>
+            <p:txBody>
+              <a:bodyPr wrap="square" lIns="0" tIns="0" rIns="0" bIns="0" rtlCol="0">
+                <a:spAutoFit/>
+              </a:bodyPr>
+              <a:lstStyle/>
+              <a:p>
+                <a:pPr/>
+                <a14:m>
+                  <m:oMathPara xmlns:m="http://schemas.openxmlformats.org/officeDocument/2006/math">
+                    <m:oMathParaPr>
+                      <m:jc m:val="centerGroup"/>
+                    </m:oMathParaPr>
+                    <m:oMath xmlns:m="http://schemas.openxmlformats.org/officeDocument/2006/math">
+                      <m:r>
+                        <a:rPr lang="zh-CN" altLang="en-US" sz="1600" i="1" smtClean="0">
+                          <a:latin typeface="Cambria Math" panose="02040503050406030204" pitchFamily="18" charset="0"/>
+                        </a:rPr>
+                        <m:t>⋯</m:t>
+                      </m:r>
+                    </m:oMath>
+                  </m:oMathPara>
+                </a14:m>
+                <a:endParaRPr lang="zh-CN" altLang="en-US" dirty="0"/>
+              </a:p>
+            </p:txBody>
+          </p:sp>
+        </mc:Choice>
+        <mc:Fallback>
+          <p:sp>
+            <p:nvSpPr>
+              <p:cNvPr id="33" name="文本框 32">
+                <a:extLst>
+                  <a:ext uri="{FF2B5EF4-FFF2-40B4-BE49-F238E27FC236}">
+                    <a16:creationId xmlns:a16="http://schemas.microsoft.com/office/drawing/2014/main" id="{EFF5EB09-E52E-E944-9E77-B263CEACC286}"/>
+                  </a:ext>
+                </a:extLst>
+              </p:cNvPr>
+              <p:cNvSpPr txBox="1">
+                <a:spLocks noRot="1" noChangeAspect="1" noMove="1" noResize="1" noEditPoints="1" noAdjustHandles="1" noChangeArrowheads="1" noChangeShapeType="1" noTextEdit="1"/>
+              </p:cNvSpPr>
+              <p:nvPr/>
+            </p:nvSpPr>
+            <p:spPr>
+              <a:xfrm>
+                <a:off x="3672193" y="3966349"/>
+                <a:ext cx="629920" cy="246221"/>
+              </a:xfrm>
+              <a:prstGeom prst="rect">
+                <a:avLst/>
+              </a:prstGeom>
+              <a:blipFill>
+                <a:blip r:embed="rId14"/>
+                <a:stretch>
+                  <a:fillRect/>
+                </a:stretch>
+              </a:blipFill>
+            </p:spPr>
+            <p:txBody>
+              <a:bodyPr/>
+              <a:lstStyle/>
+              <a:p>
+                <a:r>
+                  <a:rPr lang="zh-CN" altLang="en-US">
+                    <a:noFill/>
+                  </a:rPr>
+                  <a:t> </a:t>
+                </a:r>
+              </a:p>
+            </p:txBody>
+          </p:sp>
+        </mc:Fallback>
+      </mc:AlternateContent>
+      <mc:AlternateContent xmlns:mc="http://schemas.openxmlformats.org/markup-compatibility/2006">
+        <mc:Choice xmlns:a14="http://schemas.microsoft.com/office/drawing/2010/main" Requires="a14">
+          <p:sp>
+            <p:nvSpPr>
+              <p:cNvPr id="28" name="椭圆 27">
+                <a:extLst>
+                  <a:ext uri="{FF2B5EF4-FFF2-40B4-BE49-F238E27FC236}">
+                    <a16:creationId xmlns:a16="http://schemas.microsoft.com/office/drawing/2014/main" id="{735439CC-94FD-4F67-B7C0-56602B355492}"/>
+                  </a:ext>
+                </a:extLst>
+              </p:cNvPr>
+              <p:cNvSpPr/>
+              <p:nvPr/>
+            </p:nvSpPr>
+            <p:spPr>
+              <a:xfrm>
+                <a:off x="3621694" y="2296163"/>
+                <a:ext cx="763270" cy="740600"/>
+              </a:xfrm>
+              <a:prstGeom prst="ellipse">
+                <a:avLst/>
+              </a:prstGeom>
+            </p:spPr>
+            <p:style>
+              <a:lnRef idx="2">
+                <a:schemeClr val="dk1"/>
+              </a:lnRef>
+              <a:fillRef idx="1">
+                <a:schemeClr val="lt1"/>
+              </a:fillRef>
+              <a:effectRef idx="0">
+                <a:schemeClr val="dk1"/>
+              </a:effectRef>
+              <a:fontRef idx="minor">
+                <a:schemeClr val="dk1"/>
+              </a:fontRef>
+            </p:style>
+            <p:txBody>
+              <a:bodyPr rtlCol="0" anchor="ctr"/>
+              <a:lstStyle/>
+              <a:p>
+                <a:pPr algn="ctr"/>
+                <a14:m>
+                  <m:oMathPara xmlns:m="http://schemas.openxmlformats.org/officeDocument/2006/math">
+                    <m:oMathParaPr>
+                      <m:jc m:val="center"/>
+                    </m:oMathParaPr>
+                    <m:oMath xmlns:m="http://schemas.openxmlformats.org/officeDocument/2006/math">
+                      <m:sSubSup>
+                        <m:sSubSupPr>
+                          <m:ctrlPr>
+                            <a:rPr lang="en-US" altLang="zh-CN" sz="2000" b="0" i="1" smtClean="0">
+                              <a:latin typeface="Cambria Math" panose="02040503050406030204" pitchFamily="18" charset="0"/>
+                            </a:rPr>
+                          </m:ctrlPr>
+                        </m:sSubSupPr>
+                        <m:e>
+                          <m:r>
+                            <a:rPr lang="en-US" altLang="zh-CN" sz="2000" b="0" i="1" smtClean="0">
+                              <a:latin typeface="Cambria Math" panose="02040503050406030204" pitchFamily="18" charset="0"/>
+                            </a:rPr>
+                            <m:t>𝑎</m:t>
+                          </m:r>
+                        </m:e>
+                        <m:sub>
+                          <m:r>
+                            <a:rPr lang="en-US" altLang="zh-CN" sz="2000" b="0" i="1" smtClean="0">
+                              <a:latin typeface="Cambria Math" panose="02040503050406030204" pitchFamily="18" charset="0"/>
+                            </a:rPr>
+                            <m:t>1</m:t>
+                          </m:r>
+                        </m:sub>
+                        <m:sup>
+                          <m:d>
+                            <m:dPr>
+                              <m:begChr m:val="["/>
+                              <m:endChr m:val="]"/>
+                              <m:ctrlPr>
+                                <a:rPr lang="en-US" altLang="zh-CN" sz="2000" b="0" i="1" smtClean="0">
+                                  <a:latin typeface="Cambria Math" panose="02040503050406030204" pitchFamily="18" charset="0"/>
+                                </a:rPr>
+                              </m:ctrlPr>
+                            </m:dPr>
+                            <m:e>
+                              <m:r>
+                                <a:rPr lang="en-US" altLang="zh-CN" sz="2000" b="0" i="1" smtClean="0">
+                                  <a:latin typeface="Cambria Math" panose="02040503050406030204" pitchFamily="18" charset="0"/>
+                                </a:rPr>
+                                <m:t>1</m:t>
+                              </m:r>
+                            </m:e>
+                          </m:d>
+                        </m:sup>
+                      </m:sSubSup>
+                    </m:oMath>
+                  </m:oMathPara>
+                </a14:m>
+                <a:endParaRPr lang="en-US" altLang="zh-CN" sz="1600" b="0" dirty="0">
+                  <a:latin typeface="Cambria Math" panose="02040503050406030204" pitchFamily="18" charset="0"/>
+                </a:endParaRPr>
+              </a:p>
+            </p:txBody>
+          </p:sp>
+        </mc:Choice>
+        <mc:Fallback>
+          <p:sp>
+            <p:nvSpPr>
+              <p:cNvPr id="28" name="椭圆 27">
+                <a:extLst>
+                  <a:ext uri="{FF2B5EF4-FFF2-40B4-BE49-F238E27FC236}">
+                    <a16:creationId xmlns:a16="http://schemas.microsoft.com/office/drawing/2014/main" id="{735439CC-94FD-4F67-B7C0-56602B355492}"/>
+                  </a:ext>
+                </a:extLst>
+              </p:cNvPr>
+              <p:cNvSpPr>
+                <a:spLocks noRot="1" noChangeAspect="1" noMove="1" noResize="1" noEditPoints="1" noAdjustHandles="1" noChangeArrowheads="1" noChangeShapeType="1" noTextEdit="1"/>
+              </p:cNvSpPr>
+              <p:nvPr/>
+            </p:nvSpPr>
+            <p:spPr>
+              <a:xfrm>
+                <a:off x="3621694" y="2296163"/>
+                <a:ext cx="763270" cy="740600"/>
+              </a:xfrm>
+              <a:prstGeom prst="ellipse">
+                <a:avLst/>
+              </a:prstGeom>
+              <a:blipFill>
+                <a:blip r:embed="rId15"/>
+                <a:stretch>
+                  <a:fillRect/>
+                </a:stretch>
+              </a:blipFill>
+            </p:spPr>
+            <p:txBody>
+              <a:bodyPr/>
+              <a:lstStyle/>
+              <a:p>
+                <a:r>
+                  <a:rPr lang="zh-CN" altLang="en-US">
+                    <a:noFill/>
+                  </a:rPr>
+                  <a:t> </a:t>
+                </a:r>
+              </a:p>
+            </p:txBody>
+          </p:sp>
+        </mc:Fallback>
+      </mc:AlternateContent>
+      <mc:AlternateContent xmlns:mc="http://schemas.openxmlformats.org/markup-compatibility/2006">
+        <mc:Choice xmlns:a14="http://schemas.microsoft.com/office/drawing/2010/main" Requires="a14">
+          <p:sp>
+            <p:nvSpPr>
+              <p:cNvPr id="35" name="椭圆 34">
+                <a:extLst>
+                  <a:ext uri="{FF2B5EF4-FFF2-40B4-BE49-F238E27FC236}">
+                    <a16:creationId xmlns:a16="http://schemas.microsoft.com/office/drawing/2014/main" id="{044B990B-887E-EF48-BCDB-F7A15DAB1AFD}"/>
+                  </a:ext>
+                </a:extLst>
+              </p:cNvPr>
+              <p:cNvSpPr/>
+              <p:nvPr/>
+            </p:nvSpPr>
+            <p:spPr>
+              <a:xfrm>
+                <a:off x="5459126" y="3143421"/>
+                <a:ext cx="763270" cy="740600"/>
+              </a:xfrm>
+              <a:prstGeom prst="ellipse">
+                <a:avLst/>
+              </a:prstGeom>
+            </p:spPr>
+            <p:style>
+              <a:lnRef idx="2">
+                <a:schemeClr val="dk1"/>
+              </a:lnRef>
+              <a:fillRef idx="1">
+                <a:schemeClr val="lt1"/>
+              </a:fillRef>
+              <a:effectRef idx="0">
+                <a:schemeClr val="dk1"/>
+              </a:effectRef>
+              <a:fontRef idx="minor">
+                <a:schemeClr val="dk1"/>
+              </a:fontRef>
+            </p:style>
+            <p:txBody>
+              <a:bodyPr rtlCol="0" anchor="ctr"/>
+              <a:lstStyle/>
+              <a:p>
+                <a:pPr algn="ctr"/>
+                <a14:m>
+                  <m:oMathPara xmlns:m="http://schemas.openxmlformats.org/officeDocument/2006/math">
+                    <m:oMathParaPr>
+                      <m:jc m:val="center"/>
+                    </m:oMathParaPr>
+                    <m:oMath xmlns:m="http://schemas.openxmlformats.org/officeDocument/2006/math">
+                      <m:sSubSup>
+                        <m:sSubSupPr>
+                          <m:ctrlPr>
+                            <a:rPr lang="en-US" altLang="zh-CN" sz="2000" i="1" smtClean="0">
+                              <a:solidFill>
+                                <a:prstClr val="black"/>
+                              </a:solidFill>
+                              <a:latin typeface="Cambria Math" panose="02040503050406030204" pitchFamily="18" charset="0"/>
+                            </a:rPr>
+                          </m:ctrlPr>
+                        </m:sSubSupPr>
+                        <m:e>
+                          <m:r>
+                            <a:rPr lang="en-US" altLang="zh-CN" sz="2000" i="1">
+                              <a:solidFill>
+                                <a:prstClr val="black"/>
+                              </a:solidFill>
+                              <a:latin typeface="Cambria Math" panose="02040503050406030204" pitchFamily="18" charset="0"/>
+                            </a:rPr>
+                            <m:t>𝑎</m:t>
+                          </m:r>
+                        </m:e>
+                        <m:sub>
+                          <m:r>
+                            <a:rPr lang="en-US" altLang="zh-CN" sz="2000" b="0" i="1" smtClean="0">
+                              <a:solidFill>
+                                <a:prstClr val="black"/>
+                              </a:solidFill>
+                              <a:latin typeface="Cambria Math" panose="02040503050406030204" pitchFamily="18" charset="0"/>
+                            </a:rPr>
+                            <m:t>2</m:t>
+                          </m:r>
+                        </m:sub>
+                        <m:sup>
+                          <m:d>
+                            <m:dPr>
+                              <m:begChr m:val="["/>
+                              <m:endChr m:val="]"/>
+                              <m:ctrlPr>
+                                <a:rPr lang="en-US" altLang="zh-CN" sz="2000" i="1" smtClean="0">
+                                  <a:solidFill>
+                                    <a:prstClr val="black"/>
+                                  </a:solidFill>
+                                  <a:latin typeface="Cambria Math" panose="02040503050406030204" pitchFamily="18" charset="0"/>
+                                </a:rPr>
+                              </m:ctrlPr>
+                            </m:dPr>
+                            <m:e>
+                              <m:r>
+                                <a:rPr lang="en-US" altLang="zh-CN" sz="2000" b="0" i="1" smtClean="0">
+                                  <a:solidFill>
+                                    <a:prstClr val="black"/>
+                                  </a:solidFill>
+                                  <a:latin typeface="Cambria Math" panose="02040503050406030204" pitchFamily="18" charset="0"/>
+                                </a:rPr>
+                                <m:t>2</m:t>
+                              </m:r>
+                            </m:e>
+                          </m:d>
+                        </m:sup>
+                      </m:sSubSup>
+                    </m:oMath>
+                  </m:oMathPara>
+                </a14:m>
+                <a:endParaRPr lang="zh-CN" altLang="en-US" sz="1600" dirty="0">
+                  <a:latin typeface="Cambria Math" panose="02040503050406030204" pitchFamily="18" charset="0"/>
+                </a:endParaRPr>
+              </a:p>
+            </p:txBody>
+          </p:sp>
+        </mc:Choice>
+        <mc:Fallback>
+          <p:sp>
+            <p:nvSpPr>
+              <p:cNvPr id="35" name="椭圆 34">
+                <a:extLst>
+                  <a:ext uri="{FF2B5EF4-FFF2-40B4-BE49-F238E27FC236}">
+                    <a16:creationId xmlns:a16="http://schemas.microsoft.com/office/drawing/2014/main" id="{044B990B-887E-EF48-BCDB-F7A15DAB1AFD}"/>
+                  </a:ext>
+                </a:extLst>
+              </p:cNvPr>
+              <p:cNvSpPr>
+                <a:spLocks noRot="1" noChangeAspect="1" noMove="1" noResize="1" noEditPoints="1" noAdjustHandles="1" noChangeArrowheads="1" noChangeShapeType="1" noTextEdit="1"/>
+              </p:cNvSpPr>
+              <p:nvPr/>
+            </p:nvSpPr>
+            <p:spPr>
+              <a:xfrm>
+                <a:off x="5459126" y="3143421"/>
+                <a:ext cx="763270" cy="740600"/>
+              </a:xfrm>
+              <a:prstGeom prst="ellipse">
+                <a:avLst/>
+              </a:prstGeom>
+              <a:blipFill>
+                <a:blip r:embed="rId16"/>
+                <a:stretch>
+                  <a:fillRect/>
+                </a:stretch>
+              </a:blipFill>
+            </p:spPr>
+            <p:txBody>
+              <a:bodyPr/>
+              <a:lstStyle/>
+              <a:p>
+                <a:r>
+                  <a:rPr lang="zh-CN" altLang="en-US">
+                    <a:noFill/>
+                  </a:rPr>
+                  <a:t> </a:t>
+                </a:r>
+              </a:p>
+            </p:txBody>
+          </p:sp>
+        </mc:Fallback>
+      </mc:AlternateContent>
+      <mc:AlternateContent xmlns:mc="http://schemas.openxmlformats.org/markup-compatibility/2006">
+        <mc:Choice xmlns:a14="http://schemas.microsoft.com/office/drawing/2010/main" Requires="a14">
+          <p:sp>
+            <p:nvSpPr>
+              <p:cNvPr id="36" name="椭圆 35">
+                <a:extLst>
+                  <a:ext uri="{FF2B5EF4-FFF2-40B4-BE49-F238E27FC236}">
+                    <a16:creationId xmlns:a16="http://schemas.microsoft.com/office/drawing/2014/main" id="{5299C242-CE89-6D46-8586-6D413CC9AA13}"/>
+                  </a:ext>
+                </a:extLst>
+              </p:cNvPr>
+              <p:cNvSpPr/>
+              <p:nvPr/>
+            </p:nvSpPr>
+            <p:spPr>
+              <a:xfrm>
+                <a:off x="5453835" y="4294693"/>
+                <a:ext cx="763270" cy="740600"/>
+              </a:xfrm>
+              <a:prstGeom prst="ellipse">
+                <a:avLst/>
+              </a:prstGeom>
+            </p:spPr>
+            <p:style>
+              <a:lnRef idx="2">
+                <a:schemeClr val="dk1"/>
+              </a:lnRef>
+              <a:fillRef idx="1">
+                <a:schemeClr val="lt1"/>
+              </a:fillRef>
+              <a:effectRef idx="0">
+                <a:schemeClr val="dk1"/>
+              </a:effectRef>
+              <a:fontRef idx="minor">
+                <a:schemeClr val="dk1"/>
+              </a:fontRef>
+            </p:style>
+            <p:txBody>
+              <a:bodyPr rtlCol="0" anchor="ctr"/>
+              <a:lstStyle/>
+              <a:p>
+                <a:pPr algn="ctr"/>
+                <a14:m>
+                  <m:oMathPara xmlns:m="http://schemas.openxmlformats.org/officeDocument/2006/math">
+                    <m:oMathParaPr>
+                      <m:jc m:val="center"/>
+                    </m:oMathParaPr>
+                    <m:oMath xmlns:m="http://schemas.openxmlformats.org/officeDocument/2006/math">
+                      <m:sSubSup>
+                        <m:sSubSupPr>
+                          <m:ctrlPr>
+                            <a:rPr lang="en-US" altLang="zh-CN" sz="2000" i="1" smtClean="0">
+                              <a:solidFill>
+                                <a:prstClr val="black"/>
+                              </a:solidFill>
+                              <a:latin typeface="Cambria Math" panose="02040503050406030204" pitchFamily="18" charset="0"/>
+                            </a:rPr>
+                          </m:ctrlPr>
+                        </m:sSubSupPr>
+                        <m:e>
+                          <m:r>
+                            <a:rPr lang="en-US" altLang="zh-CN" sz="2000" i="1">
+                              <a:solidFill>
+                                <a:prstClr val="black"/>
+                              </a:solidFill>
+                              <a:latin typeface="Cambria Math" panose="02040503050406030204" pitchFamily="18" charset="0"/>
+                            </a:rPr>
+                            <m:t>𝑎</m:t>
+                          </m:r>
+                        </m:e>
+                        <m:sub>
+                          <m:r>
+                            <a:rPr lang="en-US" altLang="zh-CN" sz="2000" b="0" i="1" smtClean="0">
+                              <a:solidFill>
+                                <a:prstClr val="black"/>
+                              </a:solidFill>
+                              <a:latin typeface="Cambria Math" panose="02040503050406030204" pitchFamily="18" charset="0"/>
+                            </a:rPr>
+                            <m:t>4</m:t>
+                          </m:r>
+                        </m:sub>
+                        <m:sup>
+                          <m:d>
+                            <m:dPr>
+                              <m:begChr m:val="["/>
+                              <m:endChr m:val="]"/>
+                              <m:ctrlPr>
+                                <a:rPr lang="en-US" altLang="zh-CN" sz="2000" i="1">
+                                  <a:solidFill>
+                                    <a:prstClr val="black"/>
+                                  </a:solidFill>
+                                  <a:latin typeface="Cambria Math" panose="02040503050406030204" pitchFamily="18" charset="0"/>
+                                </a:rPr>
+                              </m:ctrlPr>
+                            </m:dPr>
+                            <m:e>
+                              <m:r>
+                                <a:rPr lang="en-US" altLang="zh-CN" sz="2000" b="0" i="1" smtClean="0">
+                                  <a:solidFill>
+                                    <a:prstClr val="black"/>
+                                  </a:solidFill>
+                                  <a:latin typeface="Cambria Math" panose="02040503050406030204" pitchFamily="18" charset="0"/>
+                                </a:rPr>
+                                <m:t>2</m:t>
+                              </m:r>
+                            </m:e>
+                          </m:d>
+                        </m:sup>
+                      </m:sSubSup>
+                    </m:oMath>
+                  </m:oMathPara>
+                </a14:m>
+                <a:endParaRPr lang="zh-CN" altLang="en-US" sz="1600" dirty="0">
+                  <a:latin typeface="Cambria Math" panose="02040503050406030204" pitchFamily="18" charset="0"/>
+                </a:endParaRPr>
+              </a:p>
+            </p:txBody>
+          </p:sp>
+        </mc:Choice>
+        <mc:Fallback>
+          <p:sp>
+            <p:nvSpPr>
+              <p:cNvPr id="36" name="椭圆 35">
+                <a:extLst>
+                  <a:ext uri="{FF2B5EF4-FFF2-40B4-BE49-F238E27FC236}">
+                    <a16:creationId xmlns:a16="http://schemas.microsoft.com/office/drawing/2014/main" id="{5299C242-CE89-6D46-8586-6D413CC9AA13}"/>
+                  </a:ext>
+                </a:extLst>
+              </p:cNvPr>
+              <p:cNvSpPr>
+                <a:spLocks noRot="1" noChangeAspect="1" noMove="1" noResize="1" noEditPoints="1" noAdjustHandles="1" noChangeArrowheads="1" noChangeShapeType="1" noTextEdit="1"/>
+              </p:cNvSpPr>
+              <p:nvPr/>
+            </p:nvSpPr>
+            <p:spPr>
+              <a:xfrm>
+                <a:off x="5453835" y="4294693"/>
+                <a:ext cx="763270" cy="740600"/>
+              </a:xfrm>
+              <a:prstGeom prst="ellipse">
+                <a:avLst/>
+              </a:prstGeom>
+              <a:blipFill>
+                <a:blip r:embed="rId17"/>
+                <a:stretch>
+                  <a:fillRect/>
+                </a:stretch>
+              </a:blipFill>
+            </p:spPr>
+            <p:txBody>
+              <a:bodyPr/>
+              <a:lstStyle/>
+              <a:p>
+                <a:r>
+                  <a:rPr lang="zh-CN" altLang="en-US">
+                    <a:noFill/>
+                  </a:rPr>
+                  <a:t> </a:t>
+                </a:r>
+              </a:p>
+            </p:txBody>
+          </p:sp>
+        </mc:Fallback>
+      </mc:AlternateContent>
+      <mc:AlternateContent xmlns:mc="http://schemas.openxmlformats.org/markup-compatibility/2006">
+        <mc:Choice xmlns:a14="http://schemas.microsoft.com/office/drawing/2010/main" Requires="a14">
+          <p:sp>
+            <p:nvSpPr>
+              <p:cNvPr id="37" name="椭圆 36">
+                <a:extLst>
+                  <a:ext uri="{FF2B5EF4-FFF2-40B4-BE49-F238E27FC236}">
+                    <a16:creationId xmlns:a16="http://schemas.microsoft.com/office/drawing/2014/main" id="{B2668C8F-461B-404D-93C6-5C32370C8452}"/>
+                  </a:ext>
+                </a:extLst>
+              </p:cNvPr>
+              <p:cNvSpPr/>
+              <p:nvPr/>
+            </p:nvSpPr>
+            <p:spPr>
+              <a:xfrm>
+                <a:off x="5453835" y="5216654"/>
+                <a:ext cx="763270" cy="740600"/>
+              </a:xfrm>
+              <a:prstGeom prst="ellipse">
+                <a:avLst/>
+              </a:prstGeom>
+            </p:spPr>
+            <p:style>
+              <a:lnRef idx="2">
+                <a:schemeClr val="dk1"/>
+              </a:lnRef>
+              <a:fillRef idx="1">
+                <a:schemeClr val="lt1"/>
+              </a:fillRef>
+              <a:effectRef idx="0">
+                <a:schemeClr val="dk1"/>
+              </a:effectRef>
+              <a:fontRef idx="minor">
+                <a:schemeClr val="dk1"/>
+              </a:fontRef>
+            </p:style>
+            <p:txBody>
+              <a:bodyPr rtlCol="0" anchor="ctr"/>
+              <a:lstStyle/>
+              <a:p>
+                <a:pPr algn="ctr"/>
+                <a14:m>
+                  <m:oMathPara xmlns:m="http://schemas.openxmlformats.org/officeDocument/2006/math">
+                    <m:oMathParaPr>
+                      <m:jc m:val="center"/>
+                    </m:oMathParaPr>
+                    <m:oMath xmlns:m="http://schemas.openxmlformats.org/officeDocument/2006/math">
+                      <m:sSubSup>
+                        <m:sSubSupPr>
+                          <m:ctrlPr>
+                            <a:rPr lang="en-US" altLang="zh-CN" sz="2000" i="1" smtClean="0">
+                              <a:solidFill>
+                                <a:prstClr val="black"/>
+                              </a:solidFill>
+                              <a:latin typeface="Cambria Math" panose="02040503050406030204" pitchFamily="18" charset="0"/>
+                            </a:rPr>
+                          </m:ctrlPr>
+                        </m:sSubSupPr>
+                        <m:e>
+                          <m:r>
+                            <a:rPr lang="en-US" altLang="zh-CN" sz="2000" i="1">
+                              <a:solidFill>
+                                <a:prstClr val="black"/>
+                              </a:solidFill>
+                              <a:latin typeface="Cambria Math" panose="02040503050406030204" pitchFamily="18" charset="0"/>
+                            </a:rPr>
+                            <m:t>𝑎</m:t>
+                          </m:r>
+                        </m:e>
+                        <m:sub>
+                          <m:r>
+                            <a:rPr lang="en-US" altLang="zh-CN" sz="2000" b="0" i="1" smtClean="0">
+                              <a:solidFill>
+                                <a:prstClr val="black"/>
+                              </a:solidFill>
+                              <a:latin typeface="Cambria Math" panose="02040503050406030204" pitchFamily="18" charset="0"/>
+                            </a:rPr>
+                            <m:t>5</m:t>
+                          </m:r>
+                        </m:sub>
+                        <m:sup>
+                          <m:d>
+                            <m:dPr>
+                              <m:begChr m:val="["/>
+                              <m:endChr m:val="]"/>
+                              <m:ctrlPr>
+                                <a:rPr lang="en-US" altLang="zh-CN" sz="2000" i="1">
+                                  <a:solidFill>
+                                    <a:prstClr val="black"/>
+                                  </a:solidFill>
+                                  <a:latin typeface="Cambria Math" panose="02040503050406030204" pitchFamily="18" charset="0"/>
+                                </a:rPr>
+                              </m:ctrlPr>
+                            </m:dPr>
+                            <m:e>
+                              <m:r>
+                                <a:rPr lang="en-US" altLang="zh-CN" sz="2000" b="0" i="1" smtClean="0">
+                                  <a:solidFill>
+                                    <a:prstClr val="black"/>
+                                  </a:solidFill>
+                                  <a:latin typeface="Cambria Math" panose="02040503050406030204" pitchFamily="18" charset="0"/>
+                                </a:rPr>
+                                <m:t>2</m:t>
+                              </m:r>
+                            </m:e>
+                          </m:d>
+                        </m:sup>
+                      </m:sSubSup>
+                    </m:oMath>
+                  </m:oMathPara>
+                </a14:m>
+                <a:endParaRPr lang="zh-CN" altLang="en-US" sz="1600" dirty="0">
+                  <a:latin typeface="Cambria Math" panose="02040503050406030204" pitchFamily="18" charset="0"/>
+                </a:endParaRPr>
+              </a:p>
+            </p:txBody>
+          </p:sp>
+        </mc:Choice>
+        <mc:Fallback>
+          <p:sp>
+            <p:nvSpPr>
+              <p:cNvPr id="37" name="椭圆 36">
+                <a:extLst>
+                  <a:ext uri="{FF2B5EF4-FFF2-40B4-BE49-F238E27FC236}">
+                    <a16:creationId xmlns:a16="http://schemas.microsoft.com/office/drawing/2014/main" id="{B2668C8F-461B-404D-93C6-5C32370C8452}"/>
+                  </a:ext>
+                </a:extLst>
+              </p:cNvPr>
+              <p:cNvSpPr>
+                <a:spLocks noRot="1" noChangeAspect="1" noMove="1" noResize="1" noEditPoints="1" noAdjustHandles="1" noChangeArrowheads="1" noChangeShapeType="1" noTextEdit="1"/>
+              </p:cNvSpPr>
+              <p:nvPr/>
+            </p:nvSpPr>
+            <p:spPr>
+              <a:xfrm>
+                <a:off x="5453835" y="5216654"/>
+                <a:ext cx="763270" cy="740600"/>
+              </a:xfrm>
+              <a:prstGeom prst="ellipse">
+                <a:avLst/>
+              </a:prstGeom>
+              <a:blipFill>
+                <a:blip r:embed="rId18"/>
+                <a:stretch>
+                  <a:fillRect/>
+                </a:stretch>
+              </a:blipFill>
+            </p:spPr>
+            <p:txBody>
+              <a:bodyPr/>
+              <a:lstStyle/>
+              <a:p>
+                <a:r>
+                  <a:rPr lang="zh-CN" altLang="en-US">
+                    <a:noFill/>
+                  </a:rPr>
+                  <a:t> </a:t>
+                </a:r>
+              </a:p>
+            </p:txBody>
+          </p:sp>
+        </mc:Fallback>
+      </mc:AlternateContent>
+      <mc:AlternateContent xmlns:mc="http://schemas.openxmlformats.org/markup-compatibility/2006">
+        <mc:Choice xmlns:a14="http://schemas.microsoft.com/office/drawing/2010/main" Requires="a14">
+          <p:sp>
+            <p:nvSpPr>
+              <p:cNvPr id="38" name="文本框 37">
+                <a:extLst>
+                  <a:ext uri="{FF2B5EF4-FFF2-40B4-BE49-F238E27FC236}">
+                    <a16:creationId xmlns:a16="http://schemas.microsoft.com/office/drawing/2014/main" id="{74035C79-828B-9D4F-87F4-7D72F0DD26A0}"/>
+                  </a:ext>
+                </a:extLst>
+              </p:cNvPr>
+              <p:cNvSpPr txBox="1"/>
+              <p:nvPr/>
+            </p:nvSpPr>
+            <p:spPr>
+              <a:xfrm>
+                <a:off x="5504334" y="3966349"/>
+                <a:ext cx="629920" cy="246221"/>
+              </a:xfrm>
+              <a:prstGeom prst="rect">
+                <a:avLst/>
+              </a:prstGeom>
+              <a:noFill/>
+            </p:spPr>
+            <p:txBody>
+              <a:bodyPr wrap="square" lIns="0" tIns="0" rIns="0" bIns="0" rtlCol="0">
+                <a:spAutoFit/>
+              </a:bodyPr>
+              <a:lstStyle/>
+              <a:p>
+                <a:pPr/>
+                <a14:m>
+                  <m:oMathPara xmlns:m="http://schemas.openxmlformats.org/officeDocument/2006/math">
+                    <m:oMathParaPr>
+                      <m:jc m:val="centerGroup"/>
+                    </m:oMathParaPr>
+                    <m:oMath xmlns:m="http://schemas.openxmlformats.org/officeDocument/2006/math">
+                      <m:r>
+                        <a:rPr lang="zh-CN" altLang="en-US" sz="1600" i="1" smtClean="0">
+                          <a:latin typeface="Cambria Math" panose="02040503050406030204" pitchFamily="18" charset="0"/>
+                        </a:rPr>
+                        <m:t>⋯</m:t>
+                      </m:r>
+                    </m:oMath>
+                  </m:oMathPara>
+                </a14:m>
+                <a:endParaRPr lang="zh-CN" altLang="en-US" dirty="0"/>
+              </a:p>
+            </p:txBody>
+          </p:sp>
+        </mc:Choice>
+        <mc:Fallback>
+          <p:sp>
+            <p:nvSpPr>
+              <p:cNvPr id="38" name="文本框 37">
+                <a:extLst>
+                  <a:ext uri="{FF2B5EF4-FFF2-40B4-BE49-F238E27FC236}">
+                    <a16:creationId xmlns:a16="http://schemas.microsoft.com/office/drawing/2014/main" id="{74035C79-828B-9D4F-87F4-7D72F0DD26A0}"/>
+                  </a:ext>
+                </a:extLst>
+              </p:cNvPr>
+              <p:cNvSpPr txBox="1">
+                <a:spLocks noRot="1" noChangeAspect="1" noMove="1" noResize="1" noEditPoints="1" noAdjustHandles="1" noChangeArrowheads="1" noChangeShapeType="1" noTextEdit="1"/>
+              </p:cNvSpPr>
+              <p:nvPr/>
+            </p:nvSpPr>
+            <p:spPr>
+              <a:xfrm>
+                <a:off x="5504334" y="3966349"/>
+                <a:ext cx="629920" cy="246221"/>
+              </a:xfrm>
+              <a:prstGeom prst="rect">
+                <a:avLst/>
+              </a:prstGeom>
+              <a:blipFill>
+                <a:blip r:embed="rId19"/>
+                <a:stretch>
+                  <a:fillRect/>
+                </a:stretch>
+              </a:blipFill>
+            </p:spPr>
+            <p:txBody>
+              <a:bodyPr/>
+              <a:lstStyle/>
+              <a:p>
+                <a:r>
+                  <a:rPr lang="zh-CN" altLang="en-US">
+                    <a:noFill/>
+                  </a:rPr>
+                  <a:t> </a:t>
+                </a:r>
+              </a:p>
+            </p:txBody>
+          </p:sp>
+        </mc:Fallback>
+      </mc:AlternateContent>
+      <mc:AlternateContent xmlns:mc="http://schemas.openxmlformats.org/markup-compatibility/2006">
+        <mc:Choice xmlns:a14="http://schemas.microsoft.com/office/drawing/2010/main" Requires="a14">
+          <p:sp>
+            <p:nvSpPr>
+              <p:cNvPr id="39" name="椭圆 38">
+                <a:extLst>
+                  <a:ext uri="{FF2B5EF4-FFF2-40B4-BE49-F238E27FC236}">
+                    <a16:creationId xmlns:a16="http://schemas.microsoft.com/office/drawing/2014/main" id="{12BCBF15-BDC4-4846-AFF8-584C67F8C1BA}"/>
+                  </a:ext>
+                </a:extLst>
+              </p:cNvPr>
+              <p:cNvSpPr/>
+              <p:nvPr/>
+            </p:nvSpPr>
+            <p:spPr>
+              <a:xfrm>
+                <a:off x="5453835" y="2296163"/>
+                <a:ext cx="763270" cy="740600"/>
+              </a:xfrm>
+              <a:prstGeom prst="ellipse">
+                <a:avLst/>
+              </a:prstGeom>
+            </p:spPr>
+            <p:style>
+              <a:lnRef idx="2">
+                <a:schemeClr val="dk1"/>
+              </a:lnRef>
+              <a:fillRef idx="1">
+                <a:schemeClr val="lt1"/>
+              </a:fillRef>
+              <a:effectRef idx="0">
+                <a:schemeClr val="dk1"/>
+              </a:effectRef>
+              <a:fontRef idx="minor">
+                <a:schemeClr val="dk1"/>
+              </a:fontRef>
+            </p:style>
+            <p:txBody>
+              <a:bodyPr rtlCol="0" anchor="ctr"/>
+              <a:lstStyle/>
+              <a:p>
+                <a:pPr algn="ctr"/>
+                <a14:m>
+                  <m:oMathPara xmlns:m="http://schemas.openxmlformats.org/officeDocument/2006/math">
+                    <m:oMathParaPr>
+                      <m:jc m:val="center"/>
+                    </m:oMathParaPr>
+                    <m:oMath xmlns:m="http://schemas.openxmlformats.org/officeDocument/2006/math">
+                      <m:sSubSup>
+                        <m:sSubSupPr>
+                          <m:ctrlPr>
+                            <a:rPr lang="en-US" altLang="zh-CN" sz="2000" b="0" i="1" smtClean="0">
+                              <a:latin typeface="Cambria Math" panose="02040503050406030204" pitchFamily="18" charset="0"/>
+                            </a:rPr>
+                          </m:ctrlPr>
+                        </m:sSubSupPr>
+                        <m:e>
+                          <m:r>
+                            <a:rPr lang="en-US" altLang="zh-CN" sz="2000" b="0" i="1" smtClean="0">
+                              <a:latin typeface="Cambria Math" panose="02040503050406030204" pitchFamily="18" charset="0"/>
+                            </a:rPr>
+                            <m:t>𝑎</m:t>
+                          </m:r>
+                        </m:e>
+                        <m:sub>
+                          <m:r>
+                            <a:rPr lang="en-US" altLang="zh-CN" sz="2000" b="0" i="1" smtClean="0">
+                              <a:latin typeface="Cambria Math" panose="02040503050406030204" pitchFamily="18" charset="0"/>
+                            </a:rPr>
+                            <m:t>1</m:t>
+                          </m:r>
+                        </m:sub>
+                        <m:sup>
+                          <m:d>
+                            <m:dPr>
+                              <m:begChr m:val="["/>
+                              <m:endChr m:val="]"/>
+                              <m:ctrlPr>
+                                <a:rPr lang="en-US" altLang="zh-CN" sz="2000" b="0" i="1" smtClean="0">
+                                  <a:latin typeface="Cambria Math" panose="02040503050406030204" pitchFamily="18" charset="0"/>
+                                </a:rPr>
+                              </m:ctrlPr>
+                            </m:dPr>
+                            <m:e>
+                              <m:r>
+                                <a:rPr lang="en-US" altLang="zh-CN" sz="2000" b="0" i="1" smtClean="0">
+                                  <a:latin typeface="Cambria Math" panose="02040503050406030204" pitchFamily="18" charset="0"/>
+                                </a:rPr>
+                                <m:t>2</m:t>
+                              </m:r>
+                            </m:e>
+                          </m:d>
+                        </m:sup>
+                      </m:sSubSup>
+                    </m:oMath>
+                  </m:oMathPara>
+                </a14:m>
+                <a:endParaRPr lang="en-US" altLang="zh-CN" sz="1600" b="0" dirty="0">
+                  <a:latin typeface="Cambria Math" panose="02040503050406030204" pitchFamily="18" charset="0"/>
+                </a:endParaRPr>
+              </a:p>
+            </p:txBody>
+          </p:sp>
+        </mc:Choice>
+        <mc:Fallback>
+          <p:sp>
+            <p:nvSpPr>
+              <p:cNvPr id="39" name="椭圆 38">
+                <a:extLst>
+                  <a:ext uri="{FF2B5EF4-FFF2-40B4-BE49-F238E27FC236}">
+                    <a16:creationId xmlns:a16="http://schemas.microsoft.com/office/drawing/2014/main" id="{12BCBF15-BDC4-4846-AFF8-584C67F8C1BA}"/>
+                  </a:ext>
+                </a:extLst>
+              </p:cNvPr>
+              <p:cNvSpPr>
+                <a:spLocks noRot="1" noChangeAspect="1" noMove="1" noResize="1" noEditPoints="1" noAdjustHandles="1" noChangeArrowheads="1" noChangeShapeType="1" noTextEdit="1"/>
+              </p:cNvSpPr>
+              <p:nvPr/>
+            </p:nvSpPr>
+            <p:spPr>
+              <a:xfrm>
+                <a:off x="5453835" y="2296163"/>
+                <a:ext cx="763270" cy="740600"/>
+              </a:xfrm>
+              <a:prstGeom prst="ellipse">
+                <a:avLst/>
+              </a:prstGeom>
+              <a:blipFill>
+                <a:blip r:embed="rId20"/>
+                <a:stretch>
+                  <a:fillRect/>
+                </a:stretch>
+              </a:blipFill>
+            </p:spPr>
+            <p:txBody>
+              <a:bodyPr/>
+              <a:lstStyle/>
+              <a:p>
+                <a:r>
+                  <a:rPr lang="zh-CN" altLang="en-US">
+                    <a:noFill/>
+                  </a:rPr>
+                  <a:t> </a:t>
+                </a:r>
+              </a:p>
+            </p:txBody>
+          </p:sp>
+        </mc:Fallback>
+      </mc:AlternateContent>
+      <p:cxnSp>
+        <p:nvCxnSpPr>
+          <p:cNvPr id="40" name="直接箭头连接符 69">
+            <a:extLst>
+              <a:ext uri="{FF2B5EF4-FFF2-40B4-BE49-F238E27FC236}">
+                <a16:creationId xmlns:a16="http://schemas.microsoft.com/office/drawing/2014/main" id="{DF1B8C60-5D8B-DF41-9B08-7DFC33EFF411}"/>
+              </a:ext>
+            </a:extLst>
+          </p:cNvPr>
+          <p:cNvCxnSpPr>
+            <a:cxnSpLocks/>
+          </p:cNvCxnSpPr>
+          <p:nvPr/>
+        </p:nvCxnSpPr>
+        <p:spPr>
+          <a:xfrm>
+            <a:off x="4575613" y="4059639"/>
+            <a:ext cx="792486" cy="919"/>
+          </a:xfrm>
+          <a:prstGeom prst="straightConnector1">
+            <a:avLst/>
+          </a:prstGeom>
+          <a:ln>
+            <a:tailEnd type="triangle"/>
+          </a:ln>
+        </p:spPr>
+        <p:style>
+          <a:lnRef idx="3">
+            <a:schemeClr val="dk1"/>
+          </a:lnRef>
+          <a:fillRef idx="0">
+            <a:schemeClr val="dk1"/>
+          </a:fillRef>
+          <a:effectRef idx="2">
+            <a:schemeClr val="dk1"/>
+          </a:effectRef>
+          <a:fontRef idx="minor">
+            <a:schemeClr val="tx1"/>
+          </a:fontRef>
+        </p:style>
+      </p:cxnSp>
+      <p:cxnSp>
+        <p:nvCxnSpPr>
+          <p:cNvPr id="41" name="直接箭头连接符 69">
+            <a:extLst>
+              <a:ext uri="{FF2B5EF4-FFF2-40B4-BE49-F238E27FC236}">
+                <a16:creationId xmlns:a16="http://schemas.microsoft.com/office/drawing/2014/main" id="{CB6F723B-0092-0E4D-81FC-6D984734B46C}"/>
+              </a:ext>
+            </a:extLst>
+          </p:cNvPr>
+          <p:cNvCxnSpPr>
+            <a:cxnSpLocks/>
+          </p:cNvCxnSpPr>
+          <p:nvPr/>
+        </p:nvCxnSpPr>
+        <p:spPr>
+          <a:xfrm>
+            <a:off x="6239001" y="4063356"/>
+            <a:ext cx="792486" cy="919"/>
+          </a:xfrm>
+          <a:prstGeom prst="straightConnector1">
+            <a:avLst/>
+          </a:prstGeom>
+          <a:ln>
+            <a:tailEnd type="triangle"/>
+          </a:ln>
+        </p:spPr>
+        <p:style>
+          <a:lnRef idx="3">
+            <a:schemeClr val="dk1"/>
+          </a:lnRef>
+          <a:fillRef idx="0">
+            <a:schemeClr val="dk1"/>
+          </a:fillRef>
+          <a:effectRef idx="2">
+            <a:schemeClr val="dk1"/>
+          </a:effectRef>
+          <a:fontRef idx="minor">
+            <a:schemeClr val="tx1"/>
+          </a:fontRef>
+        </p:style>
+      </p:cxnSp>
+      <p:sp>
+        <p:nvSpPr>
+          <p:cNvPr id="42" name="文本框 41">
+            <a:extLst>
+              <a:ext uri="{FF2B5EF4-FFF2-40B4-BE49-F238E27FC236}">
+                <a16:creationId xmlns:a16="http://schemas.microsoft.com/office/drawing/2014/main" id="{96D8E56A-B9D5-374E-A4D7-E3BDDC6A9986}"/>
+              </a:ext>
+            </a:extLst>
+          </p:cNvPr>
+          <p:cNvSpPr txBox="1"/>
+          <p:nvPr/>
+        </p:nvSpPr>
+        <p:spPr>
+          <a:xfrm>
+            <a:off x="4963449" y="6017202"/>
+            <a:ext cx="1920240" cy="707886"/>
+          </a:xfrm>
+          <a:prstGeom prst="rect">
+            <a:avLst/>
+          </a:prstGeom>
+          <a:noFill/>
+        </p:spPr>
+        <p:txBody>
+          <a:bodyPr wrap="square" rtlCol="0">
+            <a:spAutoFit/>
+          </a:bodyPr>
+          <a:lstStyle/>
+          <a:p>
+            <a:pPr algn="ctr"/>
+            <a:r>
+              <a:rPr lang="en-US" altLang="zh-CN" sz="2000" b="1" dirty="0">
+                <a:latin typeface="Cambria Math" panose="02040503050406030204" pitchFamily="18" charset="0"/>
+                <a:ea typeface="Cambria Math" panose="02040503050406030204" pitchFamily="18" charset="0"/>
+              </a:rPr>
+              <a:t>hidden layer 2 of</a:t>
+            </a:r>
+            <a:r>
+              <a:rPr lang="zh-CN" altLang="en-US" sz="2000" b="1" dirty="0">
+                <a:latin typeface="Cambria Math" panose="02040503050406030204" pitchFamily="18" charset="0"/>
+                <a:ea typeface="Cambria Math" panose="02040503050406030204" pitchFamily="18" charset="0"/>
+              </a:rPr>
+              <a:t> </a:t>
+            </a:r>
+            <a:r>
+              <a:rPr lang="en-US" altLang="zh-CN" sz="2000" b="1" dirty="0">
+                <a:latin typeface="Cambria Math" panose="02040503050406030204" pitchFamily="18" charset="0"/>
+                <a:ea typeface="Cambria Math" panose="02040503050406030204" pitchFamily="18" charset="0"/>
+              </a:rPr>
+              <a:t>size</a:t>
+            </a:r>
+            <a:r>
+              <a:rPr lang="zh-CN" altLang="en-US" sz="2000" b="1" dirty="0">
+                <a:latin typeface="Cambria Math" panose="02040503050406030204" pitchFamily="18" charset="0"/>
+                <a:ea typeface="Cambria Math" panose="02040503050406030204" pitchFamily="18" charset="0"/>
+              </a:rPr>
+              <a:t> </a:t>
+            </a:r>
+            <a:r>
+              <a:rPr lang="en-US" altLang="zh-CN" sz="2000" b="1" dirty="0">
+                <a:latin typeface="Cambria Math" panose="02040503050406030204" pitchFamily="18" charset="0"/>
+                <a:ea typeface="Cambria Math" panose="02040503050406030204" pitchFamily="18" charset="0"/>
+              </a:rPr>
+              <a:t>5(relu)</a:t>
+            </a:r>
+            <a:endParaRPr lang="zh-CN" altLang="en-US" sz="2000" b="1" dirty="0">
+              <a:latin typeface="Cambria Math" panose="02040503050406030204" pitchFamily="18" charset="0"/>
+            </a:endParaRPr>
+          </a:p>
+        </p:txBody>
+      </p:sp>
+    </p:spTree>
+    <p:extLst>
+      <p:ext uri="{BB962C8B-B14F-4D97-AF65-F5344CB8AC3E}">
+        <p14:creationId xmlns:p14="http://schemas.microsoft.com/office/powerpoint/2010/main" val="1717001259"/>
       </p:ext>
     </p:extLst>
   </p:cSld>

--- a/modules.pptx
+++ b/modules.pptx
@@ -5,13 +5,14 @@
     <p:sldMasterId id="2147483648" r:id="rId1"/>
   </p:sldMasterIdLst>
   <p:notesMasterIdLst>
-    <p:notesMasterId r:id="rId6"/>
+    <p:notesMasterId r:id="rId7"/>
   </p:notesMasterIdLst>
   <p:sldIdLst>
     <p:sldId id="256" r:id="rId2"/>
     <p:sldId id="257" r:id="rId3"/>
     <p:sldId id="258" r:id="rId4"/>
     <p:sldId id="259" r:id="rId5"/>
+    <p:sldId id="260" r:id="rId6"/>
   </p:sldIdLst>
   <p:sldSz cx="12192000" cy="6858000"/>
   <p:notesSz cx="6858000" cy="9144000"/>
@@ -200,7 +201,7 @@
           <a:p>
             <a:fld id="{62D1A186-7706-4026-8EB1-FEE548BDBD0C}" type="datetimeFigureOut">
               <a:rPr lang="zh-CN" altLang="en-US" smtClean="0"/>
-              <a:t>2021/9/12</a:t>
+              <a:t>2021/10/5</a:t>
             </a:fld>
             <a:endParaRPr lang="zh-CN" altLang="en-US"/>
           </a:p>
@@ -698,7 +699,7 @@
           <a:p>
             <a:fld id="{0A6F621E-1894-4E38-8091-6D0D5D1A9C4A}" type="datetimeFigureOut">
               <a:rPr lang="zh-CN" altLang="en-US" smtClean="0"/>
-              <a:t>2021/9/12</a:t>
+              <a:t>2021/10/5</a:t>
             </a:fld>
             <a:endParaRPr lang="zh-CN" altLang="en-US"/>
           </a:p>
@@ -896,7 +897,7 @@
           <a:p>
             <a:fld id="{0A6F621E-1894-4E38-8091-6D0D5D1A9C4A}" type="datetimeFigureOut">
               <a:rPr lang="zh-CN" altLang="en-US" smtClean="0"/>
-              <a:t>2021/9/12</a:t>
+              <a:t>2021/10/5</a:t>
             </a:fld>
             <a:endParaRPr lang="zh-CN" altLang="en-US"/>
           </a:p>
@@ -1104,7 +1105,7 @@
           <a:p>
             <a:fld id="{0A6F621E-1894-4E38-8091-6D0D5D1A9C4A}" type="datetimeFigureOut">
               <a:rPr lang="zh-CN" altLang="en-US" smtClean="0"/>
-              <a:t>2021/9/12</a:t>
+              <a:t>2021/10/5</a:t>
             </a:fld>
             <a:endParaRPr lang="zh-CN" altLang="en-US"/>
           </a:p>
@@ -1302,7 +1303,7 @@
           <a:p>
             <a:fld id="{0A6F621E-1894-4E38-8091-6D0D5D1A9C4A}" type="datetimeFigureOut">
               <a:rPr lang="zh-CN" altLang="en-US" smtClean="0"/>
-              <a:t>2021/9/12</a:t>
+              <a:t>2021/10/5</a:t>
             </a:fld>
             <a:endParaRPr lang="zh-CN" altLang="en-US"/>
           </a:p>
@@ -1577,7 +1578,7 @@
           <a:p>
             <a:fld id="{0A6F621E-1894-4E38-8091-6D0D5D1A9C4A}" type="datetimeFigureOut">
               <a:rPr lang="zh-CN" altLang="en-US" smtClean="0"/>
-              <a:t>2021/9/12</a:t>
+              <a:t>2021/10/5</a:t>
             </a:fld>
             <a:endParaRPr lang="zh-CN" altLang="en-US"/>
           </a:p>
@@ -1842,7 +1843,7 @@
           <a:p>
             <a:fld id="{0A6F621E-1894-4E38-8091-6D0D5D1A9C4A}" type="datetimeFigureOut">
               <a:rPr lang="zh-CN" altLang="en-US" smtClean="0"/>
-              <a:t>2021/9/12</a:t>
+              <a:t>2021/10/5</a:t>
             </a:fld>
             <a:endParaRPr lang="zh-CN" altLang="en-US"/>
           </a:p>
@@ -2254,7 +2255,7 @@
           <a:p>
             <a:fld id="{0A6F621E-1894-4E38-8091-6D0D5D1A9C4A}" type="datetimeFigureOut">
               <a:rPr lang="zh-CN" altLang="en-US" smtClean="0"/>
-              <a:t>2021/9/12</a:t>
+              <a:t>2021/10/5</a:t>
             </a:fld>
             <a:endParaRPr lang="zh-CN" altLang="en-US"/>
           </a:p>
@@ -2395,7 +2396,7 @@
           <a:p>
             <a:fld id="{0A6F621E-1894-4E38-8091-6D0D5D1A9C4A}" type="datetimeFigureOut">
               <a:rPr lang="zh-CN" altLang="en-US" smtClean="0"/>
-              <a:t>2021/9/12</a:t>
+              <a:t>2021/10/5</a:t>
             </a:fld>
             <a:endParaRPr lang="zh-CN" altLang="en-US"/>
           </a:p>
@@ -2508,7 +2509,7 @@
           <a:p>
             <a:fld id="{0A6F621E-1894-4E38-8091-6D0D5D1A9C4A}" type="datetimeFigureOut">
               <a:rPr lang="zh-CN" altLang="en-US" smtClean="0"/>
-              <a:t>2021/9/12</a:t>
+              <a:t>2021/10/5</a:t>
             </a:fld>
             <a:endParaRPr lang="zh-CN" altLang="en-US"/>
           </a:p>
@@ -2819,7 +2820,7 @@
           <a:p>
             <a:fld id="{0A6F621E-1894-4E38-8091-6D0D5D1A9C4A}" type="datetimeFigureOut">
               <a:rPr lang="zh-CN" altLang="en-US" smtClean="0"/>
-              <a:t>2021/9/12</a:t>
+              <a:t>2021/10/5</a:t>
             </a:fld>
             <a:endParaRPr lang="zh-CN" altLang="en-US"/>
           </a:p>
@@ -3107,7 +3108,7 @@
           <a:p>
             <a:fld id="{0A6F621E-1894-4E38-8091-6D0D5D1A9C4A}" type="datetimeFigureOut">
               <a:rPr lang="zh-CN" altLang="en-US" smtClean="0"/>
-              <a:t>2021/9/12</a:t>
+              <a:t>2021/10/5</a:t>
             </a:fld>
             <a:endParaRPr lang="zh-CN" altLang="en-US"/>
           </a:p>
@@ -3348,7 +3349,7 @@
           <a:p>
             <a:fld id="{0A6F621E-1894-4E38-8091-6D0D5D1A9C4A}" type="datetimeFigureOut">
               <a:rPr lang="zh-CN" altLang="en-US" smtClean="0"/>
-              <a:t>2021/9/12</a:t>
+              <a:t>2021/10/5</a:t>
             </a:fld>
             <a:endParaRPr lang="zh-CN" altLang="en-US"/>
           </a:p>
@@ -15351,8 +15352,8 @@
           </p:sp>
         </mc:Fallback>
       </mc:AlternateContent>
-      <mc:AlternateContent xmlns:mc="http://schemas.openxmlformats.org/markup-compatibility/2006">
-        <mc:Choice xmlns:a14="http://schemas.microsoft.com/office/drawing/2010/main" Requires="a14">
+      <mc:AlternateContent xmlns:mc="http://schemas.openxmlformats.org/markup-compatibility/2006" xmlns:a14="http://schemas.microsoft.com/office/drawing/2010/main">
+        <mc:Choice Requires="a14">
           <p:sp>
             <p:nvSpPr>
               <p:cNvPr id="51" name="椭圆 50">
@@ -15470,7 +15471,7 @@
             </p:txBody>
           </p:sp>
         </mc:Choice>
-        <mc:Fallback>
+        <mc:Fallback xmlns="">
           <p:sp>
             <p:nvSpPr>
               <p:cNvPr id="51" name="椭圆 50">
@@ -15515,8 +15516,8 @@
           </p:sp>
         </mc:Fallback>
       </mc:AlternateContent>
-      <mc:AlternateContent xmlns:mc="http://schemas.openxmlformats.org/markup-compatibility/2006">
-        <mc:Choice xmlns:a14="http://schemas.microsoft.com/office/drawing/2010/main" Requires="a14">
+      <mc:AlternateContent xmlns:mc="http://schemas.openxmlformats.org/markup-compatibility/2006" xmlns:a14="http://schemas.microsoft.com/office/drawing/2010/main">
+        <mc:Choice Requires="a14">
           <p:sp>
             <p:nvSpPr>
               <p:cNvPr id="54" name="椭圆 53">
@@ -15634,7 +15635,7 @@
             </p:txBody>
           </p:sp>
         </mc:Choice>
-        <mc:Fallback>
+        <mc:Fallback xmlns="">
           <p:sp>
             <p:nvSpPr>
               <p:cNvPr id="54" name="椭圆 53">
@@ -15679,8 +15680,8 @@
           </p:sp>
         </mc:Fallback>
       </mc:AlternateContent>
-      <mc:AlternateContent xmlns:mc="http://schemas.openxmlformats.org/markup-compatibility/2006">
-        <mc:Choice xmlns:a14="http://schemas.microsoft.com/office/drawing/2010/main" Requires="a14">
+      <mc:AlternateContent xmlns:mc="http://schemas.openxmlformats.org/markup-compatibility/2006" xmlns:a14="http://schemas.microsoft.com/office/drawing/2010/main">
+        <mc:Choice Requires="a14">
           <p:sp>
             <p:nvSpPr>
               <p:cNvPr id="57" name="椭圆 56">
@@ -15798,7 +15799,7 @@
             </p:txBody>
           </p:sp>
         </mc:Choice>
-        <mc:Fallback>
+        <mc:Fallback xmlns="">
           <p:sp>
             <p:nvSpPr>
               <p:cNvPr id="57" name="椭圆 56">
@@ -15889,8 +15890,8 @@
           </a:p>
         </p:txBody>
       </p:sp>
-      <mc:AlternateContent xmlns:mc="http://schemas.openxmlformats.org/markup-compatibility/2006">
-        <mc:Choice xmlns:a14="http://schemas.microsoft.com/office/drawing/2010/main" Requires="a14">
+      <mc:AlternateContent xmlns:mc="http://schemas.openxmlformats.org/markup-compatibility/2006" xmlns:a14="http://schemas.microsoft.com/office/drawing/2010/main">
+        <mc:Choice Requires="a14">
           <p:sp>
             <p:nvSpPr>
               <p:cNvPr id="46" name="文本框 45">
@@ -15947,19 +15948,7 @@
                             <a:rPr lang="en-US" altLang="zh-CN" b="0" i="1" smtClean="0">
                               <a:latin typeface="Cambria Math" panose="02040503050406030204" pitchFamily="18" charset="0"/>
                             </a:rPr>
-                            <m:t>[</m:t>
-                          </m:r>
-                          <m:r>
-                            <a:rPr lang="en-US" altLang="zh-CN" b="0" i="1" smtClean="0">
-                              <a:latin typeface="Cambria Math" panose="02040503050406030204" pitchFamily="18" charset="0"/>
-                            </a:rPr>
-                            <m:t>3</m:t>
-                          </m:r>
-                          <m:r>
-                            <a:rPr lang="en-US" altLang="zh-CN" b="0" i="1" smtClean="0">
-                              <a:latin typeface="Cambria Math" panose="02040503050406030204" pitchFamily="18" charset="0"/>
-                            </a:rPr>
-                            <m:t>]</m:t>
+                            <m:t>[3]</m:t>
                           </m:r>
                         </m:sup>
                       </m:sSup>
@@ -15984,19 +15973,7 @@
                             <a:rPr lang="en-US" altLang="zh-CN" b="0" i="1" smtClean="0">
                               <a:latin typeface="Cambria Math" panose="02040503050406030204" pitchFamily="18" charset="0"/>
                             </a:rPr>
-                            <m:t>[</m:t>
-                          </m:r>
-                          <m:r>
-                            <a:rPr lang="en-US" altLang="zh-CN" b="0" i="1" smtClean="0">
-                              <a:latin typeface="Cambria Math" panose="02040503050406030204" pitchFamily="18" charset="0"/>
-                            </a:rPr>
-                            <m:t>2</m:t>
-                          </m:r>
-                          <m:r>
-                            <a:rPr lang="en-US" altLang="zh-CN" b="0" i="1" smtClean="0">
-                              <a:latin typeface="Cambria Math" panose="02040503050406030204" pitchFamily="18" charset="0"/>
-                            </a:rPr>
-                            <m:t>]</m:t>
+                            <m:t>[2]</m:t>
                           </m:r>
                         </m:sup>
                       </m:sSup>
@@ -16027,19 +16004,7 @@
                             <a:rPr lang="en-US" altLang="zh-CN" b="0" i="1" smtClean="0">
                               <a:latin typeface="Cambria Math" panose="02040503050406030204" pitchFamily="18" charset="0"/>
                             </a:rPr>
-                            <m:t>[</m:t>
-                          </m:r>
-                          <m:r>
-                            <a:rPr lang="en-US" altLang="zh-CN" b="0" i="1" smtClean="0">
-                              <a:latin typeface="Cambria Math" panose="02040503050406030204" pitchFamily="18" charset="0"/>
-                            </a:rPr>
-                            <m:t>3</m:t>
-                          </m:r>
-                          <m:r>
-                            <a:rPr lang="en-US" altLang="zh-CN" b="0" i="1" smtClean="0">
-                              <a:latin typeface="Cambria Math" panose="02040503050406030204" pitchFamily="18" charset="0"/>
-                            </a:rPr>
-                            <m:t>]</m:t>
+                            <m:t>[3]</m:t>
                           </m:r>
                         </m:sup>
                       </m:sSup>
@@ -16054,7 +16019,7 @@
             </p:txBody>
           </p:sp>
         </mc:Choice>
-        <mc:Fallback>
+        <mc:Fallback xmlns="">
           <p:sp>
             <p:nvSpPr>
               <p:cNvPr id="46" name="文本框 45">
@@ -16432,8 +16397,8 @@
           </a:prstGeom>
         </p:spPr>
       </p:pic>
-      <mc:AlternateContent xmlns:mc="http://schemas.openxmlformats.org/markup-compatibility/2006">
-        <mc:Choice xmlns:a14="http://schemas.microsoft.com/office/drawing/2010/main" Requires="a14">
+      <mc:AlternateContent xmlns:mc="http://schemas.openxmlformats.org/markup-compatibility/2006" xmlns:a14="http://schemas.microsoft.com/office/drawing/2010/main">
+        <mc:Choice Requires="a14">
           <p:sp>
             <p:nvSpPr>
               <p:cNvPr id="33" name="文本框 32">
@@ -16483,7 +16448,7 @@
             </p:txBody>
           </p:sp>
         </mc:Choice>
-        <mc:Fallback>
+        <mc:Fallback xmlns="">
           <p:sp>
             <p:nvSpPr>
               <p:cNvPr id="33" name="文本框 32">
@@ -16528,8 +16493,8 @@
           </p:sp>
         </mc:Fallback>
       </mc:AlternateContent>
-      <mc:AlternateContent xmlns:mc="http://schemas.openxmlformats.org/markup-compatibility/2006">
-        <mc:Choice xmlns:a14="http://schemas.microsoft.com/office/drawing/2010/main" Requires="a14">
+      <mc:AlternateContent xmlns:mc="http://schemas.openxmlformats.org/markup-compatibility/2006" xmlns:a14="http://schemas.microsoft.com/office/drawing/2010/main">
+        <mc:Choice Requires="a14">
           <p:sp>
             <p:nvSpPr>
               <p:cNvPr id="28" name="椭圆 27">
@@ -16632,7 +16597,7 @@
             </p:txBody>
           </p:sp>
         </mc:Choice>
-        <mc:Fallback>
+        <mc:Fallback xmlns="">
           <p:sp>
             <p:nvSpPr>
               <p:cNvPr id="28" name="椭圆 27">
@@ -16677,8 +16642,8 @@
           </p:sp>
         </mc:Fallback>
       </mc:AlternateContent>
-      <mc:AlternateContent xmlns:mc="http://schemas.openxmlformats.org/markup-compatibility/2006">
-        <mc:Choice xmlns:a14="http://schemas.microsoft.com/office/drawing/2010/main" Requires="a14">
+      <mc:AlternateContent xmlns:mc="http://schemas.openxmlformats.org/markup-compatibility/2006" xmlns:a14="http://schemas.microsoft.com/office/drawing/2010/main">
+        <mc:Choice Requires="a14">
           <p:sp>
             <p:nvSpPr>
               <p:cNvPr id="35" name="椭圆 34">
@@ -16796,7 +16761,7 @@
             </p:txBody>
           </p:sp>
         </mc:Choice>
-        <mc:Fallback>
+        <mc:Fallback xmlns="">
           <p:sp>
             <p:nvSpPr>
               <p:cNvPr id="35" name="椭圆 34">
@@ -16841,8 +16806,8 @@
           </p:sp>
         </mc:Fallback>
       </mc:AlternateContent>
-      <mc:AlternateContent xmlns:mc="http://schemas.openxmlformats.org/markup-compatibility/2006">
-        <mc:Choice xmlns:a14="http://schemas.microsoft.com/office/drawing/2010/main" Requires="a14">
+      <mc:AlternateContent xmlns:mc="http://schemas.openxmlformats.org/markup-compatibility/2006" xmlns:a14="http://schemas.microsoft.com/office/drawing/2010/main">
+        <mc:Choice Requires="a14">
           <p:sp>
             <p:nvSpPr>
               <p:cNvPr id="36" name="椭圆 35">
@@ -16960,7 +16925,7 @@
             </p:txBody>
           </p:sp>
         </mc:Choice>
-        <mc:Fallback>
+        <mc:Fallback xmlns="">
           <p:sp>
             <p:nvSpPr>
               <p:cNvPr id="36" name="椭圆 35">
@@ -17005,8 +16970,8 @@
           </p:sp>
         </mc:Fallback>
       </mc:AlternateContent>
-      <mc:AlternateContent xmlns:mc="http://schemas.openxmlformats.org/markup-compatibility/2006">
-        <mc:Choice xmlns:a14="http://schemas.microsoft.com/office/drawing/2010/main" Requires="a14">
+      <mc:AlternateContent xmlns:mc="http://schemas.openxmlformats.org/markup-compatibility/2006" xmlns:a14="http://schemas.microsoft.com/office/drawing/2010/main">
+        <mc:Choice Requires="a14">
           <p:sp>
             <p:nvSpPr>
               <p:cNvPr id="37" name="椭圆 36">
@@ -17124,7 +17089,7 @@
             </p:txBody>
           </p:sp>
         </mc:Choice>
-        <mc:Fallback>
+        <mc:Fallback xmlns="">
           <p:sp>
             <p:nvSpPr>
               <p:cNvPr id="37" name="椭圆 36">
@@ -17169,8 +17134,8 @@
           </p:sp>
         </mc:Fallback>
       </mc:AlternateContent>
-      <mc:AlternateContent xmlns:mc="http://schemas.openxmlformats.org/markup-compatibility/2006">
-        <mc:Choice xmlns:a14="http://schemas.microsoft.com/office/drawing/2010/main" Requires="a14">
+      <mc:AlternateContent xmlns:mc="http://schemas.openxmlformats.org/markup-compatibility/2006" xmlns:a14="http://schemas.microsoft.com/office/drawing/2010/main">
+        <mc:Choice Requires="a14">
           <p:sp>
             <p:nvSpPr>
               <p:cNvPr id="38" name="文本框 37">
@@ -17220,7 +17185,7 @@
             </p:txBody>
           </p:sp>
         </mc:Choice>
-        <mc:Fallback>
+        <mc:Fallback xmlns="">
           <p:sp>
             <p:nvSpPr>
               <p:cNvPr id="38" name="文本框 37">
@@ -17265,8 +17230,8 @@
           </p:sp>
         </mc:Fallback>
       </mc:AlternateContent>
-      <mc:AlternateContent xmlns:mc="http://schemas.openxmlformats.org/markup-compatibility/2006">
-        <mc:Choice xmlns:a14="http://schemas.microsoft.com/office/drawing/2010/main" Requires="a14">
+      <mc:AlternateContent xmlns:mc="http://schemas.openxmlformats.org/markup-compatibility/2006" xmlns:a14="http://schemas.microsoft.com/office/drawing/2010/main">
+        <mc:Choice Requires="a14">
           <p:sp>
             <p:nvSpPr>
               <p:cNvPr id="39" name="椭圆 38">
@@ -17369,7 +17334,7 @@
             </p:txBody>
           </p:sp>
         </mc:Choice>
-        <mc:Fallback>
+        <mc:Fallback xmlns="">
           <p:sp>
             <p:nvSpPr>
               <p:cNvPr id="39" name="椭圆 38">
@@ -17570,6 +17535,2544 @@
     <p:extLst>
       <p:ext uri="{BB962C8B-B14F-4D97-AF65-F5344CB8AC3E}">
         <p14:creationId xmlns:p14="http://schemas.microsoft.com/office/powerpoint/2010/main" val="1717001259"/>
+      </p:ext>
+    </p:extLst>
+  </p:cSld>
+  <p:clrMapOvr>
+    <a:masterClrMapping/>
+  </p:clrMapOvr>
+</p:sld>
+</file>
+
+<file path=ppt/slides/slide5.xml><?xml version="1.0" encoding="utf-8"?>
+<p:sld xmlns:a="http://schemas.openxmlformats.org/drawingml/2006/main" xmlns:r="http://schemas.openxmlformats.org/officeDocument/2006/relationships" xmlns:p="http://schemas.openxmlformats.org/presentationml/2006/main">
+  <p:cSld>
+    <p:spTree>
+      <p:nvGrpSpPr>
+        <p:cNvPr id="1" name=""/>
+        <p:cNvGrpSpPr/>
+        <p:nvPr/>
+      </p:nvGrpSpPr>
+      <p:grpSpPr>
+        <a:xfrm>
+          <a:off x="0" y="0"/>
+          <a:ext cx="0" cy="0"/>
+          <a:chOff x="0" y="0"/>
+          <a:chExt cx="0" cy="0"/>
+        </a:xfrm>
+      </p:grpSpPr>
+      <p:sp>
+        <p:nvSpPr>
+          <p:cNvPr id="11" name="文本框 10">
+            <a:extLst>
+              <a:ext uri="{FF2B5EF4-FFF2-40B4-BE49-F238E27FC236}">
+                <a16:creationId xmlns:a16="http://schemas.microsoft.com/office/drawing/2014/main" id="{DA3F1318-2786-456E-A913-B735590BC92E}"/>
+              </a:ext>
+            </a:extLst>
+          </p:cNvPr>
+          <p:cNvSpPr txBox="1"/>
+          <p:nvPr/>
+        </p:nvSpPr>
+        <p:spPr>
+          <a:xfrm>
+            <a:off x="1105103" y="4658435"/>
+            <a:ext cx="1920240" cy="400110"/>
+          </a:xfrm>
+          <a:prstGeom prst="rect">
+            <a:avLst/>
+          </a:prstGeom>
+          <a:noFill/>
+        </p:spPr>
+        <p:txBody>
+          <a:bodyPr wrap="square" rtlCol="0">
+            <a:spAutoFit/>
+          </a:bodyPr>
+          <a:lstStyle/>
+          <a:p>
+            <a:r>
+              <a:rPr lang="en-US" altLang="zh-CN" sz="2000" b="1" dirty="0">
+                <a:latin typeface="Cambria Math" panose="02040503050406030204" pitchFamily="18" charset="0"/>
+                <a:ea typeface="Cambria Math" panose="02040503050406030204" pitchFamily="18" charset="0"/>
+              </a:rPr>
+              <a:t>input layer</a:t>
+            </a:r>
+            <a:endParaRPr lang="zh-CN" altLang="en-US" sz="2000" b="1" dirty="0">
+              <a:latin typeface="Cambria Math" panose="02040503050406030204" pitchFamily="18" charset="0"/>
+            </a:endParaRPr>
+          </a:p>
+        </p:txBody>
+      </p:sp>
+      <mc:AlternateContent xmlns:mc="http://schemas.openxmlformats.org/markup-compatibility/2006">
+        <mc:Choice xmlns:a14="http://schemas.microsoft.com/office/drawing/2010/main" Requires="a14">
+          <p:sp>
+            <p:nvSpPr>
+              <p:cNvPr id="47" name="椭圆 46">
+                <a:extLst>
+                  <a:ext uri="{FF2B5EF4-FFF2-40B4-BE49-F238E27FC236}">
+                    <a16:creationId xmlns:a16="http://schemas.microsoft.com/office/drawing/2014/main" id="{D16EA809-F323-46F1-83EB-09020043F8E0}"/>
+                  </a:ext>
+                </a:extLst>
+              </p:cNvPr>
+              <p:cNvSpPr/>
+              <p:nvPr/>
+            </p:nvSpPr>
+            <p:spPr>
+              <a:xfrm>
+                <a:off x="1255107" y="3759633"/>
+                <a:ext cx="879039" cy="852931"/>
+              </a:xfrm>
+              <a:prstGeom prst="ellipse">
+                <a:avLst/>
+              </a:prstGeom>
+            </p:spPr>
+            <p:style>
+              <a:lnRef idx="2">
+                <a:schemeClr val="dk1"/>
+              </a:lnRef>
+              <a:fillRef idx="1">
+                <a:schemeClr val="lt1"/>
+              </a:fillRef>
+              <a:effectRef idx="0">
+                <a:schemeClr val="dk1"/>
+              </a:effectRef>
+              <a:fontRef idx="minor">
+                <a:schemeClr val="dk1"/>
+              </a:fontRef>
+            </p:style>
+            <p:txBody>
+              <a:bodyPr rtlCol="0" anchor="ctr"/>
+              <a:lstStyle/>
+              <a:p>
+                <a:pPr algn="ctr"/>
+                <a14:m>
+                  <m:oMathPara xmlns:m="http://schemas.openxmlformats.org/officeDocument/2006/math">
+                    <m:oMathParaPr>
+                      <m:jc m:val="center"/>
+                    </m:oMathParaPr>
+                    <m:oMath xmlns:m="http://schemas.openxmlformats.org/officeDocument/2006/math">
+                      <m:sSub>
+                        <m:sSubPr>
+                          <m:ctrlPr>
+                            <a:rPr lang="en-US" altLang="zh-CN" sz="3200" b="0" i="0" smtClean="0">
+                              <a:latin typeface="Cambria Math" panose="02040503050406030204" pitchFamily="18" charset="0"/>
+                            </a:rPr>
+                          </m:ctrlPr>
+                        </m:sSubPr>
+                        <m:e>
+                          <m:r>
+                            <a:rPr lang="en-US" altLang="zh-CN" sz="3200" b="0" i="1" smtClean="0">
+                              <a:latin typeface="Cambria Math" panose="02040503050406030204" pitchFamily="18" charset="0"/>
+                            </a:rPr>
+                            <m:t>𝑥</m:t>
+                          </m:r>
+                        </m:e>
+                        <m:sub>
+                          <m:r>
+                            <a:rPr lang="en-US" altLang="zh-CN" sz="3200" b="0" i="0" smtClean="0">
+                              <a:latin typeface="Cambria Math" panose="02040503050406030204" pitchFamily="18" charset="0"/>
+                            </a:rPr>
+                            <m:t>4</m:t>
+                          </m:r>
+                        </m:sub>
+                      </m:sSub>
+                    </m:oMath>
+                  </m:oMathPara>
+                </a14:m>
+                <a:endParaRPr lang="en-US" altLang="zh-CN" sz="3200" b="0" dirty="0">
+                  <a:latin typeface="Cambria Math" panose="02040503050406030204" pitchFamily="18" charset="0"/>
+                </a:endParaRPr>
+              </a:p>
+            </p:txBody>
+          </p:sp>
+        </mc:Choice>
+        <mc:Fallback>
+          <p:sp>
+            <p:nvSpPr>
+              <p:cNvPr id="47" name="椭圆 46">
+                <a:extLst>
+                  <a:ext uri="{FF2B5EF4-FFF2-40B4-BE49-F238E27FC236}">
+                    <a16:creationId xmlns:a16="http://schemas.microsoft.com/office/drawing/2014/main" id="{D16EA809-F323-46F1-83EB-09020043F8E0}"/>
+                  </a:ext>
+                </a:extLst>
+              </p:cNvPr>
+              <p:cNvSpPr>
+                <a:spLocks noRot="1" noChangeAspect="1" noMove="1" noResize="1" noEditPoints="1" noAdjustHandles="1" noChangeArrowheads="1" noChangeShapeType="1" noTextEdit="1"/>
+              </p:cNvSpPr>
+              <p:nvPr/>
+            </p:nvSpPr>
+            <p:spPr>
+              <a:xfrm>
+                <a:off x="1255107" y="3759633"/>
+                <a:ext cx="879039" cy="852931"/>
+              </a:xfrm>
+              <a:prstGeom prst="ellipse">
+                <a:avLst/>
+              </a:prstGeom>
+              <a:blipFill>
+                <a:blip r:embed="rId2"/>
+                <a:stretch>
+                  <a:fillRect/>
+                </a:stretch>
+              </a:blipFill>
+            </p:spPr>
+            <p:txBody>
+              <a:bodyPr/>
+              <a:lstStyle/>
+              <a:p>
+                <a:r>
+                  <a:rPr lang="zh-CN" altLang="en-US">
+                    <a:noFill/>
+                  </a:rPr>
+                  <a:t> </a:t>
+                </a:r>
+              </a:p>
+            </p:txBody>
+          </p:sp>
+        </mc:Fallback>
+      </mc:AlternateContent>
+      <mc:AlternateContent xmlns:mc="http://schemas.openxmlformats.org/markup-compatibility/2006">
+        <mc:Choice xmlns:a14="http://schemas.microsoft.com/office/drawing/2010/main" Requires="a14">
+          <p:sp>
+            <p:nvSpPr>
+              <p:cNvPr id="51" name="椭圆 50">
+                <a:extLst>
+                  <a:ext uri="{FF2B5EF4-FFF2-40B4-BE49-F238E27FC236}">
+                    <a16:creationId xmlns:a16="http://schemas.microsoft.com/office/drawing/2014/main" id="{1F4F5B59-9BE0-47A1-937A-B06635D8B840}"/>
+                  </a:ext>
+                </a:extLst>
+              </p:cNvPr>
+              <p:cNvSpPr/>
+              <p:nvPr/>
+            </p:nvSpPr>
+            <p:spPr>
+              <a:xfrm>
+                <a:off x="3293352" y="1895388"/>
+                <a:ext cx="763270" cy="740600"/>
+              </a:xfrm>
+              <a:prstGeom prst="ellipse">
+                <a:avLst/>
+              </a:prstGeom>
+            </p:spPr>
+            <p:style>
+              <a:lnRef idx="2">
+                <a:schemeClr val="dk1"/>
+              </a:lnRef>
+              <a:fillRef idx="1">
+                <a:schemeClr val="lt1"/>
+              </a:fillRef>
+              <a:effectRef idx="0">
+                <a:schemeClr val="dk1"/>
+              </a:effectRef>
+              <a:fontRef idx="minor">
+                <a:schemeClr val="dk1"/>
+              </a:fontRef>
+            </p:style>
+            <p:txBody>
+              <a:bodyPr rtlCol="0" anchor="ctr"/>
+              <a:lstStyle/>
+              <a:p>
+                <a:pPr algn="ctr"/>
+                <a14:m>
+                  <m:oMathPara xmlns:m="http://schemas.openxmlformats.org/officeDocument/2006/math">
+                    <m:oMathParaPr>
+                      <m:jc m:val="center"/>
+                    </m:oMathParaPr>
+                    <m:oMath xmlns:m="http://schemas.openxmlformats.org/officeDocument/2006/math">
+                      <m:sSubSup>
+                        <m:sSubSupPr>
+                          <m:ctrlPr>
+                            <a:rPr lang="en-US" altLang="zh-CN" sz="2000" i="1" smtClean="0">
+                              <a:solidFill>
+                                <a:prstClr val="black"/>
+                              </a:solidFill>
+                              <a:latin typeface="Cambria Math" panose="02040503050406030204" pitchFamily="18" charset="0"/>
+                            </a:rPr>
+                          </m:ctrlPr>
+                        </m:sSubSupPr>
+                        <m:e>
+                          <m:r>
+                            <a:rPr lang="en-US" altLang="zh-CN" sz="2000" i="1">
+                              <a:solidFill>
+                                <a:prstClr val="black"/>
+                              </a:solidFill>
+                              <a:latin typeface="Cambria Math" panose="02040503050406030204" pitchFamily="18" charset="0"/>
+                            </a:rPr>
+                            <m:t>𝑎</m:t>
+                          </m:r>
+                        </m:e>
+                        <m:sub>
+                          <m:r>
+                            <a:rPr lang="en-US" altLang="zh-CN" sz="2000" b="0" i="1" smtClean="0">
+                              <a:solidFill>
+                                <a:prstClr val="black"/>
+                              </a:solidFill>
+                              <a:latin typeface="Cambria Math" panose="02040503050406030204" pitchFamily="18" charset="0"/>
+                            </a:rPr>
+                            <m:t>2</m:t>
+                          </m:r>
+                        </m:sub>
+                        <m:sup>
+                          <m:d>
+                            <m:dPr>
+                              <m:begChr m:val="["/>
+                              <m:endChr m:val="]"/>
+                              <m:ctrlPr>
+                                <a:rPr lang="en-US" altLang="zh-CN" sz="2000" i="1">
+                                  <a:solidFill>
+                                    <a:prstClr val="black"/>
+                                  </a:solidFill>
+                                  <a:latin typeface="Cambria Math" panose="02040503050406030204" pitchFamily="18" charset="0"/>
+                                </a:rPr>
+                              </m:ctrlPr>
+                            </m:dPr>
+                            <m:e>
+                              <m:r>
+                                <a:rPr lang="en-US" altLang="zh-CN" sz="2000" i="1">
+                                  <a:solidFill>
+                                    <a:prstClr val="black"/>
+                                  </a:solidFill>
+                                  <a:latin typeface="Cambria Math" panose="02040503050406030204" pitchFamily="18" charset="0"/>
+                                </a:rPr>
+                                <m:t>1</m:t>
+                              </m:r>
+                            </m:e>
+                          </m:d>
+                        </m:sup>
+                      </m:sSubSup>
+                    </m:oMath>
+                  </m:oMathPara>
+                </a14:m>
+                <a:endParaRPr lang="zh-CN" altLang="en-US" sz="1600" dirty="0">
+                  <a:latin typeface="Cambria Math" panose="02040503050406030204" pitchFamily="18" charset="0"/>
+                </a:endParaRPr>
+              </a:p>
+            </p:txBody>
+          </p:sp>
+        </mc:Choice>
+        <mc:Fallback>
+          <p:sp>
+            <p:nvSpPr>
+              <p:cNvPr id="51" name="椭圆 50">
+                <a:extLst>
+                  <a:ext uri="{FF2B5EF4-FFF2-40B4-BE49-F238E27FC236}">
+                    <a16:creationId xmlns:a16="http://schemas.microsoft.com/office/drawing/2014/main" id="{1F4F5B59-9BE0-47A1-937A-B06635D8B840}"/>
+                  </a:ext>
+                </a:extLst>
+              </p:cNvPr>
+              <p:cNvSpPr>
+                <a:spLocks noRot="1" noChangeAspect="1" noMove="1" noResize="1" noEditPoints="1" noAdjustHandles="1" noChangeArrowheads="1" noChangeShapeType="1" noTextEdit="1"/>
+              </p:cNvSpPr>
+              <p:nvPr/>
+            </p:nvSpPr>
+            <p:spPr>
+              <a:xfrm>
+                <a:off x="3293352" y="1895388"/>
+                <a:ext cx="763270" cy="740600"/>
+              </a:xfrm>
+              <a:prstGeom prst="ellipse">
+                <a:avLst/>
+              </a:prstGeom>
+              <a:blipFill>
+                <a:blip r:embed="rId3"/>
+                <a:stretch>
+                  <a:fillRect/>
+                </a:stretch>
+              </a:blipFill>
+            </p:spPr>
+            <p:txBody>
+              <a:bodyPr/>
+              <a:lstStyle/>
+              <a:p>
+                <a:r>
+                  <a:rPr lang="zh-CN" altLang="en-US">
+                    <a:noFill/>
+                  </a:rPr>
+                  <a:t> </a:t>
+                </a:r>
+              </a:p>
+            </p:txBody>
+          </p:sp>
+        </mc:Fallback>
+      </mc:AlternateContent>
+      <mc:AlternateContent xmlns:mc="http://schemas.openxmlformats.org/markup-compatibility/2006">
+        <mc:Choice xmlns:a14="http://schemas.microsoft.com/office/drawing/2010/main" Requires="a14">
+          <p:sp>
+            <p:nvSpPr>
+              <p:cNvPr id="54" name="椭圆 53">
+                <a:extLst>
+                  <a:ext uri="{FF2B5EF4-FFF2-40B4-BE49-F238E27FC236}">
+                    <a16:creationId xmlns:a16="http://schemas.microsoft.com/office/drawing/2014/main" id="{0F1A4D9F-DEC3-4170-89C2-FDAB70CE078C}"/>
+                  </a:ext>
+                </a:extLst>
+              </p:cNvPr>
+              <p:cNvSpPr/>
+              <p:nvPr/>
+            </p:nvSpPr>
+            <p:spPr>
+              <a:xfrm>
+                <a:off x="3288061" y="3046660"/>
+                <a:ext cx="763270" cy="740600"/>
+              </a:xfrm>
+              <a:prstGeom prst="ellipse">
+                <a:avLst/>
+              </a:prstGeom>
+            </p:spPr>
+            <p:style>
+              <a:lnRef idx="2">
+                <a:schemeClr val="dk1"/>
+              </a:lnRef>
+              <a:fillRef idx="1">
+                <a:schemeClr val="lt1"/>
+              </a:fillRef>
+              <a:effectRef idx="0">
+                <a:schemeClr val="dk1"/>
+              </a:effectRef>
+              <a:fontRef idx="minor">
+                <a:schemeClr val="dk1"/>
+              </a:fontRef>
+            </p:style>
+            <p:txBody>
+              <a:bodyPr rtlCol="0" anchor="ctr"/>
+              <a:lstStyle/>
+              <a:p>
+                <a:pPr algn="ctr"/>
+                <a14:m>
+                  <m:oMathPara xmlns:m="http://schemas.openxmlformats.org/officeDocument/2006/math">
+                    <m:oMathParaPr>
+                      <m:jc m:val="center"/>
+                    </m:oMathParaPr>
+                    <m:oMath xmlns:m="http://schemas.openxmlformats.org/officeDocument/2006/math">
+                      <m:sSubSup>
+                        <m:sSubSupPr>
+                          <m:ctrlPr>
+                            <a:rPr lang="en-US" altLang="zh-CN" sz="2000" i="1" smtClean="0">
+                              <a:solidFill>
+                                <a:prstClr val="black"/>
+                              </a:solidFill>
+                              <a:latin typeface="Cambria Math" panose="02040503050406030204" pitchFamily="18" charset="0"/>
+                            </a:rPr>
+                          </m:ctrlPr>
+                        </m:sSubSupPr>
+                        <m:e>
+                          <m:r>
+                            <a:rPr lang="en-US" altLang="zh-CN" sz="2000" i="1">
+                              <a:solidFill>
+                                <a:prstClr val="black"/>
+                              </a:solidFill>
+                              <a:latin typeface="Cambria Math" panose="02040503050406030204" pitchFamily="18" charset="0"/>
+                            </a:rPr>
+                            <m:t>𝑎</m:t>
+                          </m:r>
+                        </m:e>
+                        <m:sub>
+                          <m:r>
+                            <a:rPr lang="en-US" altLang="zh-CN" sz="2000" b="0" i="1" smtClean="0">
+                              <a:solidFill>
+                                <a:prstClr val="black"/>
+                              </a:solidFill>
+                              <a:latin typeface="Cambria Math" panose="02040503050406030204" pitchFamily="18" charset="0"/>
+                            </a:rPr>
+                            <m:t>4</m:t>
+                          </m:r>
+                        </m:sub>
+                        <m:sup>
+                          <m:d>
+                            <m:dPr>
+                              <m:begChr m:val="["/>
+                              <m:endChr m:val="]"/>
+                              <m:ctrlPr>
+                                <a:rPr lang="en-US" altLang="zh-CN" sz="2000" i="1">
+                                  <a:solidFill>
+                                    <a:prstClr val="black"/>
+                                  </a:solidFill>
+                                  <a:latin typeface="Cambria Math" panose="02040503050406030204" pitchFamily="18" charset="0"/>
+                                </a:rPr>
+                              </m:ctrlPr>
+                            </m:dPr>
+                            <m:e>
+                              <m:r>
+                                <a:rPr lang="en-US" altLang="zh-CN" sz="2000" i="1">
+                                  <a:solidFill>
+                                    <a:prstClr val="black"/>
+                                  </a:solidFill>
+                                  <a:latin typeface="Cambria Math" panose="02040503050406030204" pitchFamily="18" charset="0"/>
+                                </a:rPr>
+                                <m:t>1</m:t>
+                              </m:r>
+                            </m:e>
+                          </m:d>
+                        </m:sup>
+                      </m:sSubSup>
+                    </m:oMath>
+                  </m:oMathPara>
+                </a14:m>
+                <a:endParaRPr lang="zh-CN" altLang="en-US" sz="1600" dirty="0">
+                  <a:latin typeface="Cambria Math" panose="02040503050406030204" pitchFamily="18" charset="0"/>
+                </a:endParaRPr>
+              </a:p>
+            </p:txBody>
+          </p:sp>
+        </mc:Choice>
+        <mc:Fallback>
+          <p:sp>
+            <p:nvSpPr>
+              <p:cNvPr id="54" name="椭圆 53">
+                <a:extLst>
+                  <a:ext uri="{FF2B5EF4-FFF2-40B4-BE49-F238E27FC236}">
+                    <a16:creationId xmlns:a16="http://schemas.microsoft.com/office/drawing/2014/main" id="{0F1A4D9F-DEC3-4170-89C2-FDAB70CE078C}"/>
+                  </a:ext>
+                </a:extLst>
+              </p:cNvPr>
+              <p:cNvSpPr>
+                <a:spLocks noRot="1" noChangeAspect="1" noMove="1" noResize="1" noEditPoints="1" noAdjustHandles="1" noChangeArrowheads="1" noChangeShapeType="1" noTextEdit="1"/>
+              </p:cNvSpPr>
+              <p:nvPr/>
+            </p:nvSpPr>
+            <p:spPr>
+              <a:xfrm>
+                <a:off x="3288061" y="3046660"/>
+                <a:ext cx="763270" cy="740600"/>
+              </a:xfrm>
+              <a:prstGeom prst="ellipse">
+                <a:avLst/>
+              </a:prstGeom>
+              <a:blipFill>
+                <a:blip r:embed="rId4"/>
+                <a:stretch>
+                  <a:fillRect/>
+                </a:stretch>
+              </a:blipFill>
+            </p:spPr>
+            <p:txBody>
+              <a:bodyPr/>
+              <a:lstStyle/>
+              <a:p>
+                <a:r>
+                  <a:rPr lang="zh-CN" altLang="en-US">
+                    <a:noFill/>
+                  </a:rPr>
+                  <a:t> </a:t>
+                </a:r>
+              </a:p>
+            </p:txBody>
+          </p:sp>
+        </mc:Fallback>
+      </mc:AlternateContent>
+      <mc:AlternateContent xmlns:mc="http://schemas.openxmlformats.org/markup-compatibility/2006">
+        <mc:Choice xmlns:a14="http://schemas.microsoft.com/office/drawing/2010/main" Requires="a14">
+          <p:sp>
+            <p:nvSpPr>
+              <p:cNvPr id="57" name="椭圆 56">
+                <a:extLst>
+                  <a:ext uri="{FF2B5EF4-FFF2-40B4-BE49-F238E27FC236}">
+                    <a16:creationId xmlns:a16="http://schemas.microsoft.com/office/drawing/2014/main" id="{1CE7FBBD-1AB5-4FE4-850B-0F9DE9DFE958}"/>
+                  </a:ext>
+                </a:extLst>
+              </p:cNvPr>
+              <p:cNvSpPr/>
+              <p:nvPr/>
+            </p:nvSpPr>
+            <p:spPr>
+              <a:xfrm>
+                <a:off x="3288061" y="3968621"/>
+                <a:ext cx="763270" cy="740600"/>
+              </a:xfrm>
+              <a:prstGeom prst="ellipse">
+                <a:avLst/>
+              </a:prstGeom>
+            </p:spPr>
+            <p:style>
+              <a:lnRef idx="2">
+                <a:schemeClr val="dk1"/>
+              </a:lnRef>
+              <a:fillRef idx="1">
+                <a:schemeClr val="lt1"/>
+              </a:fillRef>
+              <a:effectRef idx="0">
+                <a:schemeClr val="dk1"/>
+              </a:effectRef>
+              <a:fontRef idx="minor">
+                <a:schemeClr val="dk1"/>
+              </a:fontRef>
+            </p:style>
+            <p:txBody>
+              <a:bodyPr rtlCol="0" anchor="ctr"/>
+              <a:lstStyle/>
+              <a:p>
+                <a:pPr algn="ctr"/>
+                <a14:m>
+                  <m:oMathPara xmlns:m="http://schemas.openxmlformats.org/officeDocument/2006/math">
+                    <m:oMathParaPr>
+                      <m:jc m:val="center"/>
+                    </m:oMathParaPr>
+                    <m:oMath xmlns:m="http://schemas.openxmlformats.org/officeDocument/2006/math">
+                      <m:sSubSup>
+                        <m:sSubSupPr>
+                          <m:ctrlPr>
+                            <a:rPr lang="en-US" altLang="zh-CN" sz="2000" i="1" smtClean="0">
+                              <a:solidFill>
+                                <a:prstClr val="black"/>
+                              </a:solidFill>
+                              <a:latin typeface="Cambria Math" panose="02040503050406030204" pitchFamily="18" charset="0"/>
+                            </a:rPr>
+                          </m:ctrlPr>
+                        </m:sSubSupPr>
+                        <m:e>
+                          <m:r>
+                            <a:rPr lang="en-US" altLang="zh-CN" sz="2000" i="1">
+                              <a:solidFill>
+                                <a:prstClr val="black"/>
+                              </a:solidFill>
+                              <a:latin typeface="Cambria Math" panose="02040503050406030204" pitchFamily="18" charset="0"/>
+                            </a:rPr>
+                            <m:t>𝑎</m:t>
+                          </m:r>
+                        </m:e>
+                        <m:sub>
+                          <m:r>
+                            <a:rPr lang="en-US" altLang="zh-CN" sz="2000" b="0" i="1" smtClean="0">
+                              <a:solidFill>
+                                <a:prstClr val="black"/>
+                              </a:solidFill>
+                              <a:latin typeface="Cambria Math" panose="02040503050406030204" pitchFamily="18" charset="0"/>
+                            </a:rPr>
+                            <m:t>5</m:t>
+                          </m:r>
+                        </m:sub>
+                        <m:sup>
+                          <m:d>
+                            <m:dPr>
+                              <m:begChr m:val="["/>
+                              <m:endChr m:val="]"/>
+                              <m:ctrlPr>
+                                <a:rPr lang="en-US" altLang="zh-CN" sz="2000" i="1">
+                                  <a:solidFill>
+                                    <a:prstClr val="black"/>
+                                  </a:solidFill>
+                                  <a:latin typeface="Cambria Math" panose="02040503050406030204" pitchFamily="18" charset="0"/>
+                                </a:rPr>
+                              </m:ctrlPr>
+                            </m:dPr>
+                            <m:e>
+                              <m:r>
+                                <a:rPr lang="en-US" altLang="zh-CN" sz="2000" i="1">
+                                  <a:solidFill>
+                                    <a:prstClr val="black"/>
+                                  </a:solidFill>
+                                  <a:latin typeface="Cambria Math" panose="02040503050406030204" pitchFamily="18" charset="0"/>
+                                </a:rPr>
+                                <m:t>1</m:t>
+                              </m:r>
+                            </m:e>
+                          </m:d>
+                        </m:sup>
+                      </m:sSubSup>
+                    </m:oMath>
+                  </m:oMathPara>
+                </a14:m>
+                <a:endParaRPr lang="zh-CN" altLang="en-US" sz="1600" dirty="0">
+                  <a:latin typeface="Cambria Math" panose="02040503050406030204" pitchFamily="18" charset="0"/>
+                </a:endParaRPr>
+              </a:p>
+            </p:txBody>
+          </p:sp>
+        </mc:Choice>
+        <mc:Fallback>
+          <p:sp>
+            <p:nvSpPr>
+              <p:cNvPr id="57" name="椭圆 56">
+                <a:extLst>
+                  <a:ext uri="{FF2B5EF4-FFF2-40B4-BE49-F238E27FC236}">
+                    <a16:creationId xmlns:a16="http://schemas.microsoft.com/office/drawing/2014/main" id="{1CE7FBBD-1AB5-4FE4-850B-0F9DE9DFE958}"/>
+                  </a:ext>
+                </a:extLst>
+              </p:cNvPr>
+              <p:cNvSpPr>
+                <a:spLocks noRot="1" noChangeAspect="1" noMove="1" noResize="1" noEditPoints="1" noAdjustHandles="1" noChangeArrowheads="1" noChangeShapeType="1" noTextEdit="1"/>
+              </p:cNvSpPr>
+              <p:nvPr/>
+            </p:nvSpPr>
+            <p:spPr>
+              <a:xfrm>
+                <a:off x="3288061" y="3968621"/>
+                <a:ext cx="763270" cy="740600"/>
+              </a:xfrm>
+              <a:prstGeom prst="ellipse">
+                <a:avLst/>
+              </a:prstGeom>
+              <a:blipFill>
+                <a:blip r:embed="rId5"/>
+                <a:stretch>
+                  <a:fillRect/>
+                </a:stretch>
+              </a:blipFill>
+            </p:spPr>
+            <p:txBody>
+              <a:bodyPr/>
+              <a:lstStyle/>
+              <a:p>
+                <a:r>
+                  <a:rPr lang="zh-CN" altLang="en-US">
+                    <a:noFill/>
+                  </a:rPr>
+                  <a:t> </a:t>
+                </a:r>
+              </a:p>
+            </p:txBody>
+          </p:sp>
+        </mc:Fallback>
+      </mc:AlternateContent>
+      <p:sp>
+        <p:nvSpPr>
+          <p:cNvPr id="32" name="椭圆 31">
+            <a:extLst>
+              <a:ext uri="{FF2B5EF4-FFF2-40B4-BE49-F238E27FC236}">
+                <a16:creationId xmlns:a16="http://schemas.microsoft.com/office/drawing/2014/main" id="{F8863079-D8CC-4FB5-83F8-9BA6037600C6}"/>
+              </a:ext>
+            </a:extLst>
+          </p:cNvPr>
+          <p:cNvSpPr/>
+          <p:nvPr/>
+        </p:nvSpPr>
+        <p:spPr>
+          <a:xfrm>
+            <a:off x="6853556" y="1749434"/>
+            <a:ext cx="2106924" cy="2044347"/>
+          </a:xfrm>
+          <a:prstGeom prst="ellipse">
+            <a:avLst/>
+          </a:prstGeom>
+        </p:spPr>
+        <p:style>
+          <a:lnRef idx="2">
+            <a:schemeClr val="dk1"/>
+          </a:lnRef>
+          <a:fillRef idx="1">
+            <a:schemeClr val="lt1"/>
+          </a:fillRef>
+          <a:effectRef idx="0">
+            <a:schemeClr val="dk1"/>
+          </a:effectRef>
+          <a:fontRef idx="minor">
+            <a:schemeClr val="dk1"/>
+          </a:fontRef>
+        </p:style>
+        <p:txBody>
+          <a:bodyPr rtlCol="0" anchor="ctr"/>
+          <a:lstStyle/>
+          <a:p>
+            <a:pPr algn="ctr"/>
+            <a:endParaRPr lang="zh-CN" altLang="en-US" sz="1600" dirty="0">
+              <a:latin typeface="Cambria Math" panose="02040503050406030204" pitchFamily="18" charset="0"/>
+            </a:endParaRPr>
+          </a:p>
+        </p:txBody>
+      </p:sp>
+      <mc:AlternateContent xmlns:mc="http://schemas.openxmlformats.org/markup-compatibility/2006">
+        <mc:Choice xmlns:a14="http://schemas.microsoft.com/office/drawing/2010/main" Requires="a14">
+          <p:sp>
+            <p:nvSpPr>
+              <p:cNvPr id="46" name="文本框 45">
+                <a:extLst>
+                  <a:ext uri="{FF2B5EF4-FFF2-40B4-BE49-F238E27FC236}">
+                    <a16:creationId xmlns:a16="http://schemas.microsoft.com/office/drawing/2014/main" id="{55394F7C-1D50-4700-85F5-6EB0E9EFC685}"/>
+                  </a:ext>
+                </a:extLst>
+              </p:cNvPr>
+              <p:cNvSpPr txBox="1"/>
+              <p:nvPr/>
+            </p:nvSpPr>
+            <p:spPr>
+              <a:xfrm>
+                <a:off x="6831821" y="2648393"/>
+                <a:ext cx="1542757" cy="565796"/>
+              </a:xfrm>
+              <a:prstGeom prst="rect">
+                <a:avLst/>
+              </a:prstGeom>
+              <a:noFill/>
+            </p:spPr>
+            <p:txBody>
+              <a:bodyPr wrap="square" lIns="0" tIns="0" rIns="0" bIns="0" rtlCol="0">
+                <a:spAutoFit/>
+              </a:bodyPr>
+              <a:lstStyle/>
+              <a:p>
+                <a:pPr/>
+                <a14:m>
+                  <m:oMathPara xmlns:m="http://schemas.openxmlformats.org/officeDocument/2006/math">
+                    <m:oMathParaPr>
+                      <m:jc m:val="centerGroup"/>
+                    </m:oMathParaPr>
+                    <m:oMath xmlns:m="http://schemas.openxmlformats.org/officeDocument/2006/math">
+                      <m:sSup>
+                        <m:sSupPr>
+                          <m:ctrlPr>
+                            <a:rPr lang="en-US" altLang="zh-CN" i="1" smtClean="0">
+                              <a:latin typeface="Cambria Math" panose="02040503050406030204" pitchFamily="18" charset="0"/>
+                            </a:rPr>
+                          </m:ctrlPr>
+                        </m:sSupPr>
+                        <m:e>
+                          <m:r>
+                            <a:rPr lang="en-US" altLang="zh-CN" i="1">
+                              <a:latin typeface="Cambria Math" panose="02040503050406030204" pitchFamily="18" charset="0"/>
+                            </a:rPr>
+                            <m:t>𝑤</m:t>
+                          </m:r>
+                        </m:e>
+                        <m:sup>
+                          <m:r>
+                            <a:rPr lang="en-US" altLang="zh-CN" b="0" i="1" smtClean="0">
+                              <a:latin typeface="Cambria Math" panose="02040503050406030204" pitchFamily="18" charset="0"/>
+                            </a:rPr>
+                            <m:t>[3]</m:t>
+                          </m:r>
+                        </m:sup>
+                      </m:sSup>
+                      <m:sSup>
+                        <m:sSupPr>
+                          <m:ctrlPr>
+                            <a:rPr lang="en-US" altLang="zh-CN" i="1">
+                              <a:latin typeface="Cambria Math" panose="02040503050406030204" pitchFamily="18" charset="0"/>
+                            </a:rPr>
+                          </m:ctrlPr>
+                        </m:sSupPr>
+                        <m:e>
+                          <m:r>
+                            <a:rPr lang="en-US" altLang="zh-CN" b="0" i="1" smtClean="0">
+                              <a:latin typeface="Cambria Math" panose="02040503050406030204" pitchFamily="18" charset="0"/>
+                            </a:rPr>
+                            <m:t>𝑎</m:t>
+                          </m:r>
+                        </m:e>
+                        <m:sup>
+                          <m:r>
+                            <a:rPr lang="en-US" altLang="zh-CN" b="0" i="1" smtClean="0">
+                              <a:latin typeface="Cambria Math" panose="02040503050406030204" pitchFamily="18" charset="0"/>
+                            </a:rPr>
+                            <m:t>[2]</m:t>
+                          </m:r>
+                        </m:sup>
+                      </m:sSup>
+                      <m:r>
+                        <a:rPr lang="en-US" altLang="zh-CN" i="1">
+                          <a:latin typeface="Cambria Math" panose="02040503050406030204" pitchFamily="18" charset="0"/>
+                        </a:rPr>
+                        <m:t>+</m:t>
+                      </m:r>
+                      <m:sSup>
+                        <m:sSupPr>
+                          <m:ctrlPr>
+                            <a:rPr lang="en-US" altLang="zh-CN" b="0" i="1" smtClean="0">
+                              <a:latin typeface="Cambria Math" panose="02040503050406030204" pitchFamily="18" charset="0"/>
+                            </a:rPr>
+                          </m:ctrlPr>
+                        </m:sSupPr>
+                        <m:e>
+                          <m:r>
+                            <a:rPr lang="en-US" altLang="zh-CN" i="1">
+                              <a:latin typeface="Cambria Math" panose="02040503050406030204" pitchFamily="18" charset="0"/>
+                            </a:rPr>
+                            <m:t>𝑏</m:t>
+                          </m:r>
+                        </m:e>
+                        <m:sup>
+                          <m:r>
+                            <a:rPr lang="en-US" altLang="zh-CN" b="0" i="1" smtClean="0">
+                              <a:latin typeface="Cambria Math" panose="02040503050406030204" pitchFamily="18" charset="0"/>
+                            </a:rPr>
+                            <m:t>[3]</m:t>
+                          </m:r>
+                        </m:sup>
+                      </m:sSup>
+                    </m:oMath>
+                  </m:oMathPara>
+                </a14:m>
+                <a:endParaRPr lang="en-US" altLang="zh-CN" b="0" dirty="0"/>
+              </a:p>
+              <a:p>
+                <a:endParaRPr lang="zh-CN" altLang="en-US" dirty="0"/>
+              </a:p>
+            </p:txBody>
+          </p:sp>
+        </mc:Choice>
+        <mc:Fallback>
+          <p:sp>
+            <p:nvSpPr>
+              <p:cNvPr id="46" name="文本框 45">
+                <a:extLst>
+                  <a:ext uri="{FF2B5EF4-FFF2-40B4-BE49-F238E27FC236}">
+                    <a16:creationId xmlns:a16="http://schemas.microsoft.com/office/drawing/2014/main" id="{55394F7C-1D50-4700-85F5-6EB0E9EFC685}"/>
+                  </a:ext>
+                </a:extLst>
+              </p:cNvPr>
+              <p:cNvSpPr txBox="1">
+                <a:spLocks noRot="1" noChangeAspect="1" noMove="1" noResize="1" noEditPoints="1" noAdjustHandles="1" noChangeArrowheads="1" noChangeShapeType="1" noTextEdit="1"/>
+              </p:cNvSpPr>
+              <p:nvPr/>
+            </p:nvSpPr>
+            <p:spPr>
+              <a:xfrm>
+                <a:off x="6831821" y="2648393"/>
+                <a:ext cx="1542757" cy="565796"/>
+              </a:xfrm>
+              <a:prstGeom prst="rect">
+                <a:avLst/>
+              </a:prstGeom>
+              <a:blipFill>
+                <a:blip r:embed="rId6"/>
+                <a:stretch>
+                  <a:fillRect t="-4444"/>
+                </a:stretch>
+              </a:blipFill>
+            </p:spPr>
+            <p:txBody>
+              <a:bodyPr/>
+              <a:lstStyle/>
+              <a:p>
+                <a:r>
+                  <a:rPr lang="zh-CN" altLang="en-US">
+                    <a:noFill/>
+                  </a:rPr>
+                  <a:t> </a:t>
+                </a:r>
+              </a:p>
+            </p:txBody>
+          </p:sp>
+        </mc:Fallback>
+      </mc:AlternateContent>
+      <p:cxnSp>
+        <p:nvCxnSpPr>
+          <p:cNvPr id="50" name="直接连接符 49">
+            <a:extLst>
+              <a:ext uri="{FF2B5EF4-FFF2-40B4-BE49-F238E27FC236}">
+                <a16:creationId xmlns:a16="http://schemas.microsoft.com/office/drawing/2014/main" id="{8DD687FF-0449-4264-AFBE-FD1C44D6204D}"/>
+              </a:ext>
+            </a:extLst>
+          </p:cNvPr>
+          <p:cNvCxnSpPr>
+            <a:cxnSpLocks/>
+          </p:cNvCxnSpPr>
+          <p:nvPr/>
+        </p:nvCxnSpPr>
+        <p:spPr>
+          <a:xfrm>
+            <a:off x="8282342" y="1814291"/>
+            <a:ext cx="0" cy="1914633"/>
+          </a:xfrm>
+          <a:prstGeom prst="line">
+            <a:avLst/>
+          </a:prstGeom>
+        </p:spPr>
+        <p:style>
+          <a:lnRef idx="3">
+            <a:schemeClr val="dk1"/>
+          </a:lnRef>
+          <a:fillRef idx="0">
+            <a:schemeClr val="dk1"/>
+          </a:fillRef>
+          <a:effectRef idx="2">
+            <a:schemeClr val="dk1"/>
+          </a:effectRef>
+          <a:fontRef idx="minor">
+            <a:schemeClr val="tx1"/>
+          </a:fontRef>
+        </p:style>
+      </p:cxnSp>
+      <mc:AlternateContent xmlns:mc="http://schemas.openxmlformats.org/markup-compatibility/2006">
+        <mc:Choice xmlns:a14="http://schemas.microsoft.com/office/drawing/2010/main" Requires="a14">
+          <p:sp>
+            <p:nvSpPr>
+              <p:cNvPr id="52" name="文本框 51">
+                <a:extLst>
+                  <a:ext uri="{FF2B5EF4-FFF2-40B4-BE49-F238E27FC236}">
+                    <a16:creationId xmlns:a16="http://schemas.microsoft.com/office/drawing/2014/main" id="{C93CB7DA-8339-4D9E-9E99-CC3C8968E89B}"/>
+                  </a:ext>
+                </a:extLst>
+              </p:cNvPr>
+              <p:cNvSpPr txBox="1"/>
+              <p:nvPr/>
+            </p:nvSpPr>
+            <p:spPr>
+              <a:xfrm>
+                <a:off x="8520006" y="2633107"/>
+                <a:ext cx="202811" cy="276999"/>
+              </a:xfrm>
+              <a:prstGeom prst="rect">
+                <a:avLst/>
+              </a:prstGeom>
+              <a:noFill/>
+            </p:spPr>
+            <p:txBody>
+              <a:bodyPr wrap="square" lIns="0" tIns="0" rIns="0" bIns="0" rtlCol="0">
+                <a:spAutoFit/>
+              </a:bodyPr>
+              <a:lstStyle/>
+              <a:p>
+                <a:pPr/>
+                <a14:m>
+                  <m:oMathPara xmlns:m="http://schemas.openxmlformats.org/officeDocument/2006/math">
+                    <m:oMathParaPr>
+                      <m:jc m:val="centerGroup"/>
+                    </m:oMathParaPr>
+                    <m:oMath xmlns:m="http://schemas.openxmlformats.org/officeDocument/2006/math">
+                      <m:r>
+                        <a:rPr lang="zh-CN" altLang="en-US" i="1" smtClean="0">
+                          <a:latin typeface="Cambria Math" panose="02040503050406030204" pitchFamily="18" charset="0"/>
+                        </a:rPr>
+                        <m:t>𝜎</m:t>
+                      </m:r>
+                    </m:oMath>
+                  </m:oMathPara>
+                </a14:m>
+                <a:endParaRPr lang="zh-CN" altLang="en-US" dirty="0"/>
+              </a:p>
+            </p:txBody>
+          </p:sp>
+        </mc:Choice>
+        <mc:Fallback>
+          <p:sp>
+            <p:nvSpPr>
+              <p:cNvPr id="52" name="文本框 51">
+                <a:extLst>
+                  <a:ext uri="{FF2B5EF4-FFF2-40B4-BE49-F238E27FC236}">
+                    <a16:creationId xmlns:a16="http://schemas.microsoft.com/office/drawing/2014/main" id="{C93CB7DA-8339-4D9E-9E99-CC3C8968E89B}"/>
+                  </a:ext>
+                </a:extLst>
+              </p:cNvPr>
+              <p:cNvSpPr txBox="1">
+                <a:spLocks noRot="1" noChangeAspect="1" noMove="1" noResize="1" noEditPoints="1" noAdjustHandles="1" noChangeArrowheads="1" noChangeShapeType="1" noTextEdit="1"/>
+              </p:cNvSpPr>
+              <p:nvPr/>
+            </p:nvSpPr>
+            <p:spPr>
+              <a:xfrm>
+                <a:off x="8520006" y="2633107"/>
+                <a:ext cx="202811" cy="276999"/>
+              </a:xfrm>
+              <a:prstGeom prst="rect">
+                <a:avLst/>
+              </a:prstGeom>
+              <a:blipFill>
+                <a:blip r:embed="rId7"/>
+                <a:stretch>
+                  <a:fillRect l="-12500" r="-6250"/>
+                </a:stretch>
+              </a:blipFill>
+            </p:spPr>
+            <p:txBody>
+              <a:bodyPr/>
+              <a:lstStyle/>
+              <a:p>
+                <a:r>
+                  <a:rPr lang="zh-CN" altLang="en-US">
+                    <a:noFill/>
+                  </a:rPr>
+                  <a:t> </a:t>
+                </a:r>
+              </a:p>
+            </p:txBody>
+          </p:sp>
+        </mc:Fallback>
+      </mc:AlternateContent>
+      <p:sp>
+        <p:nvSpPr>
+          <p:cNvPr id="61" name="文本框 60">
+            <a:extLst>
+              <a:ext uri="{FF2B5EF4-FFF2-40B4-BE49-F238E27FC236}">
+                <a16:creationId xmlns:a16="http://schemas.microsoft.com/office/drawing/2014/main" id="{068F2E8E-F211-475D-8042-1A6E44EDDA04}"/>
+              </a:ext>
+            </a:extLst>
+          </p:cNvPr>
+          <p:cNvSpPr txBox="1"/>
+          <p:nvPr/>
+        </p:nvSpPr>
+        <p:spPr>
+          <a:xfrm>
+            <a:off x="2709576" y="4769169"/>
+            <a:ext cx="1920240" cy="707886"/>
+          </a:xfrm>
+          <a:prstGeom prst="rect">
+            <a:avLst/>
+          </a:prstGeom>
+          <a:noFill/>
+        </p:spPr>
+        <p:txBody>
+          <a:bodyPr wrap="square" rtlCol="0">
+            <a:spAutoFit/>
+          </a:bodyPr>
+          <a:lstStyle/>
+          <a:p>
+            <a:pPr algn="ctr"/>
+            <a:r>
+              <a:rPr lang="en-US" altLang="zh-CN" sz="2000" b="1" dirty="0">
+                <a:latin typeface="Cambria Math" panose="02040503050406030204" pitchFamily="18" charset="0"/>
+                <a:ea typeface="Cambria Math" panose="02040503050406030204" pitchFamily="18" charset="0"/>
+              </a:rPr>
+              <a:t>hidden layer 1 of size</a:t>
+            </a:r>
+            <a:r>
+              <a:rPr lang="zh-CN" altLang="en-US" sz="2000" b="1" dirty="0">
+                <a:latin typeface="Cambria Math" panose="02040503050406030204" pitchFamily="18" charset="0"/>
+                <a:ea typeface="Cambria Math" panose="02040503050406030204" pitchFamily="18" charset="0"/>
+              </a:rPr>
+              <a:t> </a:t>
+            </a:r>
+            <a:r>
+              <a:rPr lang="en-US" altLang="zh-CN" sz="2000" b="1" dirty="0">
+                <a:latin typeface="Cambria Math" panose="02040503050406030204" pitchFamily="18" charset="0"/>
+                <a:ea typeface="Cambria Math" panose="02040503050406030204" pitchFamily="18" charset="0"/>
+              </a:rPr>
+              <a:t>5 (relu)</a:t>
+            </a:r>
+            <a:endParaRPr lang="zh-CN" altLang="en-US" sz="2000" b="1" dirty="0">
+              <a:latin typeface="Cambria Math" panose="02040503050406030204" pitchFamily="18" charset="0"/>
+            </a:endParaRPr>
+          </a:p>
+        </p:txBody>
+      </p:sp>
+      <p:sp>
+        <p:nvSpPr>
+          <p:cNvPr id="62" name="文本框 61">
+            <a:extLst>
+              <a:ext uri="{FF2B5EF4-FFF2-40B4-BE49-F238E27FC236}">
+                <a16:creationId xmlns:a16="http://schemas.microsoft.com/office/drawing/2014/main" id="{3E2C0DC2-1C7C-4375-A463-84A084FAB80E}"/>
+              </a:ext>
+            </a:extLst>
+          </p:cNvPr>
+          <p:cNvSpPr txBox="1"/>
+          <p:nvPr/>
+        </p:nvSpPr>
+        <p:spPr>
+          <a:xfrm>
+            <a:off x="6894920" y="4769169"/>
+            <a:ext cx="1920240" cy="707886"/>
+          </a:xfrm>
+          <a:prstGeom prst="rect">
+            <a:avLst/>
+          </a:prstGeom>
+          <a:noFill/>
+        </p:spPr>
+        <p:txBody>
+          <a:bodyPr wrap="square" rtlCol="0">
+            <a:spAutoFit/>
+          </a:bodyPr>
+          <a:lstStyle/>
+          <a:p>
+            <a:pPr algn="ctr"/>
+            <a:r>
+              <a:rPr lang="en-US" altLang="zh-CN" sz="2000" b="1" dirty="0">
+                <a:latin typeface="Cambria Math" panose="02040503050406030204" pitchFamily="18" charset="0"/>
+                <a:ea typeface="Cambria Math" panose="02040503050406030204" pitchFamily="18" charset="0"/>
+              </a:rPr>
+              <a:t>output layer (sigmoid)</a:t>
+            </a:r>
+            <a:endParaRPr lang="zh-CN" altLang="en-US" sz="2000" b="1" dirty="0">
+              <a:latin typeface="Cambria Math" panose="02040503050406030204" pitchFamily="18" charset="0"/>
+            </a:endParaRPr>
+          </a:p>
+        </p:txBody>
+      </p:sp>
+      <p:cxnSp>
+        <p:nvCxnSpPr>
+          <p:cNvPr id="70" name="直接箭头连接符 69">
+            <a:extLst>
+              <a:ext uri="{FF2B5EF4-FFF2-40B4-BE49-F238E27FC236}">
+                <a16:creationId xmlns:a16="http://schemas.microsoft.com/office/drawing/2014/main" id="{24EDE6BB-8486-4766-B660-412BF23E7AA4}"/>
+              </a:ext>
+            </a:extLst>
+          </p:cNvPr>
+          <p:cNvCxnSpPr>
+            <a:cxnSpLocks/>
+          </p:cNvCxnSpPr>
+          <p:nvPr/>
+        </p:nvCxnSpPr>
+        <p:spPr>
+          <a:xfrm>
+            <a:off x="2308411" y="2811606"/>
+            <a:ext cx="792486" cy="919"/>
+          </a:xfrm>
+          <a:prstGeom prst="straightConnector1">
+            <a:avLst/>
+          </a:prstGeom>
+          <a:ln>
+            <a:tailEnd type="triangle"/>
+          </a:ln>
+        </p:spPr>
+        <p:style>
+          <a:lnRef idx="3">
+            <a:schemeClr val="dk1"/>
+          </a:lnRef>
+          <a:fillRef idx="0">
+            <a:schemeClr val="dk1"/>
+          </a:fillRef>
+          <a:effectRef idx="2">
+            <a:schemeClr val="dk1"/>
+          </a:effectRef>
+          <a:fontRef idx="minor">
+            <a:schemeClr val="tx1"/>
+          </a:fontRef>
+        </p:style>
+      </p:cxnSp>
+      <mc:AlternateContent xmlns:mc="http://schemas.openxmlformats.org/markup-compatibility/2006">
+        <mc:Choice xmlns:a14="http://schemas.microsoft.com/office/drawing/2010/main" Requires="a14">
+          <p:sp>
+            <p:nvSpPr>
+              <p:cNvPr id="33" name="文本框 32">
+                <a:extLst>
+                  <a:ext uri="{FF2B5EF4-FFF2-40B4-BE49-F238E27FC236}">
+                    <a16:creationId xmlns:a16="http://schemas.microsoft.com/office/drawing/2014/main" id="{EFF5EB09-E52E-E944-9E77-B263CEACC286}"/>
+                  </a:ext>
+                </a:extLst>
+              </p:cNvPr>
+              <p:cNvSpPr txBox="1"/>
+              <p:nvPr/>
+            </p:nvSpPr>
+            <p:spPr>
+              <a:xfrm>
+                <a:off x="3338560" y="2718316"/>
+                <a:ext cx="629920" cy="246221"/>
+              </a:xfrm>
+              <a:prstGeom prst="rect">
+                <a:avLst/>
+              </a:prstGeom>
+              <a:noFill/>
+            </p:spPr>
+            <p:txBody>
+              <a:bodyPr wrap="square" lIns="0" tIns="0" rIns="0" bIns="0" rtlCol="0">
+                <a:spAutoFit/>
+              </a:bodyPr>
+              <a:lstStyle/>
+              <a:p>
+                <a:pPr/>
+                <a14:m>
+                  <m:oMathPara xmlns:m="http://schemas.openxmlformats.org/officeDocument/2006/math">
+                    <m:oMathParaPr>
+                      <m:jc m:val="centerGroup"/>
+                    </m:oMathParaPr>
+                    <m:oMath xmlns:m="http://schemas.openxmlformats.org/officeDocument/2006/math">
+                      <m:r>
+                        <a:rPr lang="zh-CN" altLang="en-US" sz="1600" i="1" smtClean="0">
+                          <a:latin typeface="Cambria Math" panose="02040503050406030204" pitchFamily="18" charset="0"/>
+                        </a:rPr>
+                        <m:t>⋯</m:t>
+                      </m:r>
+                    </m:oMath>
+                  </m:oMathPara>
+                </a14:m>
+                <a:endParaRPr lang="zh-CN" altLang="en-US" dirty="0"/>
+              </a:p>
+            </p:txBody>
+          </p:sp>
+        </mc:Choice>
+        <mc:Fallback>
+          <p:sp>
+            <p:nvSpPr>
+              <p:cNvPr id="33" name="文本框 32">
+                <a:extLst>
+                  <a:ext uri="{FF2B5EF4-FFF2-40B4-BE49-F238E27FC236}">
+                    <a16:creationId xmlns:a16="http://schemas.microsoft.com/office/drawing/2014/main" id="{EFF5EB09-E52E-E944-9E77-B263CEACC286}"/>
+                  </a:ext>
+                </a:extLst>
+              </p:cNvPr>
+              <p:cNvSpPr txBox="1">
+                <a:spLocks noRot="1" noChangeAspect="1" noMove="1" noResize="1" noEditPoints="1" noAdjustHandles="1" noChangeArrowheads="1" noChangeShapeType="1" noTextEdit="1"/>
+              </p:cNvSpPr>
+              <p:nvPr/>
+            </p:nvSpPr>
+            <p:spPr>
+              <a:xfrm>
+                <a:off x="3338560" y="2718316"/>
+                <a:ext cx="629920" cy="246221"/>
+              </a:xfrm>
+              <a:prstGeom prst="rect">
+                <a:avLst/>
+              </a:prstGeom>
+              <a:blipFill>
+                <a:blip r:embed="rId8"/>
+                <a:stretch>
+                  <a:fillRect/>
+                </a:stretch>
+              </a:blipFill>
+            </p:spPr>
+            <p:txBody>
+              <a:bodyPr/>
+              <a:lstStyle/>
+              <a:p>
+                <a:r>
+                  <a:rPr lang="zh-CN" altLang="en-US">
+                    <a:noFill/>
+                  </a:rPr>
+                  <a:t> </a:t>
+                </a:r>
+              </a:p>
+            </p:txBody>
+          </p:sp>
+        </mc:Fallback>
+      </mc:AlternateContent>
+      <mc:AlternateContent xmlns:mc="http://schemas.openxmlformats.org/markup-compatibility/2006">
+        <mc:Choice xmlns:a14="http://schemas.microsoft.com/office/drawing/2010/main" Requires="a14">
+          <p:sp>
+            <p:nvSpPr>
+              <p:cNvPr id="28" name="椭圆 27">
+                <a:extLst>
+                  <a:ext uri="{FF2B5EF4-FFF2-40B4-BE49-F238E27FC236}">
+                    <a16:creationId xmlns:a16="http://schemas.microsoft.com/office/drawing/2014/main" id="{735439CC-94FD-4F67-B7C0-56602B355492}"/>
+                  </a:ext>
+                </a:extLst>
+              </p:cNvPr>
+              <p:cNvSpPr/>
+              <p:nvPr/>
+            </p:nvSpPr>
+            <p:spPr>
+              <a:xfrm>
+                <a:off x="3288061" y="1048130"/>
+                <a:ext cx="763270" cy="740600"/>
+              </a:xfrm>
+              <a:prstGeom prst="ellipse">
+                <a:avLst/>
+              </a:prstGeom>
+            </p:spPr>
+            <p:style>
+              <a:lnRef idx="2">
+                <a:schemeClr val="dk1"/>
+              </a:lnRef>
+              <a:fillRef idx="1">
+                <a:schemeClr val="lt1"/>
+              </a:fillRef>
+              <a:effectRef idx="0">
+                <a:schemeClr val="dk1"/>
+              </a:effectRef>
+              <a:fontRef idx="minor">
+                <a:schemeClr val="dk1"/>
+              </a:fontRef>
+            </p:style>
+            <p:txBody>
+              <a:bodyPr rtlCol="0" anchor="ctr"/>
+              <a:lstStyle/>
+              <a:p>
+                <a:pPr algn="ctr"/>
+                <a14:m>
+                  <m:oMathPara xmlns:m="http://schemas.openxmlformats.org/officeDocument/2006/math">
+                    <m:oMathParaPr>
+                      <m:jc m:val="center"/>
+                    </m:oMathParaPr>
+                    <m:oMath xmlns:m="http://schemas.openxmlformats.org/officeDocument/2006/math">
+                      <m:sSubSup>
+                        <m:sSubSupPr>
+                          <m:ctrlPr>
+                            <a:rPr lang="en-US" altLang="zh-CN" sz="2000" b="0" i="1" smtClean="0">
+                              <a:latin typeface="Cambria Math" panose="02040503050406030204" pitchFamily="18" charset="0"/>
+                            </a:rPr>
+                          </m:ctrlPr>
+                        </m:sSubSupPr>
+                        <m:e>
+                          <m:r>
+                            <a:rPr lang="en-US" altLang="zh-CN" sz="2000" b="0" i="1" smtClean="0">
+                              <a:latin typeface="Cambria Math" panose="02040503050406030204" pitchFamily="18" charset="0"/>
+                            </a:rPr>
+                            <m:t>𝑎</m:t>
+                          </m:r>
+                        </m:e>
+                        <m:sub>
+                          <m:r>
+                            <a:rPr lang="en-US" altLang="zh-CN" sz="2000" b="0" i="1" smtClean="0">
+                              <a:latin typeface="Cambria Math" panose="02040503050406030204" pitchFamily="18" charset="0"/>
+                            </a:rPr>
+                            <m:t>1</m:t>
+                          </m:r>
+                        </m:sub>
+                        <m:sup>
+                          <m:d>
+                            <m:dPr>
+                              <m:begChr m:val="["/>
+                              <m:endChr m:val="]"/>
+                              <m:ctrlPr>
+                                <a:rPr lang="en-US" altLang="zh-CN" sz="2000" b="0" i="1" smtClean="0">
+                                  <a:latin typeface="Cambria Math" panose="02040503050406030204" pitchFamily="18" charset="0"/>
+                                </a:rPr>
+                              </m:ctrlPr>
+                            </m:dPr>
+                            <m:e>
+                              <m:r>
+                                <a:rPr lang="en-US" altLang="zh-CN" sz="2000" b="0" i="1" smtClean="0">
+                                  <a:latin typeface="Cambria Math" panose="02040503050406030204" pitchFamily="18" charset="0"/>
+                                </a:rPr>
+                                <m:t>1</m:t>
+                              </m:r>
+                            </m:e>
+                          </m:d>
+                        </m:sup>
+                      </m:sSubSup>
+                    </m:oMath>
+                  </m:oMathPara>
+                </a14:m>
+                <a:endParaRPr lang="en-US" altLang="zh-CN" sz="1600" b="0" dirty="0">
+                  <a:latin typeface="Cambria Math" panose="02040503050406030204" pitchFamily="18" charset="0"/>
+                </a:endParaRPr>
+              </a:p>
+            </p:txBody>
+          </p:sp>
+        </mc:Choice>
+        <mc:Fallback>
+          <p:sp>
+            <p:nvSpPr>
+              <p:cNvPr id="28" name="椭圆 27">
+                <a:extLst>
+                  <a:ext uri="{FF2B5EF4-FFF2-40B4-BE49-F238E27FC236}">
+                    <a16:creationId xmlns:a16="http://schemas.microsoft.com/office/drawing/2014/main" id="{735439CC-94FD-4F67-B7C0-56602B355492}"/>
+                  </a:ext>
+                </a:extLst>
+              </p:cNvPr>
+              <p:cNvSpPr>
+                <a:spLocks noRot="1" noChangeAspect="1" noMove="1" noResize="1" noEditPoints="1" noAdjustHandles="1" noChangeArrowheads="1" noChangeShapeType="1" noTextEdit="1"/>
+              </p:cNvSpPr>
+              <p:nvPr/>
+            </p:nvSpPr>
+            <p:spPr>
+              <a:xfrm>
+                <a:off x="3288061" y="1048130"/>
+                <a:ext cx="763270" cy="740600"/>
+              </a:xfrm>
+              <a:prstGeom prst="ellipse">
+                <a:avLst/>
+              </a:prstGeom>
+              <a:blipFill>
+                <a:blip r:embed="rId9"/>
+                <a:stretch>
+                  <a:fillRect/>
+                </a:stretch>
+              </a:blipFill>
+            </p:spPr>
+            <p:txBody>
+              <a:bodyPr/>
+              <a:lstStyle/>
+              <a:p>
+                <a:r>
+                  <a:rPr lang="zh-CN" altLang="en-US">
+                    <a:noFill/>
+                  </a:rPr>
+                  <a:t> </a:t>
+                </a:r>
+              </a:p>
+            </p:txBody>
+          </p:sp>
+        </mc:Fallback>
+      </mc:AlternateContent>
+      <mc:AlternateContent xmlns:mc="http://schemas.openxmlformats.org/markup-compatibility/2006">
+        <mc:Choice xmlns:a14="http://schemas.microsoft.com/office/drawing/2010/main" Requires="a14">
+          <p:sp>
+            <p:nvSpPr>
+              <p:cNvPr id="35" name="椭圆 34">
+                <a:extLst>
+                  <a:ext uri="{FF2B5EF4-FFF2-40B4-BE49-F238E27FC236}">
+                    <a16:creationId xmlns:a16="http://schemas.microsoft.com/office/drawing/2014/main" id="{044B990B-887E-EF48-BCDB-F7A15DAB1AFD}"/>
+                  </a:ext>
+                </a:extLst>
+              </p:cNvPr>
+              <p:cNvSpPr/>
+              <p:nvPr/>
+            </p:nvSpPr>
+            <p:spPr>
+              <a:xfrm>
+                <a:off x="5125493" y="1895388"/>
+                <a:ext cx="763270" cy="740600"/>
+              </a:xfrm>
+              <a:prstGeom prst="ellipse">
+                <a:avLst/>
+              </a:prstGeom>
+            </p:spPr>
+            <p:style>
+              <a:lnRef idx="2">
+                <a:schemeClr val="dk1"/>
+              </a:lnRef>
+              <a:fillRef idx="1">
+                <a:schemeClr val="lt1"/>
+              </a:fillRef>
+              <a:effectRef idx="0">
+                <a:schemeClr val="dk1"/>
+              </a:effectRef>
+              <a:fontRef idx="minor">
+                <a:schemeClr val="dk1"/>
+              </a:fontRef>
+            </p:style>
+            <p:txBody>
+              <a:bodyPr rtlCol="0" anchor="ctr"/>
+              <a:lstStyle/>
+              <a:p>
+                <a:pPr algn="ctr"/>
+                <a14:m>
+                  <m:oMathPara xmlns:m="http://schemas.openxmlformats.org/officeDocument/2006/math">
+                    <m:oMathParaPr>
+                      <m:jc m:val="center"/>
+                    </m:oMathParaPr>
+                    <m:oMath xmlns:m="http://schemas.openxmlformats.org/officeDocument/2006/math">
+                      <m:sSubSup>
+                        <m:sSubSupPr>
+                          <m:ctrlPr>
+                            <a:rPr lang="en-US" altLang="zh-CN" sz="2000" i="1" smtClean="0">
+                              <a:solidFill>
+                                <a:prstClr val="black"/>
+                              </a:solidFill>
+                              <a:latin typeface="Cambria Math" panose="02040503050406030204" pitchFamily="18" charset="0"/>
+                            </a:rPr>
+                          </m:ctrlPr>
+                        </m:sSubSupPr>
+                        <m:e>
+                          <m:r>
+                            <a:rPr lang="en-US" altLang="zh-CN" sz="2000" i="1">
+                              <a:solidFill>
+                                <a:prstClr val="black"/>
+                              </a:solidFill>
+                              <a:latin typeface="Cambria Math" panose="02040503050406030204" pitchFamily="18" charset="0"/>
+                            </a:rPr>
+                            <m:t>𝑎</m:t>
+                          </m:r>
+                        </m:e>
+                        <m:sub>
+                          <m:r>
+                            <a:rPr lang="en-US" altLang="zh-CN" sz="2000" b="0" i="1" smtClean="0">
+                              <a:solidFill>
+                                <a:prstClr val="black"/>
+                              </a:solidFill>
+                              <a:latin typeface="Cambria Math" panose="02040503050406030204" pitchFamily="18" charset="0"/>
+                            </a:rPr>
+                            <m:t>2</m:t>
+                          </m:r>
+                        </m:sub>
+                        <m:sup>
+                          <m:d>
+                            <m:dPr>
+                              <m:begChr m:val="["/>
+                              <m:endChr m:val="]"/>
+                              <m:ctrlPr>
+                                <a:rPr lang="en-US" altLang="zh-CN" sz="2000" i="1" smtClean="0">
+                                  <a:solidFill>
+                                    <a:prstClr val="black"/>
+                                  </a:solidFill>
+                                  <a:latin typeface="Cambria Math" panose="02040503050406030204" pitchFamily="18" charset="0"/>
+                                </a:rPr>
+                              </m:ctrlPr>
+                            </m:dPr>
+                            <m:e>
+                              <m:r>
+                                <a:rPr lang="en-US" altLang="zh-CN" sz="2000" b="0" i="1" smtClean="0">
+                                  <a:solidFill>
+                                    <a:prstClr val="black"/>
+                                  </a:solidFill>
+                                  <a:latin typeface="Cambria Math" panose="02040503050406030204" pitchFamily="18" charset="0"/>
+                                </a:rPr>
+                                <m:t>2</m:t>
+                              </m:r>
+                            </m:e>
+                          </m:d>
+                        </m:sup>
+                      </m:sSubSup>
+                    </m:oMath>
+                  </m:oMathPara>
+                </a14:m>
+                <a:endParaRPr lang="zh-CN" altLang="en-US" sz="1600" dirty="0">
+                  <a:latin typeface="Cambria Math" panose="02040503050406030204" pitchFamily="18" charset="0"/>
+                </a:endParaRPr>
+              </a:p>
+            </p:txBody>
+          </p:sp>
+        </mc:Choice>
+        <mc:Fallback>
+          <p:sp>
+            <p:nvSpPr>
+              <p:cNvPr id="35" name="椭圆 34">
+                <a:extLst>
+                  <a:ext uri="{FF2B5EF4-FFF2-40B4-BE49-F238E27FC236}">
+                    <a16:creationId xmlns:a16="http://schemas.microsoft.com/office/drawing/2014/main" id="{044B990B-887E-EF48-BCDB-F7A15DAB1AFD}"/>
+                  </a:ext>
+                </a:extLst>
+              </p:cNvPr>
+              <p:cNvSpPr>
+                <a:spLocks noRot="1" noChangeAspect="1" noMove="1" noResize="1" noEditPoints="1" noAdjustHandles="1" noChangeArrowheads="1" noChangeShapeType="1" noTextEdit="1"/>
+              </p:cNvSpPr>
+              <p:nvPr/>
+            </p:nvSpPr>
+            <p:spPr>
+              <a:xfrm>
+                <a:off x="5125493" y="1895388"/>
+                <a:ext cx="763270" cy="740600"/>
+              </a:xfrm>
+              <a:prstGeom prst="ellipse">
+                <a:avLst/>
+              </a:prstGeom>
+              <a:blipFill>
+                <a:blip r:embed="rId10"/>
+                <a:stretch>
+                  <a:fillRect/>
+                </a:stretch>
+              </a:blipFill>
+            </p:spPr>
+            <p:txBody>
+              <a:bodyPr/>
+              <a:lstStyle/>
+              <a:p>
+                <a:r>
+                  <a:rPr lang="zh-CN" altLang="en-US">
+                    <a:noFill/>
+                  </a:rPr>
+                  <a:t> </a:t>
+                </a:r>
+              </a:p>
+            </p:txBody>
+          </p:sp>
+        </mc:Fallback>
+      </mc:AlternateContent>
+      <mc:AlternateContent xmlns:mc="http://schemas.openxmlformats.org/markup-compatibility/2006">
+        <mc:Choice xmlns:a14="http://schemas.microsoft.com/office/drawing/2010/main" Requires="a14">
+          <p:sp>
+            <p:nvSpPr>
+              <p:cNvPr id="36" name="椭圆 35">
+                <a:extLst>
+                  <a:ext uri="{FF2B5EF4-FFF2-40B4-BE49-F238E27FC236}">
+                    <a16:creationId xmlns:a16="http://schemas.microsoft.com/office/drawing/2014/main" id="{5299C242-CE89-6D46-8586-6D413CC9AA13}"/>
+                  </a:ext>
+                </a:extLst>
+              </p:cNvPr>
+              <p:cNvSpPr/>
+              <p:nvPr/>
+            </p:nvSpPr>
+            <p:spPr>
+              <a:xfrm>
+                <a:off x="5120202" y="3046660"/>
+                <a:ext cx="763270" cy="740600"/>
+              </a:xfrm>
+              <a:prstGeom prst="ellipse">
+                <a:avLst/>
+              </a:prstGeom>
+            </p:spPr>
+            <p:style>
+              <a:lnRef idx="2">
+                <a:schemeClr val="dk1"/>
+              </a:lnRef>
+              <a:fillRef idx="1">
+                <a:schemeClr val="lt1"/>
+              </a:fillRef>
+              <a:effectRef idx="0">
+                <a:schemeClr val="dk1"/>
+              </a:effectRef>
+              <a:fontRef idx="minor">
+                <a:schemeClr val="dk1"/>
+              </a:fontRef>
+            </p:style>
+            <p:txBody>
+              <a:bodyPr rtlCol="0" anchor="ctr"/>
+              <a:lstStyle/>
+              <a:p>
+                <a:pPr algn="ctr"/>
+                <a14:m>
+                  <m:oMathPara xmlns:m="http://schemas.openxmlformats.org/officeDocument/2006/math">
+                    <m:oMathParaPr>
+                      <m:jc m:val="center"/>
+                    </m:oMathParaPr>
+                    <m:oMath xmlns:m="http://schemas.openxmlformats.org/officeDocument/2006/math">
+                      <m:sSubSup>
+                        <m:sSubSupPr>
+                          <m:ctrlPr>
+                            <a:rPr lang="en-US" altLang="zh-CN" sz="2000" i="1" smtClean="0">
+                              <a:solidFill>
+                                <a:prstClr val="black"/>
+                              </a:solidFill>
+                              <a:latin typeface="Cambria Math" panose="02040503050406030204" pitchFamily="18" charset="0"/>
+                            </a:rPr>
+                          </m:ctrlPr>
+                        </m:sSubSupPr>
+                        <m:e>
+                          <m:r>
+                            <a:rPr lang="en-US" altLang="zh-CN" sz="2000" i="1">
+                              <a:solidFill>
+                                <a:prstClr val="black"/>
+                              </a:solidFill>
+                              <a:latin typeface="Cambria Math" panose="02040503050406030204" pitchFamily="18" charset="0"/>
+                            </a:rPr>
+                            <m:t>𝑎</m:t>
+                          </m:r>
+                        </m:e>
+                        <m:sub>
+                          <m:r>
+                            <a:rPr lang="en-US" altLang="zh-CN" sz="2000" b="0" i="1" smtClean="0">
+                              <a:solidFill>
+                                <a:prstClr val="black"/>
+                              </a:solidFill>
+                              <a:latin typeface="Cambria Math" panose="02040503050406030204" pitchFamily="18" charset="0"/>
+                            </a:rPr>
+                            <m:t>3</m:t>
+                          </m:r>
+                        </m:sub>
+                        <m:sup>
+                          <m:d>
+                            <m:dPr>
+                              <m:begChr m:val="["/>
+                              <m:endChr m:val="]"/>
+                              <m:ctrlPr>
+                                <a:rPr lang="en-US" altLang="zh-CN" sz="2000" i="1">
+                                  <a:solidFill>
+                                    <a:prstClr val="black"/>
+                                  </a:solidFill>
+                                  <a:latin typeface="Cambria Math" panose="02040503050406030204" pitchFamily="18" charset="0"/>
+                                </a:rPr>
+                              </m:ctrlPr>
+                            </m:dPr>
+                            <m:e>
+                              <m:r>
+                                <a:rPr lang="en-US" altLang="zh-CN" sz="2000" b="0" i="1" smtClean="0">
+                                  <a:solidFill>
+                                    <a:prstClr val="black"/>
+                                  </a:solidFill>
+                                  <a:latin typeface="Cambria Math" panose="02040503050406030204" pitchFamily="18" charset="0"/>
+                                </a:rPr>
+                                <m:t>2</m:t>
+                              </m:r>
+                            </m:e>
+                          </m:d>
+                        </m:sup>
+                      </m:sSubSup>
+                    </m:oMath>
+                  </m:oMathPara>
+                </a14:m>
+                <a:endParaRPr lang="zh-CN" altLang="en-US" sz="1600" dirty="0">
+                  <a:latin typeface="Cambria Math" panose="02040503050406030204" pitchFamily="18" charset="0"/>
+                </a:endParaRPr>
+              </a:p>
+            </p:txBody>
+          </p:sp>
+        </mc:Choice>
+        <mc:Fallback>
+          <p:sp>
+            <p:nvSpPr>
+              <p:cNvPr id="36" name="椭圆 35">
+                <a:extLst>
+                  <a:ext uri="{FF2B5EF4-FFF2-40B4-BE49-F238E27FC236}">
+                    <a16:creationId xmlns:a16="http://schemas.microsoft.com/office/drawing/2014/main" id="{5299C242-CE89-6D46-8586-6D413CC9AA13}"/>
+                  </a:ext>
+                </a:extLst>
+              </p:cNvPr>
+              <p:cNvSpPr>
+                <a:spLocks noRot="1" noChangeAspect="1" noMove="1" noResize="1" noEditPoints="1" noAdjustHandles="1" noChangeArrowheads="1" noChangeShapeType="1" noTextEdit="1"/>
+              </p:cNvSpPr>
+              <p:nvPr/>
+            </p:nvSpPr>
+            <p:spPr>
+              <a:xfrm>
+                <a:off x="5120202" y="3046660"/>
+                <a:ext cx="763270" cy="740600"/>
+              </a:xfrm>
+              <a:prstGeom prst="ellipse">
+                <a:avLst/>
+              </a:prstGeom>
+              <a:blipFill>
+                <a:blip r:embed="rId11"/>
+                <a:stretch>
+                  <a:fillRect/>
+                </a:stretch>
+              </a:blipFill>
+            </p:spPr>
+            <p:txBody>
+              <a:bodyPr/>
+              <a:lstStyle/>
+              <a:p>
+                <a:r>
+                  <a:rPr lang="zh-CN" altLang="en-US">
+                    <a:noFill/>
+                  </a:rPr>
+                  <a:t> </a:t>
+                </a:r>
+              </a:p>
+            </p:txBody>
+          </p:sp>
+        </mc:Fallback>
+      </mc:AlternateContent>
+      <mc:AlternateContent xmlns:mc="http://schemas.openxmlformats.org/markup-compatibility/2006">
+        <mc:Choice xmlns:a14="http://schemas.microsoft.com/office/drawing/2010/main" Requires="a14">
+          <p:sp>
+            <p:nvSpPr>
+              <p:cNvPr id="38" name="文本框 37">
+                <a:extLst>
+                  <a:ext uri="{FF2B5EF4-FFF2-40B4-BE49-F238E27FC236}">
+                    <a16:creationId xmlns:a16="http://schemas.microsoft.com/office/drawing/2014/main" id="{74035C79-828B-9D4F-87F4-7D72F0DD26A0}"/>
+                  </a:ext>
+                </a:extLst>
+              </p:cNvPr>
+              <p:cNvSpPr txBox="1"/>
+              <p:nvPr/>
+            </p:nvSpPr>
+            <p:spPr>
+              <a:xfrm>
+                <a:off x="5170701" y="2718316"/>
+                <a:ext cx="629920" cy="246221"/>
+              </a:xfrm>
+              <a:prstGeom prst="rect">
+                <a:avLst/>
+              </a:prstGeom>
+              <a:noFill/>
+            </p:spPr>
+            <p:txBody>
+              <a:bodyPr wrap="square" lIns="0" tIns="0" rIns="0" bIns="0" rtlCol="0">
+                <a:spAutoFit/>
+              </a:bodyPr>
+              <a:lstStyle/>
+              <a:p>
+                <a:pPr/>
+                <a14:m>
+                  <m:oMathPara xmlns:m="http://schemas.openxmlformats.org/officeDocument/2006/math">
+                    <m:oMathParaPr>
+                      <m:jc m:val="centerGroup"/>
+                    </m:oMathParaPr>
+                    <m:oMath xmlns:m="http://schemas.openxmlformats.org/officeDocument/2006/math">
+                      <m:r>
+                        <a:rPr lang="zh-CN" altLang="en-US" sz="1600" i="1" smtClean="0">
+                          <a:latin typeface="Cambria Math" panose="02040503050406030204" pitchFamily="18" charset="0"/>
+                        </a:rPr>
+                        <m:t>⋯</m:t>
+                      </m:r>
+                    </m:oMath>
+                  </m:oMathPara>
+                </a14:m>
+                <a:endParaRPr lang="zh-CN" altLang="en-US" dirty="0"/>
+              </a:p>
+            </p:txBody>
+          </p:sp>
+        </mc:Choice>
+        <mc:Fallback>
+          <p:sp>
+            <p:nvSpPr>
+              <p:cNvPr id="38" name="文本框 37">
+                <a:extLst>
+                  <a:ext uri="{FF2B5EF4-FFF2-40B4-BE49-F238E27FC236}">
+                    <a16:creationId xmlns:a16="http://schemas.microsoft.com/office/drawing/2014/main" id="{74035C79-828B-9D4F-87F4-7D72F0DD26A0}"/>
+                  </a:ext>
+                </a:extLst>
+              </p:cNvPr>
+              <p:cNvSpPr txBox="1">
+                <a:spLocks noRot="1" noChangeAspect="1" noMove="1" noResize="1" noEditPoints="1" noAdjustHandles="1" noChangeArrowheads="1" noChangeShapeType="1" noTextEdit="1"/>
+              </p:cNvSpPr>
+              <p:nvPr/>
+            </p:nvSpPr>
+            <p:spPr>
+              <a:xfrm>
+                <a:off x="5170701" y="2718316"/>
+                <a:ext cx="629920" cy="246221"/>
+              </a:xfrm>
+              <a:prstGeom prst="rect">
+                <a:avLst/>
+              </a:prstGeom>
+              <a:blipFill>
+                <a:blip r:embed="rId12"/>
+                <a:stretch>
+                  <a:fillRect/>
+                </a:stretch>
+              </a:blipFill>
+            </p:spPr>
+            <p:txBody>
+              <a:bodyPr/>
+              <a:lstStyle/>
+              <a:p>
+                <a:r>
+                  <a:rPr lang="zh-CN" altLang="en-US">
+                    <a:noFill/>
+                  </a:rPr>
+                  <a:t> </a:t>
+                </a:r>
+              </a:p>
+            </p:txBody>
+          </p:sp>
+        </mc:Fallback>
+      </mc:AlternateContent>
+      <mc:AlternateContent xmlns:mc="http://schemas.openxmlformats.org/markup-compatibility/2006">
+        <mc:Choice xmlns:a14="http://schemas.microsoft.com/office/drawing/2010/main" Requires="a14">
+          <p:sp>
+            <p:nvSpPr>
+              <p:cNvPr id="39" name="椭圆 38">
+                <a:extLst>
+                  <a:ext uri="{FF2B5EF4-FFF2-40B4-BE49-F238E27FC236}">
+                    <a16:creationId xmlns:a16="http://schemas.microsoft.com/office/drawing/2014/main" id="{12BCBF15-BDC4-4846-AFF8-584C67F8C1BA}"/>
+                  </a:ext>
+                </a:extLst>
+              </p:cNvPr>
+              <p:cNvSpPr/>
+              <p:nvPr/>
+            </p:nvSpPr>
+            <p:spPr>
+              <a:xfrm>
+                <a:off x="5120202" y="1048130"/>
+                <a:ext cx="763270" cy="740600"/>
+              </a:xfrm>
+              <a:prstGeom prst="ellipse">
+                <a:avLst/>
+              </a:prstGeom>
+            </p:spPr>
+            <p:style>
+              <a:lnRef idx="2">
+                <a:schemeClr val="dk1"/>
+              </a:lnRef>
+              <a:fillRef idx="1">
+                <a:schemeClr val="lt1"/>
+              </a:fillRef>
+              <a:effectRef idx="0">
+                <a:schemeClr val="dk1"/>
+              </a:effectRef>
+              <a:fontRef idx="minor">
+                <a:schemeClr val="dk1"/>
+              </a:fontRef>
+            </p:style>
+            <p:txBody>
+              <a:bodyPr rtlCol="0" anchor="ctr"/>
+              <a:lstStyle/>
+              <a:p>
+                <a:pPr algn="ctr"/>
+                <a14:m>
+                  <m:oMathPara xmlns:m="http://schemas.openxmlformats.org/officeDocument/2006/math">
+                    <m:oMathParaPr>
+                      <m:jc m:val="center"/>
+                    </m:oMathParaPr>
+                    <m:oMath xmlns:m="http://schemas.openxmlformats.org/officeDocument/2006/math">
+                      <m:sSubSup>
+                        <m:sSubSupPr>
+                          <m:ctrlPr>
+                            <a:rPr lang="en-US" altLang="zh-CN" sz="2000" b="0" i="1" smtClean="0">
+                              <a:latin typeface="Cambria Math" panose="02040503050406030204" pitchFamily="18" charset="0"/>
+                            </a:rPr>
+                          </m:ctrlPr>
+                        </m:sSubSupPr>
+                        <m:e>
+                          <m:r>
+                            <a:rPr lang="en-US" altLang="zh-CN" sz="2000" b="0" i="1" smtClean="0">
+                              <a:latin typeface="Cambria Math" panose="02040503050406030204" pitchFamily="18" charset="0"/>
+                            </a:rPr>
+                            <m:t>𝑎</m:t>
+                          </m:r>
+                        </m:e>
+                        <m:sub>
+                          <m:r>
+                            <a:rPr lang="en-US" altLang="zh-CN" sz="2000" b="0" i="1" smtClean="0">
+                              <a:latin typeface="Cambria Math" panose="02040503050406030204" pitchFamily="18" charset="0"/>
+                            </a:rPr>
+                            <m:t>1</m:t>
+                          </m:r>
+                        </m:sub>
+                        <m:sup>
+                          <m:d>
+                            <m:dPr>
+                              <m:begChr m:val="["/>
+                              <m:endChr m:val="]"/>
+                              <m:ctrlPr>
+                                <a:rPr lang="en-US" altLang="zh-CN" sz="2000" b="0" i="1" smtClean="0">
+                                  <a:latin typeface="Cambria Math" panose="02040503050406030204" pitchFamily="18" charset="0"/>
+                                </a:rPr>
+                              </m:ctrlPr>
+                            </m:dPr>
+                            <m:e>
+                              <m:r>
+                                <a:rPr lang="en-US" altLang="zh-CN" sz="2000" b="0" i="1" smtClean="0">
+                                  <a:latin typeface="Cambria Math" panose="02040503050406030204" pitchFamily="18" charset="0"/>
+                                </a:rPr>
+                                <m:t>2</m:t>
+                              </m:r>
+                            </m:e>
+                          </m:d>
+                        </m:sup>
+                      </m:sSubSup>
+                    </m:oMath>
+                  </m:oMathPara>
+                </a14:m>
+                <a:endParaRPr lang="en-US" altLang="zh-CN" sz="1600" b="0" dirty="0">
+                  <a:latin typeface="Cambria Math" panose="02040503050406030204" pitchFamily="18" charset="0"/>
+                </a:endParaRPr>
+              </a:p>
+            </p:txBody>
+          </p:sp>
+        </mc:Choice>
+        <mc:Fallback>
+          <p:sp>
+            <p:nvSpPr>
+              <p:cNvPr id="39" name="椭圆 38">
+                <a:extLst>
+                  <a:ext uri="{FF2B5EF4-FFF2-40B4-BE49-F238E27FC236}">
+                    <a16:creationId xmlns:a16="http://schemas.microsoft.com/office/drawing/2014/main" id="{12BCBF15-BDC4-4846-AFF8-584C67F8C1BA}"/>
+                  </a:ext>
+                </a:extLst>
+              </p:cNvPr>
+              <p:cNvSpPr>
+                <a:spLocks noRot="1" noChangeAspect="1" noMove="1" noResize="1" noEditPoints="1" noAdjustHandles="1" noChangeArrowheads="1" noChangeShapeType="1" noTextEdit="1"/>
+              </p:cNvSpPr>
+              <p:nvPr/>
+            </p:nvSpPr>
+            <p:spPr>
+              <a:xfrm>
+                <a:off x="5120202" y="1048130"/>
+                <a:ext cx="763270" cy="740600"/>
+              </a:xfrm>
+              <a:prstGeom prst="ellipse">
+                <a:avLst/>
+              </a:prstGeom>
+              <a:blipFill>
+                <a:blip r:embed="rId13"/>
+                <a:stretch>
+                  <a:fillRect/>
+                </a:stretch>
+              </a:blipFill>
+            </p:spPr>
+            <p:txBody>
+              <a:bodyPr/>
+              <a:lstStyle/>
+              <a:p>
+                <a:r>
+                  <a:rPr lang="zh-CN" altLang="en-US">
+                    <a:noFill/>
+                  </a:rPr>
+                  <a:t> </a:t>
+                </a:r>
+              </a:p>
+            </p:txBody>
+          </p:sp>
+        </mc:Fallback>
+      </mc:AlternateContent>
+      <p:cxnSp>
+        <p:nvCxnSpPr>
+          <p:cNvPr id="40" name="直接箭头连接符 69">
+            <a:extLst>
+              <a:ext uri="{FF2B5EF4-FFF2-40B4-BE49-F238E27FC236}">
+                <a16:creationId xmlns:a16="http://schemas.microsoft.com/office/drawing/2014/main" id="{DF1B8C60-5D8B-DF41-9B08-7DFC33EFF411}"/>
+              </a:ext>
+            </a:extLst>
+          </p:cNvPr>
+          <p:cNvCxnSpPr>
+            <a:cxnSpLocks/>
+          </p:cNvCxnSpPr>
+          <p:nvPr/>
+        </p:nvCxnSpPr>
+        <p:spPr>
+          <a:xfrm>
+            <a:off x="4241980" y="2811606"/>
+            <a:ext cx="792486" cy="919"/>
+          </a:xfrm>
+          <a:prstGeom prst="straightConnector1">
+            <a:avLst/>
+          </a:prstGeom>
+          <a:ln>
+            <a:tailEnd type="triangle"/>
+          </a:ln>
+        </p:spPr>
+        <p:style>
+          <a:lnRef idx="3">
+            <a:schemeClr val="dk1"/>
+          </a:lnRef>
+          <a:fillRef idx="0">
+            <a:schemeClr val="dk1"/>
+          </a:fillRef>
+          <a:effectRef idx="2">
+            <a:schemeClr val="dk1"/>
+          </a:effectRef>
+          <a:fontRef idx="minor">
+            <a:schemeClr val="tx1"/>
+          </a:fontRef>
+        </p:style>
+      </p:cxnSp>
+      <p:cxnSp>
+        <p:nvCxnSpPr>
+          <p:cNvPr id="41" name="直接箭头连接符 69">
+            <a:extLst>
+              <a:ext uri="{FF2B5EF4-FFF2-40B4-BE49-F238E27FC236}">
+                <a16:creationId xmlns:a16="http://schemas.microsoft.com/office/drawing/2014/main" id="{CB6F723B-0092-0E4D-81FC-6D984734B46C}"/>
+              </a:ext>
+            </a:extLst>
+          </p:cNvPr>
+          <p:cNvCxnSpPr>
+            <a:cxnSpLocks/>
+          </p:cNvCxnSpPr>
+          <p:nvPr/>
+        </p:nvCxnSpPr>
+        <p:spPr>
+          <a:xfrm>
+            <a:off x="5905368" y="2815323"/>
+            <a:ext cx="792486" cy="919"/>
+          </a:xfrm>
+          <a:prstGeom prst="straightConnector1">
+            <a:avLst/>
+          </a:prstGeom>
+          <a:ln>
+            <a:tailEnd type="triangle"/>
+          </a:ln>
+        </p:spPr>
+        <p:style>
+          <a:lnRef idx="3">
+            <a:schemeClr val="dk1"/>
+          </a:lnRef>
+          <a:fillRef idx="0">
+            <a:schemeClr val="dk1"/>
+          </a:fillRef>
+          <a:effectRef idx="2">
+            <a:schemeClr val="dk1"/>
+          </a:effectRef>
+          <a:fontRef idx="minor">
+            <a:schemeClr val="tx1"/>
+          </a:fontRef>
+        </p:style>
+      </p:cxnSp>
+      <p:sp>
+        <p:nvSpPr>
+          <p:cNvPr id="42" name="文本框 41">
+            <a:extLst>
+              <a:ext uri="{FF2B5EF4-FFF2-40B4-BE49-F238E27FC236}">
+                <a16:creationId xmlns:a16="http://schemas.microsoft.com/office/drawing/2014/main" id="{96D8E56A-B9D5-374E-A4D7-E3BDDC6A9986}"/>
+              </a:ext>
+            </a:extLst>
+          </p:cNvPr>
+          <p:cNvSpPr txBox="1"/>
+          <p:nvPr/>
+        </p:nvSpPr>
+        <p:spPr>
+          <a:xfrm>
+            <a:off x="4629816" y="4769169"/>
+            <a:ext cx="1920240" cy="707886"/>
+          </a:xfrm>
+          <a:prstGeom prst="rect">
+            <a:avLst/>
+          </a:prstGeom>
+          <a:noFill/>
+        </p:spPr>
+        <p:txBody>
+          <a:bodyPr wrap="square" rtlCol="0">
+            <a:spAutoFit/>
+          </a:bodyPr>
+          <a:lstStyle/>
+          <a:p>
+            <a:pPr algn="ctr"/>
+            <a:r>
+              <a:rPr lang="en-US" altLang="zh-CN" sz="2000" b="1" dirty="0">
+                <a:latin typeface="Cambria Math" panose="02040503050406030204" pitchFamily="18" charset="0"/>
+                <a:ea typeface="Cambria Math" panose="02040503050406030204" pitchFamily="18" charset="0"/>
+              </a:rPr>
+              <a:t>hidden layer 2 of</a:t>
+            </a:r>
+            <a:r>
+              <a:rPr lang="zh-CN" altLang="en-US" sz="2000" b="1" dirty="0">
+                <a:latin typeface="Cambria Math" panose="02040503050406030204" pitchFamily="18" charset="0"/>
+                <a:ea typeface="Cambria Math" panose="02040503050406030204" pitchFamily="18" charset="0"/>
+              </a:rPr>
+              <a:t> </a:t>
+            </a:r>
+            <a:r>
+              <a:rPr lang="en-US" altLang="zh-CN" sz="2000" b="1" dirty="0">
+                <a:latin typeface="Cambria Math" panose="02040503050406030204" pitchFamily="18" charset="0"/>
+                <a:ea typeface="Cambria Math" panose="02040503050406030204" pitchFamily="18" charset="0"/>
+              </a:rPr>
+              <a:t>size</a:t>
+            </a:r>
+            <a:r>
+              <a:rPr lang="zh-CN" altLang="en-US" sz="2000" b="1" dirty="0">
+                <a:latin typeface="Cambria Math" panose="02040503050406030204" pitchFamily="18" charset="0"/>
+                <a:ea typeface="Cambria Math" panose="02040503050406030204" pitchFamily="18" charset="0"/>
+              </a:rPr>
+              <a:t> </a:t>
+            </a:r>
+            <a:r>
+              <a:rPr lang="en-US" altLang="zh-CN" sz="2000" b="1" dirty="0">
+                <a:latin typeface="Cambria Math" panose="02040503050406030204" pitchFamily="18" charset="0"/>
+                <a:ea typeface="Cambria Math" panose="02040503050406030204" pitchFamily="18" charset="0"/>
+              </a:rPr>
+              <a:t>3(relu)</a:t>
+            </a:r>
+            <a:endParaRPr lang="zh-CN" altLang="en-US" sz="2000" b="1" dirty="0">
+              <a:latin typeface="Cambria Math" panose="02040503050406030204" pitchFamily="18" charset="0"/>
+            </a:endParaRPr>
+          </a:p>
+        </p:txBody>
+      </p:sp>
+      <mc:AlternateContent xmlns:mc="http://schemas.openxmlformats.org/markup-compatibility/2006">
+        <mc:Choice xmlns:a14="http://schemas.microsoft.com/office/drawing/2010/main" Requires="a14">
+          <p:sp>
+            <p:nvSpPr>
+              <p:cNvPr id="29" name="椭圆 28">
+                <a:extLst>
+                  <a:ext uri="{FF2B5EF4-FFF2-40B4-BE49-F238E27FC236}">
+                    <a16:creationId xmlns:a16="http://schemas.microsoft.com/office/drawing/2014/main" id="{68C021B4-4780-5F4B-8C75-6EBE0C29B6DE}"/>
+                  </a:ext>
+                </a:extLst>
+              </p:cNvPr>
+              <p:cNvSpPr/>
+              <p:nvPr/>
+            </p:nvSpPr>
+            <p:spPr>
+              <a:xfrm>
+                <a:off x="1255109" y="1913723"/>
+                <a:ext cx="879039" cy="852931"/>
+              </a:xfrm>
+              <a:prstGeom prst="ellipse">
+                <a:avLst/>
+              </a:prstGeom>
+            </p:spPr>
+            <p:style>
+              <a:lnRef idx="2">
+                <a:schemeClr val="dk1"/>
+              </a:lnRef>
+              <a:fillRef idx="1">
+                <a:schemeClr val="lt1"/>
+              </a:fillRef>
+              <a:effectRef idx="0">
+                <a:schemeClr val="dk1"/>
+              </a:effectRef>
+              <a:fontRef idx="minor">
+                <a:schemeClr val="dk1"/>
+              </a:fontRef>
+            </p:style>
+            <p:txBody>
+              <a:bodyPr rtlCol="0" anchor="ctr"/>
+              <a:lstStyle/>
+              <a:p>
+                <a:pPr algn="ctr"/>
+                <a14:m>
+                  <m:oMathPara xmlns:m="http://schemas.openxmlformats.org/officeDocument/2006/math">
+                    <m:oMathParaPr>
+                      <m:jc m:val="center"/>
+                    </m:oMathParaPr>
+                    <m:oMath xmlns:m="http://schemas.openxmlformats.org/officeDocument/2006/math">
+                      <m:sSub>
+                        <m:sSubPr>
+                          <m:ctrlPr>
+                            <a:rPr lang="en-US" altLang="zh-CN" sz="3200" b="0" i="0" smtClean="0">
+                              <a:latin typeface="Cambria Math" panose="02040503050406030204" pitchFamily="18" charset="0"/>
+                            </a:rPr>
+                          </m:ctrlPr>
+                        </m:sSubPr>
+                        <m:e>
+                          <m:r>
+                            <a:rPr lang="en-US" altLang="zh-CN" sz="3200" b="0" i="1" smtClean="0">
+                              <a:latin typeface="Cambria Math" panose="02040503050406030204" pitchFamily="18" charset="0"/>
+                            </a:rPr>
+                            <m:t>𝑥</m:t>
+                          </m:r>
+                        </m:e>
+                        <m:sub>
+                          <m:r>
+                            <a:rPr lang="en-US" altLang="zh-CN" sz="3200" b="0" i="0" smtClean="0">
+                              <a:latin typeface="Cambria Math" panose="02040503050406030204" pitchFamily="18" charset="0"/>
+                            </a:rPr>
+                            <m:t>2</m:t>
+                          </m:r>
+                        </m:sub>
+                      </m:sSub>
+                    </m:oMath>
+                  </m:oMathPara>
+                </a14:m>
+                <a:endParaRPr lang="en-US" altLang="zh-CN" sz="3200" b="0" dirty="0">
+                  <a:latin typeface="Cambria Math" panose="02040503050406030204" pitchFamily="18" charset="0"/>
+                </a:endParaRPr>
+              </a:p>
+            </p:txBody>
+          </p:sp>
+        </mc:Choice>
+        <mc:Fallback>
+          <p:sp>
+            <p:nvSpPr>
+              <p:cNvPr id="29" name="椭圆 28">
+                <a:extLst>
+                  <a:ext uri="{FF2B5EF4-FFF2-40B4-BE49-F238E27FC236}">
+                    <a16:creationId xmlns:a16="http://schemas.microsoft.com/office/drawing/2014/main" id="{68C021B4-4780-5F4B-8C75-6EBE0C29B6DE}"/>
+                  </a:ext>
+                </a:extLst>
+              </p:cNvPr>
+              <p:cNvSpPr>
+                <a:spLocks noRot="1" noChangeAspect="1" noMove="1" noResize="1" noEditPoints="1" noAdjustHandles="1" noChangeArrowheads="1" noChangeShapeType="1" noTextEdit="1"/>
+              </p:cNvSpPr>
+              <p:nvPr/>
+            </p:nvSpPr>
+            <p:spPr>
+              <a:xfrm>
+                <a:off x="1255109" y="1913723"/>
+                <a:ext cx="879039" cy="852931"/>
+              </a:xfrm>
+              <a:prstGeom prst="ellipse">
+                <a:avLst/>
+              </a:prstGeom>
+              <a:blipFill>
+                <a:blip r:embed="rId14"/>
+                <a:stretch>
+                  <a:fillRect/>
+                </a:stretch>
+              </a:blipFill>
+            </p:spPr>
+            <p:txBody>
+              <a:bodyPr/>
+              <a:lstStyle/>
+              <a:p>
+                <a:r>
+                  <a:rPr lang="zh-CN" altLang="en-US">
+                    <a:noFill/>
+                  </a:rPr>
+                  <a:t> </a:t>
+                </a:r>
+              </a:p>
+            </p:txBody>
+          </p:sp>
+        </mc:Fallback>
+      </mc:AlternateContent>
+      <mc:AlternateContent xmlns:mc="http://schemas.openxmlformats.org/markup-compatibility/2006">
+        <mc:Choice xmlns:a14="http://schemas.microsoft.com/office/drawing/2010/main" Requires="a14">
+          <p:sp>
+            <p:nvSpPr>
+              <p:cNvPr id="30" name="椭圆 29">
+                <a:extLst>
+                  <a:ext uri="{FF2B5EF4-FFF2-40B4-BE49-F238E27FC236}">
+                    <a16:creationId xmlns:a16="http://schemas.microsoft.com/office/drawing/2014/main" id="{3E63E51C-D80D-594F-9B7D-4C0879BAAA7D}"/>
+                  </a:ext>
+                </a:extLst>
+              </p:cNvPr>
+              <p:cNvSpPr/>
+              <p:nvPr/>
+            </p:nvSpPr>
+            <p:spPr>
+              <a:xfrm>
+                <a:off x="1255107" y="2843459"/>
+                <a:ext cx="879039" cy="852931"/>
+              </a:xfrm>
+              <a:prstGeom prst="ellipse">
+                <a:avLst/>
+              </a:prstGeom>
+            </p:spPr>
+            <p:style>
+              <a:lnRef idx="2">
+                <a:schemeClr val="dk1"/>
+              </a:lnRef>
+              <a:fillRef idx="1">
+                <a:schemeClr val="lt1"/>
+              </a:fillRef>
+              <a:effectRef idx="0">
+                <a:schemeClr val="dk1"/>
+              </a:effectRef>
+              <a:fontRef idx="minor">
+                <a:schemeClr val="dk1"/>
+              </a:fontRef>
+            </p:style>
+            <p:txBody>
+              <a:bodyPr rtlCol="0" anchor="ctr"/>
+              <a:lstStyle/>
+              <a:p>
+                <a:pPr algn="ctr"/>
+                <a14:m>
+                  <m:oMathPara xmlns:m="http://schemas.openxmlformats.org/officeDocument/2006/math">
+                    <m:oMathParaPr>
+                      <m:jc m:val="center"/>
+                    </m:oMathParaPr>
+                    <m:oMath xmlns:m="http://schemas.openxmlformats.org/officeDocument/2006/math">
+                      <m:sSub>
+                        <m:sSubPr>
+                          <m:ctrlPr>
+                            <a:rPr lang="en-US" altLang="zh-CN" sz="3200" b="0" i="0" smtClean="0">
+                              <a:latin typeface="Cambria Math" panose="02040503050406030204" pitchFamily="18" charset="0"/>
+                            </a:rPr>
+                          </m:ctrlPr>
+                        </m:sSubPr>
+                        <m:e>
+                          <m:r>
+                            <a:rPr lang="en-US" altLang="zh-CN" sz="3200" b="0" i="1" smtClean="0">
+                              <a:latin typeface="Cambria Math" panose="02040503050406030204" pitchFamily="18" charset="0"/>
+                            </a:rPr>
+                            <m:t>𝑥</m:t>
+                          </m:r>
+                        </m:e>
+                        <m:sub>
+                          <m:r>
+                            <a:rPr lang="en-US" altLang="zh-CN" sz="3200" b="0" i="0" smtClean="0">
+                              <a:latin typeface="Cambria Math" panose="02040503050406030204" pitchFamily="18" charset="0"/>
+                            </a:rPr>
+                            <m:t>3</m:t>
+                          </m:r>
+                        </m:sub>
+                      </m:sSub>
+                    </m:oMath>
+                  </m:oMathPara>
+                </a14:m>
+                <a:endParaRPr lang="en-US" altLang="zh-CN" sz="3200" b="0" dirty="0">
+                  <a:latin typeface="Cambria Math" panose="02040503050406030204" pitchFamily="18" charset="0"/>
+                </a:endParaRPr>
+              </a:p>
+            </p:txBody>
+          </p:sp>
+        </mc:Choice>
+        <mc:Fallback>
+          <p:sp>
+            <p:nvSpPr>
+              <p:cNvPr id="30" name="椭圆 29">
+                <a:extLst>
+                  <a:ext uri="{FF2B5EF4-FFF2-40B4-BE49-F238E27FC236}">
+                    <a16:creationId xmlns:a16="http://schemas.microsoft.com/office/drawing/2014/main" id="{3E63E51C-D80D-594F-9B7D-4C0879BAAA7D}"/>
+                  </a:ext>
+                </a:extLst>
+              </p:cNvPr>
+              <p:cNvSpPr>
+                <a:spLocks noRot="1" noChangeAspect="1" noMove="1" noResize="1" noEditPoints="1" noAdjustHandles="1" noChangeArrowheads="1" noChangeShapeType="1" noTextEdit="1"/>
+              </p:cNvSpPr>
+              <p:nvPr/>
+            </p:nvSpPr>
+            <p:spPr>
+              <a:xfrm>
+                <a:off x="1255107" y="2843459"/>
+                <a:ext cx="879039" cy="852931"/>
+              </a:xfrm>
+              <a:prstGeom prst="ellipse">
+                <a:avLst/>
+              </a:prstGeom>
+              <a:blipFill>
+                <a:blip r:embed="rId15"/>
+                <a:stretch>
+                  <a:fillRect/>
+                </a:stretch>
+              </a:blipFill>
+            </p:spPr>
+            <p:txBody>
+              <a:bodyPr/>
+              <a:lstStyle/>
+              <a:p>
+                <a:r>
+                  <a:rPr lang="zh-CN" altLang="en-US">
+                    <a:noFill/>
+                  </a:rPr>
+                  <a:t> </a:t>
+                </a:r>
+              </a:p>
+            </p:txBody>
+          </p:sp>
+        </mc:Fallback>
+      </mc:AlternateContent>
+      <mc:AlternateContent xmlns:mc="http://schemas.openxmlformats.org/markup-compatibility/2006">
+        <mc:Choice xmlns:a14="http://schemas.microsoft.com/office/drawing/2010/main" Requires="a14">
+          <p:sp>
+            <p:nvSpPr>
+              <p:cNvPr id="31" name="椭圆 30">
+                <a:extLst>
+                  <a:ext uri="{FF2B5EF4-FFF2-40B4-BE49-F238E27FC236}">
+                    <a16:creationId xmlns:a16="http://schemas.microsoft.com/office/drawing/2014/main" id="{FFB7E8AD-E5F3-9244-AE6D-A3BBF29B7D70}"/>
+                  </a:ext>
+                </a:extLst>
+              </p:cNvPr>
+              <p:cNvSpPr/>
+              <p:nvPr/>
+            </p:nvSpPr>
+            <p:spPr>
+              <a:xfrm>
+                <a:off x="1255110" y="991964"/>
+                <a:ext cx="879039" cy="852931"/>
+              </a:xfrm>
+              <a:prstGeom prst="ellipse">
+                <a:avLst/>
+              </a:prstGeom>
+            </p:spPr>
+            <p:style>
+              <a:lnRef idx="2">
+                <a:schemeClr val="dk1"/>
+              </a:lnRef>
+              <a:fillRef idx="1">
+                <a:schemeClr val="lt1"/>
+              </a:fillRef>
+              <a:effectRef idx="0">
+                <a:schemeClr val="dk1"/>
+              </a:effectRef>
+              <a:fontRef idx="minor">
+                <a:schemeClr val="dk1"/>
+              </a:fontRef>
+            </p:style>
+            <p:txBody>
+              <a:bodyPr rtlCol="0" anchor="ctr"/>
+              <a:lstStyle/>
+              <a:p>
+                <a:pPr algn="ctr"/>
+                <a14:m>
+                  <m:oMathPara xmlns:m="http://schemas.openxmlformats.org/officeDocument/2006/math">
+                    <m:oMathParaPr>
+                      <m:jc m:val="center"/>
+                    </m:oMathParaPr>
+                    <m:oMath xmlns:m="http://schemas.openxmlformats.org/officeDocument/2006/math">
+                      <m:sSub>
+                        <m:sSubPr>
+                          <m:ctrlPr>
+                            <a:rPr lang="en-US" altLang="zh-CN" sz="3200" b="0" i="0" smtClean="0">
+                              <a:latin typeface="Cambria Math" panose="02040503050406030204" pitchFamily="18" charset="0"/>
+                            </a:rPr>
+                          </m:ctrlPr>
+                        </m:sSubPr>
+                        <m:e>
+                          <m:r>
+                            <a:rPr lang="en-US" altLang="zh-CN" sz="3200" b="0" i="1" smtClean="0">
+                              <a:latin typeface="Cambria Math" panose="02040503050406030204" pitchFamily="18" charset="0"/>
+                            </a:rPr>
+                            <m:t>𝑥</m:t>
+                          </m:r>
+                        </m:e>
+                        <m:sub>
+                          <m:r>
+                            <a:rPr lang="en-US" altLang="zh-CN" sz="3200" b="0" i="0" smtClean="0">
+                              <a:latin typeface="Cambria Math" panose="02040503050406030204" pitchFamily="18" charset="0"/>
+                            </a:rPr>
+                            <m:t>1</m:t>
+                          </m:r>
+                        </m:sub>
+                      </m:sSub>
+                    </m:oMath>
+                  </m:oMathPara>
+                </a14:m>
+                <a:endParaRPr lang="en-US" altLang="zh-CN" sz="3200" b="0" dirty="0">
+                  <a:latin typeface="Cambria Math" panose="02040503050406030204" pitchFamily="18" charset="0"/>
+                </a:endParaRPr>
+              </a:p>
+            </p:txBody>
+          </p:sp>
+        </mc:Choice>
+        <mc:Fallback>
+          <p:sp>
+            <p:nvSpPr>
+              <p:cNvPr id="31" name="椭圆 30">
+                <a:extLst>
+                  <a:ext uri="{FF2B5EF4-FFF2-40B4-BE49-F238E27FC236}">
+                    <a16:creationId xmlns:a16="http://schemas.microsoft.com/office/drawing/2014/main" id="{FFB7E8AD-E5F3-9244-AE6D-A3BBF29B7D70}"/>
+                  </a:ext>
+                </a:extLst>
+              </p:cNvPr>
+              <p:cNvSpPr>
+                <a:spLocks noRot="1" noChangeAspect="1" noMove="1" noResize="1" noEditPoints="1" noAdjustHandles="1" noChangeArrowheads="1" noChangeShapeType="1" noTextEdit="1"/>
+              </p:cNvSpPr>
+              <p:nvPr/>
+            </p:nvSpPr>
+            <p:spPr>
+              <a:xfrm>
+                <a:off x="1255110" y="991964"/>
+                <a:ext cx="879039" cy="852931"/>
+              </a:xfrm>
+              <a:prstGeom prst="ellipse">
+                <a:avLst/>
+              </a:prstGeom>
+              <a:blipFill>
+                <a:blip r:embed="rId16"/>
+                <a:stretch>
+                  <a:fillRect/>
+                </a:stretch>
+              </a:blipFill>
+            </p:spPr>
+            <p:txBody>
+              <a:bodyPr/>
+              <a:lstStyle/>
+              <a:p>
+                <a:r>
+                  <a:rPr lang="zh-CN" altLang="en-US">
+                    <a:noFill/>
+                  </a:rPr>
+                  <a:t> </a:t>
+                </a:r>
+              </a:p>
+            </p:txBody>
+          </p:sp>
+        </mc:Fallback>
+      </mc:AlternateContent>
+    </p:spTree>
+    <p:extLst>
+      <p:ext uri="{BB962C8B-B14F-4D97-AF65-F5344CB8AC3E}">
+        <p14:creationId xmlns:p14="http://schemas.microsoft.com/office/powerpoint/2010/main" val="2099345797"/>
       </p:ext>
     </p:extLst>
   </p:cSld>
